--- a/papers/journalSwarmControl/pictures/MainRegions.pptx
+++ b/papers/journalSwarmControl/pictures/MainRegions.pptx
@@ -3536,7 +3536,7 @@
         </p:nvSpPr>
         <p:spPr>
           <a:xfrm>
-            <a:off x="630725" y="2040011"/>
+            <a:off x="640150" y="2017296"/>
             <a:ext cx="5241303" cy="1780095"/>
           </a:xfrm>
           <a:prstGeom prst="rect">
@@ -4278,11 +4278,13 @@
             <a:avLst/>
           </a:prstGeom>
           <a:solidFill>
-            <a:srgbClr val="38F838"/>
+            <a:schemeClr val="bg1">
+              <a:lumMod val="85000"/>
+            </a:schemeClr>
           </a:solidFill>
           <a:ln w="19050">
             <a:solidFill>
-              <a:srgbClr val="0000FF"/>
+              <a:srgbClr val="FF0000"/>
             </a:solidFill>
           </a:ln>
         </p:spPr>
@@ -4331,11 +4333,13 @@
             <a:avLst/>
           </a:prstGeom>
           <a:solidFill>
-            <a:srgbClr val="38F838"/>
+            <a:schemeClr val="bg1">
+              <a:lumMod val="85000"/>
+            </a:schemeClr>
           </a:solidFill>
           <a:ln w="19050">
             <a:solidFill>
-              <a:srgbClr val="0000FF"/>
+              <a:srgbClr val="FF0000"/>
             </a:solidFill>
           </a:ln>
         </p:spPr>
@@ -4384,11 +4388,13 @@
             <a:avLst/>
           </a:prstGeom>
           <a:solidFill>
-            <a:srgbClr val="38F838"/>
+            <a:schemeClr val="bg1">
+              <a:lumMod val="85000"/>
+            </a:schemeClr>
           </a:solidFill>
           <a:ln w="19050">
             <a:solidFill>
-              <a:srgbClr val="0000FF"/>
+              <a:srgbClr val="FF0000"/>
             </a:solidFill>
           </a:ln>
         </p:spPr>
@@ -4437,11 +4443,13 @@
             <a:avLst/>
           </a:prstGeom>
           <a:solidFill>
-            <a:srgbClr val="38F838"/>
+            <a:schemeClr val="bg1">
+              <a:lumMod val="85000"/>
+            </a:schemeClr>
           </a:solidFill>
           <a:ln w="19050">
             <a:solidFill>
-              <a:srgbClr val="0000FF"/>
+              <a:srgbClr val="FF0000"/>
             </a:solidFill>
           </a:ln>
         </p:spPr>
@@ -4490,11 +4498,13 @@
             <a:avLst/>
           </a:prstGeom>
           <a:solidFill>
-            <a:srgbClr val="38F838"/>
+            <a:schemeClr val="bg1">
+              <a:lumMod val="85000"/>
+            </a:schemeClr>
           </a:solidFill>
           <a:ln w="19050">
             <a:solidFill>
-              <a:srgbClr val="0000FF"/>
+              <a:srgbClr val="FF0000"/>
             </a:solidFill>
           </a:ln>
         </p:spPr>
@@ -4543,11 +4553,13 @@
             <a:avLst/>
           </a:prstGeom>
           <a:solidFill>
-            <a:srgbClr val="38F838"/>
+            <a:schemeClr val="bg1">
+              <a:lumMod val="85000"/>
+            </a:schemeClr>
           </a:solidFill>
           <a:ln w="19050">
             <a:solidFill>
-              <a:srgbClr val="0000FF"/>
+              <a:srgbClr val="FF0000"/>
             </a:solidFill>
           </a:ln>
         </p:spPr>
@@ -4596,11 +4608,13 @@
             <a:avLst/>
           </a:prstGeom>
           <a:solidFill>
-            <a:srgbClr val="38F838"/>
+            <a:schemeClr val="bg1">
+              <a:lumMod val="85000"/>
+            </a:schemeClr>
           </a:solidFill>
           <a:ln w="19050">
             <a:solidFill>
-              <a:srgbClr val="0000FF"/>
+              <a:srgbClr val="FF0000"/>
             </a:solidFill>
           </a:ln>
         </p:spPr>
@@ -4649,11 +4663,13 @@
             <a:avLst/>
           </a:prstGeom>
           <a:solidFill>
-            <a:srgbClr val="38F838"/>
+            <a:schemeClr val="bg1">
+              <a:lumMod val="85000"/>
+            </a:schemeClr>
           </a:solidFill>
           <a:ln w="19050">
             <a:solidFill>
-              <a:srgbClr val="0000FF"/>
+              <a:srgbClr val="FF0000"/>
             </a:solidFill>
           </a:ln>
         </p:spPr>
@@ -4702,11 +4718,13 @@
             <a:avLst/>
           </a:prstGeom>
           <a:solidFill>
-            <a:srgbClr val="38F838"/>
+            <a:schemeClr val="bg1">
+              <a:lumMod val="85000"/>
+            </a:schemeClr>
           </a:solidFill>
           <a:ln w="19050">
             <a:solidFill>
-              <a:srgbClr val="0000FF"/>
+              <a:srgbClr val="FF0000"/>
             </a:solidFill>
           </a:ln>
         </p:spPr>
@@ -4755,11 +4773,13 @@
             <a:avLst/>
           </a:prstGeom>
           <a:solidFill>
-            <a:srgbClr val="38F838"/>
+            <a:schemeClr val="bg1">
+              <a:lumMod val="85000"/>
+            </a:schemeClr>
           </a:solidFill>
           <a:ln w="19050">
             <a:solidFill>
-              <a:srgbClr val="0000FF"/>
+              <a:srgbClr val="FF0000"/>
             </a:solidFill>
           </a:ln>
         </p:spPr>
@@ -4808,11 +4828,13 @@
             <a:avLst/>
           </a:prstGeom>
           <a:solidFill>
-            <a:srgbClr val="38F838"/>
+            <a:schemeClr val="bg1">
+              <a:lumMod val="85000"/>
+            </a:schemeClr>
           </a:solidFill>
           <a:ln w="19050">
             <a:solidFill>
-              <a:srgbClr val="0000FF"/>
+              <a:srgbClr val="FF0000"/>
             </a:solidFill>
           </a:ln>
         </p:spPr>
@@ -4861,11 +4883,13 @@
             <a:avLst/>
           </a:prstGeom>
           <a:solidFill>
-            <a:srgbClr val="38F838"/>
+            <a:schemeClr val="bg1">
+              <a:lumMod val="85000"/>
+            </a:schemeClr>
           </a:solidFill>
           <a:ln w="19050">
             <a:solidFill>
-              <a:srgbClr val="0000FF"/>
+              <a:srgbClr val="FF0000"/>
             </a:solidFill>
           </a:ln>
         </p:spPr>
@@ -4914,11 +4938,13 @@
             <a:avLst/>
           </a:prstGeom>
           <a:solidFill>
-            <a:srgbClr val="38F838"/>
+            <a:schemeClr val="bg1">
+              <a:lumMod val="85000"/>
+            </a:schemeClr>
           </a:solidFill>
           <a:ln w="19050">
             <a:solidFill>
-              <a:srgbClr val="0000FF"/>
+              <a:srgbClr val="FF0000"/>
             </a:solidFill>
           </a:ln>
         </p:spPr>
@@ -4967,11 +4993,13 @@
             <a:avLst/>
           </a:prstGeom>
           <a:solidFill>
-            <a:srgbClr val="38F838"/>
+            <a:schemeClr val="bg1">
+              <a:lumMod val="85000"/>
+            </a:schemeClr>
           </a:solidFill>
           <a:ln w="19050">
             <a:solidFill>
-              <a:srgbClr val="0000FF"/>
+              <a:srgbClr val="FF0000"/>
             </a:solidFill>
           </a:ln>
         </p:spPr>
@@ -5020,11 +5048,13 @@
             <a:avLst/>
           </a:prstGeom>
           <a:solidFill>
-            <a:srgbClr val="38F838"/>
+            <a:schemeClr val="bg1">
+              <a:lumMod val="85000"/>
+            </a:schemeClr>
           </a:solidFill>
           <a:ln w="19050">
             <a:solidFill>
-              <a:srgbClr val="0000FF"/>
+              <a:srgbClr val="FF0000"/>
             </a:solidFill>
           </a:ln>
         </p:spPr>
@@ -7064,237 +7094,155 @@
       </p:sp>
       <p:grpSp>
         <p:nvGrpSpPr>
-          <p:cNvPr id="620" name="Group 619"/>
+          <p:cNvPr id="2" name="Group 1"/>
           <p:cNvGrpSpPr/>
           <p:nvPr/>
         </p:nvGrpSpPr>
         <p:grpSpPr>
           <a:xfrm>
             <a:off x="808142" y="338823"/>
-            <a:ext cx="2680592" cy="1154162"/>
-            <a:chOff x="7035902" y="814489"/>
-            <a:chExt cx="2680592" cy="1154162"/>
+            <a:ext cx="2680592" cy="1395254"/>
+            <a:chOff x="808142" y="338823"/>
+            <a:chExt cx="2680592" cy="1395254"/>
           </a:xfrm>
         </p:grpSpPr>
-        <p:sp>
-          <p:nvSpPr>
-            <p:cNvPr id="621" name="TextBox 620"/>
-            <p:cNvSpPr txBox="1"/>
-            <p:nvPr/>
-          </p:nvSpPr>
-          <p:spPr>
-            <a:xfrm>
-              <a:off x="7035902" y="814489"/>
-              <a:ext cx="2680592" cy="1154162"/>
-            </a:xfrm>
-            <a:prstGeom prst="rect">
-              <a:avLst/>
-            </a:prstGeom>
-            <a:noFill/>
-            <a:ln w="28575">
-              <a:solidFill>
-                <a:srgbClr val="C00000"/>
-              </a:solidFill>
-            </a:ln>
-          </p:spPr>
-          <p:txBody>
-            <a:bodyPr wrap="square" rtlCol="0">
-              <a:spAutoFit/>
-            </a:bodyPr>
-            <a:lstStyle/>
-            <a:p>
-              <a:pPr>
-                <a:spcAft>
-                  <a:spcPts val="200"/>
-                </a:spcAft>
-              </a:pPr>
-              <a:r>
-                <a:rPr lang="en-US" sz="1600" b="1" dirty="0">
-                  <a:latin typeface="Times New Roman" panose="02020603050405020304" pitchFamily="18" charset="0"/>
-                  <a:cs typeface="Times New Roman" panose="02020603050405020304" pitchFamily="18" charset="0"/>
-                </a:rPr>
-                <a:t>Goal Without Regions</a:t>
-              </a:r>
-            </a:p>
-            <a:p>
-              <a:pPr>
-                <a:spcAft>
-                  <a:spcPts val="200"/>
-                </a:spcAft>
-              </a:pPr>
-              <a:r>
-                <a:rPr lang="en-US" sz="1600" b="1" dirty="0">
-                  <a:latin typeface="Times New Roman" panose="02020603050405020304" pitchFamily="18" charset="0"/>
-                  <a:cs typeface="Times New Roman" panose="02020603050405020304" pitchFamily="18" charset="0"/>
-                </a:rPr>
-                <a:t>Goal With Regions</a:t>
-              </a:r>
-            </a:p>
-            <a:p>
-              <a:pPr>
-                <a:spcAft>
-                  <a:spcPts val="200"/>
-                </a:spcAft>
-              </a:pPr>
-              <a:r>
-                <a:rPr lang="en-US" sz="1600" b="1" dirty="0">
-                  <a:latin typeface="Times New Roman" panose="02020603050405020304" pitchFamily="18" charset="0"/>
-                  <a:cs typeface="Times New Roman" panose="02020603050405020304" pitchFamily="18" charset="0"/>
-                </a:rPr>
-                <a:t>Object</a:t>
-              </a:r>
-            </a:p>
-            <a:p>
-              <a:pPr>
-                <a:spcAft>
-                  <a:spcPts val="200"/>
-                </a:spcAft>
-              </a:pPr>
-              <a:r>
-                <a:rPr lang="en-US" sz="1600" b="1" dirty="0">
-                  <a:latin typeface="Times New Roman" panose="02020603050405020304" pitchFamily="18" charset="0"/>
-                  <a:cs typeface="Times New Roman" panose="02020603050405020304" pitchFamily="18" charset="0"/>
-                </a:rPr>
-                <a:t>Robot</a:t>
-              </a:r>
-              <a:r>
-                <a:rPr lang="en-US" sz="1400" b="1" dirty="0">
-                  <a:latin typeface="Times New Roman" panose="02020603050405020304" pitchFamily="18" charset="0"/>
-                  <a:cs typeface="Times New Roman" panose="02020603050405020304" pitchFamily="18" charset="0"/>
-                </a:rPr>
-                <a:t>s</a:t>
-              </a:r>
-            </a:p>
-          </p:txBody>
-        </p:sp>
-        <p:sp>
-          <p:nvSpPr>
-            <p:cNvPr id="622" name="5-Point Star 621"/>
-            <p:cNvSpPr/>
-            <p:nvPr/>
-          </p:nvSpPr>
-          <p:spPr>
-            <a:xfrm>
-              <a:off x="9173484" y="857841"/>
-              <a:ext cx="222636" cy="211043"/>
-            </a:xfrm>
-            <a:prstGeom prst="star5">
-              <a:avLst/>
-            </a:prstGeom>
-            <a:solidFill>
-              <a:srgbClr val="FF9900"/>
-            </a:solidFill>
-            <a:ln w="19050">
-              <a:solidFill>
-                <a:schemeClr val="tx1"/>
-              </a:solidFill>
-            </a:ln>
-          </p:spPr>
-          <p:style>
-            <a:lnRef idx="2">
-              <a:schemeClr val="accent1">
-                <a:shade val="50000"/>
-              </a:schemeClr>
-            </a:lnRef>
-            <a:fillRef idx="1">
-              <a:schemeClr val="accent1"/>
-            </a:fillRef>
-            <a:effectRef idx="0">
-              <a:schemeClr val="accent1"/>
-            </a:effectRef>
-            <a:fontRef idx="minor">
-              <a:schemeClr val="lt1"/>
-            </a:fontRef>
-          </p:style>
-          <p:txBody>
-            <a:bodyPr rtlCol="0" anchor="ctr"/>
-            <a:lstStyle/>
-            <a:p>
-              <a:pPr algn="ctr"/>
-              <a:endParaRPr lang="en-US"/>
-            </a:p>
-          </p:txBody>
-        </p:sp>
-        <p:sp>
-          <p:nvSpPr>
-            <p:cNvPr id="623" name="5-Point Star 622"/>
-            <p:cNvSpPr/>
-            <p:nvPr/>
-          </p:nvSpPr>
-          <p:spPr>
-            <a:xfrm>
-              <a:off x="9153998" y="1104204"/>
-              <a:ext cx="242122" cy="229514"/>
-            </a:xfrm>
-            <a:prstGeom prst="star5">
-              <a:avLst/>
-            </a:prstGeom>
-            <a:solidFill>
-              <a:srgbClr val="FFFF00"/>
-            </a:solidFill>
-            <a:ln w="19050">
-              <a:solidFill>
-                <a:schemeClr val="tx1"/>
-              </a:solidFill>
-            </a:ln>
-          </p:spPr>
-          <p:style>
-            <a:lnRef idx="2">
-              <a:schemeClr val="accent1">
-                <a:shade val="50000"/>
-              </a:schemeClr>
-            </a:lnRef>
-            <a:fillRef idx="1">
-              <a:schemeClr val="accent1"/>
-            </a:fillRef>
-            <a:effectRef idx="0">
-              <a:schemeClr val="accent1"/>
-            </a:effectRef>
-            <a:fontRef idx="minor">
-              <a:schemeClr val="lt1"/>
-            </a:fontRef>
-          </p:style>
-          <p:txBody>
-            <a:bodyPr rtlCol="0" anchor="ctr"/>
-            <a:lstStyle/>
-            <a:p>
-              <a:pPr algn="ctr"/>
-              <a:endParaRPr lang="en-US"/>
-            </a:p>
-          </p:txBody>
-        </p:sp>
         <p:grpSp>
           <p:nvGrpSpPr>
-            <p:cNvPr id="624" name="Group 623"/>
+            <p:cNvPr id="620" name="Group 619"/>
             <p:cNvGrpSpPr/>
             <p:nvPr/>
           </p:nvGrpSpPr>
           <p:grpSpPr>
-            <a:xfrm rot="21045197">
-              <a:off x="9187823" y="1426131"/>
-              <a:ext cx="212529" cy="195648"/>
-              <a:chOff x="7564234" y="3436840"/>
-              <a:chExt cx="942651" cy="867778"/>
+            <a:xfrm>
+              <a:off x="808142" y="338823"/>
+              <a:ext cx="2680592" cy="1395254"/>
+              <a:chOff x="7035902" y="814489"/>
+              <a:chExt cx="2680592" cy="1395254"/>
             </a:xfrm>
           </p:grpSpPr>
           <p:sp>
             <p:nvSpPr>
-              <p:cNvPr id="626" name="Hexagon 625"/>
+              <p:cNvPr id="621" name="TextBox 620"/>
+              <p:cNvSpPr txBox="1"/>
+              <p:nvPr/>
+            </p:nvSpPr>
+            <p:spPr>
+              <a:xfrm>
+                <a:off x="7035902" y="814489"/>
+                <a:ext cx="2680592" cy="1395254"/>
+              </a:xfrm>
+              <a:prstGeom prst="rect">
+                <a:avLst/>
+              </a:prstGeom>
+              <a:noFill/>
+              <a:ln w="28575">
+                <a:solidFill>
+                  <a:srgbClr val="C00000"/>
+                </a:solidFill>
+              </a:ln>
+            </p:spPr>
+            <p:txBody>
+              <a:bodyPr wrap="square" rtlCol="0">
+                <a:spAutoFit/>
+              </a:bodyPr>
+              <a:lstStyle/>
+              <a:p>
+                <a:pPr>
+                  <a:spcAft>
+                    <a:spcPts val="200"/>
+                  </a:spcAft>
+                </a:pPr>
+                <a:r>
+                  <a:rPr lang="en-US" sz="1600" b="1" dirty="0">
+                    <a:latin typeface="Times New Roman" panose="02020603050405020304" pitchFamily="18" charset="0"/>
+                    <a:cs typeface="Times New Roman" panose="02020603050405020304" pitchFamily="18" charset="0"/>
+                  </a:rPr>
+                  <a:t>Goal Without Regions</a:t>
+                </a:r>
+              </a:p>
+              <a:p>
+                <a:pPr>
+                  <a:spcAft>
+                    <a:spcPts val="200"/>
+                  </a:spcAft>
+                </a:pPr>
+                <a:r>
+                  <a:rPr lang="en-US" sz="1600" b="1" dirty="0">
+                    <a:latin typeface="Times New Roman" panose="02020603050405020304" pitchFamily="18" charset="0"/>
+                    <a:cs typeface="Times New Roman" panose="02020603050405020304" pitchFamily="18" charset="0"/>
+                  </a:rPr>
+                  <a:t>Goal With Regions</a:t>
+                </a:r>
+              </a:p>
+              <a:p>
+                <a:pPr>
+                  <a:spcAft>
+                    <a:spcPts val="200"/>
+                  </a:spcAft>
+                </a:pPr>
+                <a:r>
+                  <a:rPr lang="en-US" sz="1600" b="1" dirty="0">
+                    <a:latin typeface="Times New Roman" panose="02020603050405020304" pitchFamily="18" charset="0"/>
+                    <a:cs typeface="Times New Roman" panose="02020603050405020304" pitchFamily="18" charset="0"/>
+                  </a:rPr>
+                  <a:t>Object</a:t>
+                </a:r>
+              </a:p>
+              <a:p>
+                <a:pPr>
+                  <a:spcAft>
+                    <a:spcPts val="200"/>
+                  </a:spcAft>
+                </a:pPr>
+                <a:r>
+                  <a:rPr lang="en-US" sz="1600" b="1" dirty="0">
+                    <a:latin typeface="Times New Roman" panose="02020603050405020304" pitchFamily="18" charset="0"/>
+                    <a:cs typeface="Times New Roman" panose="02020603050405020304" pitchFamily="18" charset="0"/>
+                  </a:rPr>
+                  <a:t>Robot</a:t>
+                </a:r>
+                <a:r>
+                  <a:rPr lang="en-US" sz="1400" b="1" dirty="0">
+                    <a:latin typeface="Times New Roman" panose="02020603050405020304" pitchFamily="18" charset="0"/>
+                    <a:cs typeface="Times New Roman" panose="02020603050405020304" pitchFamily="18" charset="0"/>
+                  </a:rPr>
+                  <a:t>s in Region</a:t>
+                </a:r>
+              </a:p>
+              <a:p>
+                <a:pPr>
+                  <a:spcAft>
+                    <a:spcPts val="200"/>
+                  </a:spcAft>
+                </a:pPr>
+                <a:r>
+                  <a:rPr lang="en-US" sz="1400" b="1" dirty="0">
+                    <a:latin typeface="Times New Roman" panose="02020603050405020304" pitchFamily="18" charset="0"/>
+                    <a:cs typeface="Times New Roman" panose="02020603050405020304" pitchFamily="18" charset="0"/>
+                  </a:rPr>
+                  <a:t>Robots out of Region</a:t>
+                </a:r>
+              </a:p>
+            </p:txBody>
+          </p:sp>
+          <p:sp>
+            <p:nvSpPr>
+              <p:cNvPr id="622" name="5-Point Star 621"/>
               <p:cNvSpPr/>
               <p:nvPr/>
             </p:nvSpPr>
             <p:spPr>
-              <a:xfrm rot="579814">
-                <a:off x="7564234" y="3436840"/>
-                <a:ext cx="942651" cy="867778"/>
+              <a:xfrm>
+                <a:off x="9173484" y="857841"/>
+                <a:ext cx="222636" cy="211043"/>
               </a:xfrm>
-              <a:prstGeom prst="hexagon">
+              <a:prstGeom prst="star5">
                 <a:avLst/>
               </a:prstGeom>
               <a:solidFill>
-                <a:srgbClr val="38F838"/>
+                <a:srgbClr val="FF9900"/>
               </a:solidFill>
-              <a:ln w="57150">
+              <a:ln w="19050">
                 <a:solidFill>
                   <a:schemeClr val="tx1"/>
                 </a:solidFill>
@@ -7321,24 +7269,188 @@
               <a:lstStyle/>
               <a:p>
                 <a:pPr algn="ctr"/>
-                <a:endParaRPr lang="en-US" sz="1200" dirty="0">
-                  <a:solidFill>
-                    <a:sysClr val="windowText" lastClr="000000"/>
-                  </a:solidFill>
-                </a:endParaRPr>
+                <a:endParaRPr lang="en-US"/>
               </a:p>
             </p:txBody>
           </p:sp>
           <p:sp>
             <p:nvSpPr>
-              <p:cNvPr id="627" name="Oval 626"/>
+              <p:cNvPr id="623" name="5-Point Star 622"/>
               <p:cNvSpPr/>
               <p:nvPr/>
             </p:nvSpPr>
             <p:spPr>
               <a:xfrm>
-                <a:off x="7977212" y="3803448"/>
-                <a:ext cx="125627" cy="125627"/>
+                <a:off x="9153998" y="1104204"/>
+                <a:ext cx="242122" cy="229514"/>
+              </a:xfrm>
+              <a:prstGeom prst="star5">
+                <a:avLst/>
+              </a:prstGeom>
+              <a:solidFill>
+                <a:srgbClr val="FFFF00"/>
+              </a:solidFill>
+              <a:ln w="19050">
+                <a:solidFill>
+                  <a:schemeClr val="tx1"/>
+                </a:solidFill>
+              </a:ln>
+            </p:spPr>
+            <p:style>
+              <a:lnRef idx="2">
+                <a:schemeClr val="accent1">
+                  <a:shade val="50000"/>
+                </a:schemeClr>
+              </a:lnRef>
+              <a:fillRef idx="1">
+                <a:schemeClr val="accent1"/>
+              </a:fillRef>
+              <a:effectRef idx="0">
+                <a:schemeClr val="accent1"/>
+              </a:effectRef>
+              <a:fontRef idx="minor">
+                <a:schemeClr val="lt1"/>
+              </a:fontRef>
+            </p:style>
+            <p:txBody>
+              <a:bodyPr rtlCol="0" anchor="ctr"/>
+              <a:lstStyle/>
+              <a:p>
+                <a:pPr algn="ctr"/>
+                <a:endParaRPr lang="en-US"/>
+              </a:p>
+            </p:txBody>
+          </p:sp>
+          <p:grpSp>
+            <p:nvGrpSpPr>
+              <p:cNvPr id="624" name="Group 623"/>
+              <p:cNvGrpSpPr/>
+              <p:nvPr/>
+            </p:nvGrpSpPr>
+            <p:grpSpPr>
+              <a:xfrm rot="21045197">
+                <a:off x="9187823" y="1426131"/>
+                <a:ext cx="212529" cy="195648"/>
+                <a:chOff x="7564234" y="3436840"/>
+                <a:chExt cx="942651" cy="867778"/>
+              </a:xfrm>
+            </p:grpSpPr>
+            <p:sp>
+              <p:nvSpPr>
+                <p:cNvPr id="626" name="Hexagon 625"/>
+                <p:cNvSpPr/>
+                <p:nvPr/>
+              </p:nvSpPr>
+              <p:spPr>
+                <a:xfrm rot="579814">
+                  <a:off x="7564234" y="3436840"/>
+                  <a:ext cx="942651" cy="867778"/>
+                </a:xfrm>
+                <a:prstGeom prst="hexagon">
+                  <a:avLst/>
+                </a:prstGeom>
+                <a:solidFill>
+                  <a:srgbClr val="38F838"/>
+                </a:solidFill>
+                <a:ln w="57150">
+                  <a:solidFill>
+                    <a:schemeClr val="tx1"/>
+                  </a:solidFill>
+                </a:ln>
+              </p:spPr>
+              <p:style>
+                <a:lnRef idx="2">
+                  <a:schemeClr val="accent1">
+                    <a:shade val="50000"/>
+                  </a:schemeClr>
+                </a:lnRef>
+                <a:fillRef idx="1">
+                  <a:schemeClr val="accent1"/>
+                </a:fillRef>
+                <a:effectRef idx="0">
+                  <a:schemeClr val="accent1"/>
+                </a:effectRef>
+                <a:fontRef idx="minor">
+                  <a:schemeClr val="lt1"/>
+                </a:fontRef>
+              </p:style>
+              <p:txBody>
+                <a:bodyPr rtlCol="0" anchor="ctr"/>
+                <a:lstStyle/>
+                <a:p>
+                  <a:pPr algn="ctr"/>
+                  <a:endParaRPr lang="en-US" sz="1200" dirty="0">
+                    <a:solidFill>
+                      <a:sysClr val="windowText" lastClr="000000"/>
+                    </a:solidFill>
+                  </a:endParaRPr>
+                </a:p>
+              </p:txBody>
+            </p:sp>
+            <p:sp>
+              <p:nvSpPr>
+                <p:cNvPr id="627" name="Oval 626"/>
+                <p:cNvSpPr/>
+                <p:nvPr/>
+              </p:nvSpPr>
+              <p:spPr>
+                <a:xfrm>
+                  <a:off x="7977212" y="3803448"/>
+                  <a:ext cx="125627" cy="125627"/>
+                </a:xfrm>
+                <a:prstGeom prst="ellipse">
+                  <a:avLst/>
+                </a:prstGeom>
+                <a:solidFill>
+                  <a:srgbClr val="38F838"/>
+                </a:solidFill>
+                <a:ln w="38100">
+                  <a:solidFill>
+                    <a:srgbClr val="FFC000"/>
+                  </a:solidFill>
+                </a:ln>
+              </p:spPr>
+              <p:style>
+                <a:lnRef idx="2">
+                  <a:schemeClr val="accent1">
+                    <a:shade val="50000"/>
+                  </a:schemeClr>
+                </a:lnRef>
+                <a:fillRef idx="1">
+                  <a:schemeClr val="accent1"/>
+                </a:fillRef>
+                <a:effectRef idx="0">
+                  <a:schemeClr val="accent1"/>
+                </a:effectRef>
+                <a:fontRef idx="minor">
+                  <a:schemeClr val="lt1"/>
+                </a:fontRef>
+              </p:style>
+              <p:txBody>
+                <a:bodyPr rot="0" spcFirstLastPara="0" vertOverflow="overflow" horzOverflow="overflow" vert="horz" wrap="square" lIns="91440" tIns="45720" rIns="91440" bIns="45720" numCol="1" spcCol="0" rtlCol="0" fromWordArt="0" anchor="ctr" anchorCtr="0" forceAA="0" compatLnSpc="1">
+                  <a:prstTxWarp prst="textNoShape">
+                    <a:avLst/>
+                  </a:prstTxWarp>
+                  <a:noAutofit/>
+                </a:bodyPr>
+                <a:lstStyle/>
+                <a:p>
+                  <a:pPr algn="ctr"/>
+                  <a:endParaRPr lang="en-US"/>
+                </a:p>
+              </p:txBody>
+            </p:sp>
+          </p:grpSp>
+          <p:sp>
+            <p:nvSpPr>
+              <p:cNvPr id="625" name="Oval 624"/>
+              <p:cNvSpPr/>
+              <p:nvPr/>
+            </p:nvSpPr>
+            <p:spPr>
+              <a:xfrm>
+                <a:off x="9188405" y="1700338"/>
+                <a:ext cx="211364" cy="211364"/>
               </a:xfrm>
               <a:prstGeom prst="ellipse">
                 <a:avLst/>
@@ -7346,9 +7458,9 @@
               <a:solidFill>
                 <a:srgbClr val="38F838"/>
               </a:solidFill>
-              <a:ln w="38100">
+              <a:ln w="19050">
                 <a:solidFill>
-                  <a:srgbClr val="FFC000"/>
+                  <a:srgbClr val="0000FF"/>
                 </a:solidFill>
               </a:ln>
             </p:spPr>
@@ -7385,24 +7497,26 @@
         </p:grpSp>
         <p:sp>
           <p:nvSpPr>
-            <p:cNvPr id="625" name="Oval 624"/>
+            <p:cNvPr id="77" name="Oval 76"/>
             <p:cNvSpPr/>
             <p:nvPr/>
           </p:nvSpPr>
           <p:spPr>
             <a:xfrm>
-              <a:off x="9188405" y="1700338"/>
-              <a:ext cx="211364" cy="211364"/>
+              <a:off x="2971952" y="1468245"/>
+              <a:ext cx="196519" cy="196519"/>
             </a:xfrm>
             <a:prstGeom prst="ellipse">
               <a:avLst/>
             </a:prstGeom>
             <a:solidFill>
-              <a:srgbClr val="38F838"/>
+              <a:schemeClr val="bg1">
+                <a:lumMod val="85000"/>
+              </a:schemeClr>
             </a:solidFill>
             <a:ln w="19050">
               <a:solidFill>
-                <a:srgbClr val="0000FF"/>
+                <a:srgbClr val="FF0000"/>
               </a:solidFill>
             </a:ln>
           </p:spPr>

--- a/papers/journalSwarmControl/pictures/MainRegions.pptx
+++ b/papers/journalSwarmControl/pictures/MainRegions.pptx
@@ -2,15 +2,16 @@
 <file path=ppt/presentation.xml><?xml version="1.0" encoding="utf-8"?>
 <p:presentation xmlns:a="http://schemas.openxmlformats.org/drawingml/2006/main" xmlns:r="http://schemas.openxmlformats.org/officeDocument/2006/relationships" xmlns:p="http://schemas.openxmlformats.org/presentationml/2006/main" saveSubsetFonts="1">
   <p:sldMasterIdLst>
-    <p:sldMasterId id="2147483720" r:id="rId1"/>
+    <p:sldMasterId id="2147483768" r:id="rId1"/>
   </p:sldMasterIdLst>
   <p:notesMasterIdLst>
-    <p:notesMasterId r:id="rId3"/>
+    <p:notesMasterId r:id="rId4"/>
   </p:notesMasterIdLst>
   <p:sldIdLst>
     <p:sldId id="256" r:id="rId2"/>
+    <p:sldId id="257" r:id="rId3"/>
   </p:sldIdLst>
-  <p:sldSz cx="6035675" cy="5761038"/>
+  <p:sldSz cx="6308725" cy="5761038"/>
   <p:notesSz cx="6858000" cy="9144000"/>
   <p:defaultTextStyle>
     <a:defPPr>
@@ -115,7 +116,7 @@
             <a:srgbClr val="A4A3A4"/>
           </p15:clr>
         </p15:guide>
-        <p15:guide id="2" pos="1901" userDrawn="1">
+        <p15:guide id="2" pos="1988" userDrawn="1">
           <p15:clr>
             <a:srgbClr val="A4A3A4"/>
           </p15:clr>
@@ -208,7 +209,7 @@
           <a:p>
             <a:fld id="{F91B157D-5D23-4C2B-820D-CCD9AF780C09}" type="datetimeFigureOut">
               <a:rPr lang="en-US" smtClean="0"/>
-              <a:t>7/29/2016</a:t>
+              <a:t>8/2/2016</a:t>
             </a:fld>
             <a:endParaRPr lang="en-US"/>
           </a:p>
@@ -226,8 +227,8 @@
         </p:nvSpPr>
         <p:spPr>
           <a:xfrm>
-            <a:off x="1812925" y="1143000"/>
-            <a:ext cx="3232150" cy="3086100"/>
+            <a:off x="1739900" y="1143000"/>
+            <a:ext cx="3378200" cy="3086100"/>
           </a:xfrm>
           <a:prstGeom prst="rect">
             <a:avLst/>
@@ -504,8 +505,8 @@
         </p:nvSpPr>
         <p:spPr>
           <a:xfrm>
-            <a:off x="1812925" y="1143000"/>
-            <a:ext cx="3232150" cy="3086100"/>
+            <a:off x="1739900" y="1143000"/>
+            <a:ext cx="3378200" cy="3086100"/>
           </a:xfrm>
         </p:spPr>
       </p:sp>
@@ -603,15 +604,15 @@
         </p:nvSpPr>
         <p:spPr>
           <a:xfrm>
-            <a:off x="452676" y="942837"/>
-            <a:ext cx="5130324" cy="2005695"/>
+            <a:off x="473155" y="942837"/>
+            <a:ext cx="5362416" cy="2005695"/>
           </a:xfrm>
         </p:spPr>
         <p:txBody>
           <a:bodyPr anchor="b"/>
           <a:lstStyle>
             <a:lvl1pPr algn="ctr">
-              <a:defRPr sz="3961"/>
+              <a:defRPr sz="4139"/>
             </a:lvl1pPr>
           </a:lstStyle>
           <a:p>
@@ -635,8 +636,8 @@
         </p:nvSpPr>
         <p:spPr>
           <a:xfrm>
-            <a:off x="754460" y="3025879"/>
-            <a:ext cx="4526756" cy="1390917"/>
+            <a:off x="788591" y="3025879"/>
+            <a:ext cx="4731544" cy="1390917"/>
           </a:xfrm>
         </p:spPr>
         <p:txBody>
@@ -644,39 +645,39 @@
           <a:lstStyle>
             <a:lvl1pPr marL="0" indent="0" algn="ctr">
               <a:buNone/>
-              <a:defRPr sz="1584"/>
+              <a:defRPr sz="1656"/>
             </a:lvl1pPr>
-            <a:lvl2pPr marL="301798" indent="0" algn="ctr">
+            <a:lvl2pPr marL="315422" indent="0" algn="ctr">
               <a:buNone/>
-              <a:defRPr sz="1320"/>
+              <a:defRPr sz="1380"/>
             </a:lvl2pPr>
-            <a:lvl3pPr marL="603595" indent="0" algn="ctr">
+            <a:lvl3pPr marL="630845" indent="0" algn="ctr">
               <a:buNone/>
-              <a:defRPr sz="1188"/>
+              <a:defRPr sz="1242"/>
             </a:lvl3pPr>
-            <a:lvl4pPr marL="905393" indent="0" algn="ctr">
+            <a:lvl4pPr marL="946267" indent="0" algn="ctr">
               <a:buNone/>
-              <a:defRPr sz="1056"/>
+              <a:defRPr sz="1104"/>
             </a:lvl4pPr>
-            <a:lvl5pPr marL="1207191" indent="0" algn="ctr">
+            <a:lvl5pPr marL="1261689" indent="0" algn="ctr">
               <a:buNone/>
-              <a:defRPr sz="1056"/>
+              <a:defRPr sz="1104"/>
             </a:lvl5pPr>
-            <a:lvl6pPr marL="1508989" indent="0" algn="ctr">
+            <a:lvl6pPr marL="1577111" indent="0" algn="ctr">
               <a:buNone/>
-              <a:defRPr sz="1056"/>
+              <a:defRPr sz="1104"/>
             </a:lvl6pPr>
-            <a:lvl7pPr marL="1810786" indent="0" algn="ctr">
+            <a:lvl7pPr marL="1892534" indent="0" algn="ctr">
               <a:buNone/>
-              <a:defRPr sz="1056"/>
+              <a:defRPr sz="1104"/>
             </a:lvl7pPr>
-            <a:lvl8pPr marL="2112584" indent="0" algn="ctr">
+            <a:lvl8pPr marL="2207956" indent="0" algn="ctr">
               <a:buNone/>
-              <a:defRPr sz="1056"/>
+              <a:defRPr sz="1104"/>
             </a:lvl8pPr>
-            <a:lvl9pPr marL="2414382" indent="0" algn="ctr">
+            <a:lvl9pPr marL="2523378" indent="0" algn="ctr">
               <a:buNone/>
-              <a:defRPr sz="1056"/>
+              <a:defRPr sz="1104"/>
             </a:lvl9pPr>
           </a:lstStyle>
           <a:p>
@@ -705,7 +706,7 @@
           <a:p>
             <a:fld id="{F7080B4D-8004-43E8-A0A5-F0C582AEB8C3}" type="datetimeFigureOut">
               <a:rPr lang="en-US" smtClean="0"/>
-              <a:t>7/29/2016</a:t>
+              <a:t>8/2/2016</a:t>
             </a:fld>
             <a:endParaRPr lang="en-US"/>
           </a:p>
@@ -756,7 +757,7 @@
     </p:spTree>
     <p:extLst>
       <p:ext uri="{BB962C8B-B14F-4D97-AF65-F5344CB8AC3E}">
-        <p14:creationId xmlns:p14="http://schemas.microsoft.com/office/powerpoint/2010/main" val="4036506995"/>
+        <p14:creationId xmlns:p14="http://schemas.microsoft.com/office/powerpoint/2010/main" val="3538133342"/>
       </p:ext>
     </p:extLst>
   </p:cSld>
@@ -875,7 +876,7 @@
           <a:p>
             <a:fld id="{F7080B4D-8004-43E8-A0A5-F0C582AEB8C3}" type="datetimeFigureOut">
               <a:rPr lang="en-US" smtClean="0"/>
-              <a:t>7/29/2016</a:t>
+              <a:t>8/2/2016</a:t>
             </a:fld>
             <a:endParaRPr lang="en-US"/>
           </a:p>
@@ -926,7 +927,7 @@
     </p:spTree>
     <p:extLst>
       <p:ext uri="{BB962C8B-B14F-4D97-AF65-F5344CB8AC3E}">
-        <p14:creationId xmlns:p14="http://schemas.microsoft.com/office/powerpoint/2010/main" val="151914219"/>
+        <p14:creationId xmlns:p14="http://schemas.microsoft.com/office/powerpoint/2010/main" val="934268239"/>
       </p:ext>
     </p:extLst>
   </p:cSld>
@@ -965,8 +966,8 @@
         </p:nvSpPr>
         <p:spPr>
           <a:xfrm>
-            <a:off x="4319280" y="306722"/>
-            <a:ext cx="1301442" cy="4882213"/>
+            <a:off x="4514682" y="306722"/>
+            <a:ext cx="1360319" cy="4882213"/>
           </a:xfrm>
         </p:spPr>
         <p:txBody>
@@ -993,8 +994,8 @@
         </p:nvSpPr>
         <p:spPr>
           <a:xfrm>
-            <a:off x="414953" y="306722"/>
-            <a:ext cx="3828881" cy="4882213"/>
+            <a:off x="433725" y="306722"/>
+            <a:ext cx="4002097" cy="4882213"/>
           </a:xfrm>
         </p:spPr>
         <p:txBody>
@@ -1055,7 +1056,7 @@
           <a:p>
             <a:fld id="{F7080B4D-8004-43E8-A0A5-F0C582AEB8C3}" type="datetimeFigureOut">
               <a:rPr lang="en-US" smtClean="0"/>
-              <a:t>7/29/2016</a:t>
+              <a:t>8/2/2016</a:t>
             </a:fld>
             <a:endParaRPr lang="en-US"/>
           </a:p>
@@ -1106,7 +1107,7 @@
     </p:spTree>
     <p:extLst>
       <p:ext uri="{BB962C8B-B14F-4D97-AF65-F5344CB8AC3E}">
-        <p14:creationId xmlns:p14="http://schemas.microsoft.com/office/powerpoint/2010/main" val="464741905"/>
+        <p14:creationId xmlns:p14="http://schemas.microsoft.com/office/powerpoint/2010/main" val="1291057722"/>
       </p:ext>
     </p:extLst>
   </p:cSld>
@@ -1225,7 +1226,7 @@
           <a:p>
             <a:fld id="{F7080B4D-8004-43E8-A0A5-F0C582AEB8C3}" type="datetimeFigureOut">
               <a:rPr lang="en-US" smtClean="0"/>
-              <a:t>7/29/2016</a:t>
+              <a:t>8/2/2016</a:t>
             </a:fld>
             <a:endParaRPr lang="en-US"/>
           </a:p>
@@ -1276,7 +1277,7 @@
     </p:spTree>
     <p:extLst>
       <p:ext uri="{BB962C8B-B14F-4D97-AF65-F5344CB8AC3E}">
-        <p14:creationId xmlns:p14="http://schemas.microsoft.com/office/powerpoint/2010/main" val="3086419912"/>
+        <p14:creationId xmlns:p14="http://schemas.microsoft.com/office/powerpoint/2010/main" val="1247432726"/>
       </p:ext>
     </p:extLst>
   </p:cSld>
@@ -1315,15 +1316,15 @@
         </p:nvSpPr>
         <p:spPr>
           <a:xfrm>
-            <a:off x="411809" y="1436261"/>
-            <a:ext cx="5205770" cy="2396431"/>
+            <a:off x="430440" y="1436261"/>
+            <a:ext cx="5441275" cy="2396431"/>
           </a:xfrm>
         </p:spPr>
         <p:txBody>
           <a:bodyPr anchor="b"/>
           <a:lstStyle>
             <a:lvl1pPr>
-              <a:defRPr sz="3961"/>
+              <a:defRPr sz="4139"/>
             </a:lvl1pPr>
           </a:lstStyle>
           <a:p>
@@ -1347,8 +1348,8 @@
         </p:nvSpPr>
         <p:spPr>
           <a:xfrm>
-            <a:off x="411809" y="3855363"/>
-            <a:ext cx="5205770" cy="1260227"/>
+            <a:off x="430440" y="3855363"/>
+            <a:ext cx="5441275" cy="1260227"/>
           </a:xfrm>
         </p:spPr>
         <p:txBody>
@@ -1356,15 +1357,15 @@
           <a:lstStyle>
             <a:lvl1pPr marL="0" indent="0">
               <a:buNone/>
-              <a:defRPr sz="1584">
+              <a:defRPr sz="1656">
                 <a:solidFill>
                   <a:schemeClr val="tx1"/>
                 </a:solidFill>
               </a:defRPr>
             </a:lvl1pPr>
-            <a:lvl2pPr marL="301798" indent="0">
+            <a:lvl2pPr marL="315422" indent="0">
               <a:buNone/>
-              <a:defRPr sz="1320">
+              <a:defRPr sz="1380">
                 <a:solidFill>
                   <a:schemeClr val="tx1">
                     <a:tint val="75000"/>
@@ -1372,9 +1373,9 @@
                 </a:solidFill>
               </a:defRPr>
             </a:lvl2pPr>
-            <a:lvl3pPr marL="603595" indent="0">
+            <a:lvl3pPr marL="630845" indent="0">
               <a:buNone/>
-              <a:defRPr sz="1188">
+              <a:defRPr sz="1242">
                 <a:solidFill>
                   <a:schemeClr val="tx1">
                     <a:tint val="75000"/>
@@ -1382,9 +1383,9 @@
                 </a:solidFill>
               </a:defRPr>
             </a:lvl3pPr>
-            <a:lvl4pPr marL="905393" indent="0">
+            <a:lvl4pPr marL="946267" indent="0">
               <a:buNone/>
-              <a:defRPr sz="1056">
+              <a:defRPr sz="1104">
                 <a:solidFill>
                   <a:schemeClr val="tx1">
                     <a:tint val="75000"/>
@@ -1392,9 +1393,9 @@
                 </a:solidFill>
               </a:defRPr>
             </a:lvl4pPr>
-            <a:lvl5pPr marL="1207191" indent="0">
+            <a:lvl5pPr marL="1261689" indent="0">
               <a:buNone/>
-              <a:defRPr sz="1056">
+              <a:defRPr sz="1104">
                 <a:solidFill>
                   <a:schemeClr val="tx1">
                     <a:tint val="75000"/>
@@ -1402,9 +1403,9 @@
                 </a:solidFill>
               </a:defRPr>
             </a:lvl5pPr>
-            <a:lvl6pPr marL="1508989" indent="0">
+            <a:lvl6pPr marL="1577111" indent="0">
               <a:buNone/>
-              <a:defRPr sz="1056">
+              <a:defRPr sz="1104">
                 <a:solidFill>
                   <a:schemeClr val="tx1">
                     <a:tint val="75000"/>
@@ -1412,9 +1413,9 @@
                 </a:solidFill>
               </a:defRPr>
             </a:lvl6pPr>
-            <a:lvl7pPr marL="1810786" indent="0">
+            <a:lvl7pPr marL="1892534" indent="0">
               <a:buNone/>
-              <a:defRPr sz="1056">
+              <a:defRPr sz="1104">
                 <a:solidFill>
                   <a:schemeClr val="tx1">
                     <a:tint val="75000"/>
@@ -1422,9 +1423,9 @@
                 </a:solidFill>
               </a:defRPr>
             </a:lvl7pPr>
-            <a:lvl8pPr marL="2112584" indent="0">
+            <a:lvl8pPr marL="2207956" indent="0">
               <a:buNone/>
-              <a:defRPr sz="1056">
+              <a:defRPr sz="1104">
                 <a:solidFill>
                   <a:schemeClr val="tx1">
                     <a:tint val="75000"/>
@@ -1432,9 +1433,9 @@
                 </a:solidFill>
               </a:defRPr>
             </a:lvl8pPr>
-            <a:lvl9pPr marL="2414382" indent="0">
+            <a:lvl9pPr marL="2523378" indent="0">
               <a:buNone/>
-              <a:defRPr sz="1056">
+              <a:defRPr sz="1104">
                 <a:solidFill>
                   <a:schemeClr val="tx1">
                     <a:tint val="75000"/>
@@ -1469,7 +1470,7 @@
           <a:p>
             <a:fld id="{F7080B4D-8004-43E8-A0A5-F0C582AEB8C3}" type="datetimeFigureOut">
               <a:rPr lang="en-US" smtClean="0"/>
-              <a:t>7/29/2016</a:t>
+              <a:t>8/2/2016</a:t>
             </a:fld>
             <a:endParaRPr lang="en-US"/>
           </a:p>
@@ -1520,7 +1521,7 @@
     </p:spTree>
     <p:extLst>
       <p:ext uri="{BB962C8B-B14F-4D97-AF65-F5344CB8AC3E}">
-        <p14:creationId xmlns:p14="http://schemas.microsoft.com/office/powerpoint/2010/main" val="617136630"/>
+        <p14:creationId xmlns:p14="http://schemas.microsoft.com/office/powerpoint/2010/main" val="1376485961"/>
       </p:ext>
     </p:extLst>
   </p:cSld>
@@ -1582,8 +1583,8 @@
         </p:nvSpPr>
         <p:spPr>
           <a:xfrm>
-            <a:off x="414953" y="1533609"/>
-            <a:ext cx="2565162" cy="3655326"/>
+            <a:off x="433725" y="1533609"/>
+            <a:ext cx="2681208" cy="3655326"/>
           </a:xfrm>
         </p:spPr>
         <p:txBody>
@@ -1639,8 +1640,8 @@
         </p:nvSpPr>
         <p:spPr>
           <a:xfrm>
-            <a:off x="3055560" y="1533609"/>
-            <a:ext cx="2565162" cy="3655326"/>
+            <a:off x="3193792" y="1533609"/>
+            <a:ext cx="2681208" cy="3655326"/>
           </a:xfrm>
         </p:spPr>
         <p:txBody>
@@ -1701,7 +1702,7 @@
           <a:p>
             <a:fld id="{F7080B4D-8004-43E8-A0A5-F0C582AEB8C3}" type="datetimeFigureOut">
               <a:rPr lang="en-US" smtClean="0"/>
-              <a:t>7/29/2016</a:t>
+              <a:t>8/2/2016</a:t>
             </a:fld>
             <a:endParaRPr lang="en-US"/>
           </a:p>
@@ -1752,7 +1753,7 @@
     </p:spTree>
     <p:extLst>
       <p:ext uri="{BB962C8B-B14F-4D97-AF65-F5344CB8AC3E}">
-        <p14:creationId xmlns:p14="http://schemas.microsoft.com/office/powerpoint/2010/main" val="3265450539"/>
+        <p14:creationId xmlns:p14="http://schemas.microsoft.com/office/powerpoint/2010/main" val="1491836853"/>
       </p:ext>
     </p:extLst>
   </p:cSld>
@@ -1791,8 +1792,8 @@
         </p:nvSpPr>
         <p:spPr>
           <a:xfrm>
-            <a:off x="415739" y="306723"/>
-            <a:ext cx="5205770" cy="1113534"/>
+            <a:off x="434547" y="306723"/>
+            <a:ext cx="5441275" cy="1113534"/>
           </a:xfrm>
         </p:spPr>
         <p:txBody>
@@ -1819,8 +1820,8 @@
         </p:nvSpPr>
         <p:spPr>
           <a:xfrm>
-            <a:off x="415739" y="1412255"/>
-            <a:ext cx="2553373" cy="692124"/>
+            <a:off x="434547" y="1412255"/>
+            <a:ext cx="2668886" cy="692124"/>
           </a:xfrm>
         </p:spPr>
         <p:txBody>
@@ -1828,39 +1829,39 @@
           <a:lstStyle>
             <a:lvl1pPr marL="0" indent="0">
               <a:buNone/>
-              <a:defRPr sz="1584" b="1"/>
+              <a:defRPr sz="1656" b="1"/>
             </a:lvl1pPr>
-            <a:lvl2pPr marL="301798" indent="0">
+            <a:lvl2pPr marL="315422" indent="0">
               <a:buNone/>
-              <a:defRPr sz="1320" b="1"/>
+              <a:defRPr sz="1380" b="1"/>
             </a:lvl2pPr>
-            <a:lvl3pPr marL="603595" indent="0">
+            <a:lvl3pPr marL="630845" indent="0">
               <a:buNone/>
-              <a:defRPr sz="1188" b="1"/>
+              <a:defRPr sz="1242" b="1"/>
             </a:lvl3pPr>
-            <a:lvl4pPr marL="905393" indent="0">
+            <a:lvl4pPr marL="946267" indent="0">
               <a:buNone/>
-              <a:defRPr sz="1056" b="1"/>
+              <a:defRPr sz="1104" b="1"/>
             </a:lvl4pPr>
-            <a:lvl5pPr marL="1207191" indent="0">
+            <a:lvl5pPr marL="1261689" indent="0">
               <a:buNone/>
-              <a:defRPr sz="1056" b="1"/>
+              <a:defRPr sz="1104" b="1"/>
             </a:lvl5pPr>
-            <a:lvl6pPr marL="1508989" indent="0">
+            <a:lvl6pPr marL="1577111" indent="0">
               <a:buNone/>
-              <a:defRPr sz="1056" b="1"/>
+              <a:defRPr sz="1104" b="1"/>
             </a:lvl6pPr>
-            <a:lvl7pPr marL="1810786" indent="0">
+            <a:lvl7pPr marL="1892534" indent="0">
               <a:buNone/>
-              <a:defRPr sz="1056" b="1"/>
+              <a:defRPr sz="1104" b="1"/>
             </a:lvl7pPr>
-            <a:lvl8pPr marL="2112584" indent="0">
+            <a:lvl8pPr marL="2207956" indent="0">
               <a:buNone/>
-              <a:defRPr sz="1056" b="1"/>
+              <a:defRPr sz="1104" b="1"/>
             </a:lvl8pPr>
-            <a:lvl9pPr marL="2414382" indent="0">
+            <a:lvl9pPr marL="2523378" indent="0">
               <a:buNone/>
-              <a:defRPr sz="1056" b="1"/>
+              <a:defRPr sz="1104" b="1"/>
             </a:lvl9pPr>
           </a:lstStyle>
           <a:p>
@@ -1884,8 +1885,8 @@
         </p:nvSpPr>
         <p:spPr>
           <a:xfrm>
-            <a:off x="415739" y="2104379"/>
-            <a:ext cx="2553373" cy="3095225"/>
+            <a:off x="434547" y="2104379"/>
+            <a:ext cx="2668886" cy="3095225"/>
           </a:xfrm>
         </p:spPr>
         <p:txBody>
@@ -1941,8 +1942,8 @@
         </p:nvSpPr>
         <p:spPr>
           <a:xfrm>
-            <a:off x="3055561" y="1412255"/>
-            <a:ext cx="2565948" cy="692124"/>
+            <a:off x="3193792" y="1412255"/>
+            <a:ext cx="2682030" cy="692124"/>
           </a:xfrm>
         </p:spPr>
         <p:txBody>
@@ -1950,39 +1951,39 @@
           <a:lstStyle>
             <a:lvl1pPr marL="0" indent="0">
               <a:buNone/>
-              <a:defRPr sz="1584" b="1"/>
+              <a:defRPr sz="1656" b="1"/>
             </a:lvl1pPr>
-            <a:lvl2pPr marL="301798" indent="0">
+            <a:lvl2pPr marL="315422" indent="0">
               <a:buNone/>
-              <a:defRPr sz="1320" b="1"/>
+              <a:defRPr sz="1380" b="1"/>
             </a:lvl2pPr>
-            <a:lvl3pPr marL="603595" indent="0">
+            <a:lvl3pPr marL="630845" indent="0">
               <a:buNone/>
-              <a:defRPr sz="1188" b="1"/>
+              <a:defRPr sz="1242" b="1"/>
             </a:lvl3pPr>
-            <a:lvl4pPr marL="905393" indent="0">
+            <a:lvl4pPr marL="946267" indent="0">
               <a:buNone/>
-              <a:defRPr sz="1056" b="1"/>
+              <a:defRPr sz="1104" b="1"/>
             </a:lvl4pPr>
-            <a:lvl5pPr marL="1207191" indent="0">
+            <a:lvl5pPr marL="1261689" indent="0">
               <a:buNone/>
-              <a:defRPr sz="1056" b="1"/>
+              <a:defRPr sz="1104" b="1"/>
             </a:lvl5pPr>
-            <a:lvl6pPr marL="1508989" indent="0">
+            <a:lvl6pPr marL="1577111" indent="0">
               <a:buNone/>
-              <a:defRPr sz="1056" b="1"/>
+              <a:defRPr sz="1104" b="1"/>
             </a:lvl6pPr>
-            <a:lvl7pPr marL="1810786" indent="0">
+            <a:lvl7pPr marL="1892534" indent="0">
               <a:buNone/>
-              <a:defRPr sz="1056" b="1"/>
+              <a:defRPr sz="1104" b="1"/>
             </a:lvl7pPr>
-            <a:lvl8pPr marL="2112584" indent="0">
+            <a:lvl8pPr marL="2207956" indent="0">
               <a:buNone/>
-              <a:defRPr sz="1056" b="1"/>
+              <a:defRPr sz="1104" b="1"/>
             </a:lvl8pPr>
-            <a:lvl9pPr marL="2414382" indent="0">
+            <a:lvl9pPr marL="2523378" indent="0">
               <a:buNone/>
-              <a:defRPr sz="1056" b="1"/>
+              <a:defRPr sz="1104" b="1"/>
             </a:lvl9pPr>
           </a:lstStyle>
           <a:p>
@@ -2006,8 +2007,8 @@
         </p:nvSpPr>
         <p:spPr>
           <a:xfrm>
-            <a:off x="3055561" y="2104379"/>
-            <a:ext cx="2565948" cy="3095225"/>
+            <a:off x="3193792" y="2104379"/>
+            <a:ext cx="2682030" cy="3095225"/>
           </a:xfrm>
         </p:spPr>
         <p:txBody>
@@ -2068,7 +2069,7 @@
           <a:p>
             <a:fld id="{F7080B4D-8004-43E8-A0A5-F0C582AEB8C3}" type="datetimeFigureOut">
               <a:rPr lang="en-US" smtClean="0"/>
-              <a:t>7/29/2016</a:t>
+              <a:t>8/2/2016</a:t>
             </a:fld>
             <a:endParaRPr lang="en-US"/>
           </a:p>
@@ -2119,7 +2120,7 @@
     </p:spTree>
     <p:extLst>
       <p:ext uri="{BB962C8B-B14F-4D97-AF65-F5344CB8AC3E}">
-        <p14:creationId xmlns:p14="http://schemas.microsoft.com/office/powerpoint/2010/main" val="3491285474"/>
+        <p14:creationId xmlns:p14="http://schemas.microsoft.com/office/powerpoint/2010/main" val="669098468"/>
       </p:ext>
     </p:extLst>
   </p:cSld>
@@ -2186,7 +2187,7 @@
           <a:p>
             <a:fld id="{F7080B4D-8004-43E8-A0A5-F0C582AEB8C3}" type="datetimeFigureOut">
               <a:rPr lang="en-US" smtClean="0"/>
-              <a:t>7/29/2016</a:t>
+              <a:t>8/2/2016</a:t>
             </a:fld>
             <a:endParaRPr lang="en-US"/>
           </a:p>
@@ -2237,7 +2238,7 @@
     </p:spTree>
     <p:extLst>
       <p:ext uri="{BB962C8B-B14F-4D97-AF65-F5344CB8AC3E}">
-        <p14:creationId xmlns:p14="http://schemas.microsoft.com/office/powerpoint/2010/main" val="2909450822"/>
+        <p14:creationId xmlns:p14="http://schemas.microsoft.com/office/powerpoint/2010/main" val="2736657296"/>
       </p:ext>
     </p:extLst>
   </p:cSld>
@@ -2281,7 +2282,7 @@
           <a:p>
             <a:fld id="{F7080B4D-8004-43E8-A0A5-F0C582AEB8C3}" type="datetimeFigureOut">
               <a:rPr lang="en-US" smtClean="0"/>
-              <a:t>7/29/2016</a:t>
+              <a:t>8/2/2016</a:t>
             </a:fld>
             <a:endParaRPr lang="en-US"/>
           </a:p>
@@ -2332,7 +2333,7 @@
     </p:spTree>
     <p:extLst>
       <p:ext uri="{BB962C8B-B14F-4D97-AF65-F5344CB8AC3E}">
-        <p14:creationId xmlns:p14="http://schemas.microsoft.com/office/powerpoint/2010/main" val="2370073711"/>
+        <p14:creationId xmlns:p14="http://schemas.microsoft.com/office/powerpoint/2010/main" val="3239947403"/>
       </p:ext>
     </p:extLst>
   </p:cSld>
@@ -2371,15 +2372,15 @@
         </p:nvSpPr>
         <p:spPr>
           <a:xfrm>
-            <a:off x="415739" y="384069"/>
-            <a:ext cx="1946662" cy="1344242"/>
+            <a:off x="434547" y="384069"/>
+            <a:ext cx="2034728" cy="1344242"/>
           </a:xfrm>
         </p:spPr>
         <p:txBody>
           <a:bodyPr anchor="b"/>
           <a:lstStyle>
             <a:lvl1pPr>
-              <a:defRPr sz="2112"/>
+              <a:defRPr sz="2208"/>
             </a:lvl1pPr>
           </a:lstStyle>
           <a:p>
@@ -2403,39 +2404,39 @@
         </p:nvSpPr>
         <p:spPr>
           <a:xfrm>
-            <a:off x="2565948" y="829484"/>
-            <a:ext cx="3055560" cy="4094071"/>
+            <a:off x="2682030" y="829484"/>
+            <a:ext cx="3193792" cy="4094071"/>
           </a:xfrm>
         </p:spPr>
         <p:txBody>
           <a:bodyPr/>
           <a:lstStyle>
             <a:lvl1pPr>
-              <a:defRPr sz="2112"/>
+              <a:defRPr sz="2208"/>
             </a:lvl1pPr>
             <a:lvl2pPr>
-              <a:defRPr sz="1848"/>
+              <a:defRPr sz="1932"/>
             </a:lvl2pPr>
             <a:lvl3pPr>
-              <a:defRPr sz="1584"/>
+              <a:defRPr sz="1656"/>
             </a:lvl3pPr>
             <a:lvl4pPr>
-              <a:defRPr sz="1320"/>
+              <a:defRPr sz="1380"/>
             </a:lvl4pPr>
             <a:lvl5pPr>
-              <a:defRPr sz="1320"/>
+              <a:defRPr sz="1380"/>
             </a:lvl5pPr>
             <a:lvl6pPr>
-              <a:defRPr sz="1320"/>
+              <a:defRPr sz="1380"/>
             </a:lvl6pPr>
             <a:lvl7pPr>
-              <a:defRPr sz="1320"/>
+              <a:defRPr sz="1380"/>
             </a:lvl7pPr>
             <a:lvl8pPr>
-              <a:defRPr sz="1320"/>
+              <a:defRPr sz="1380"/>
             </a:lvl8pPr>
             <a:lvl9pPr>
-              <a:defRPr sz="1320"/>
+              <a:defRPr sz="1380"/>
             </a:lvl9pPr>
           </a:lstStyle>
           <a:p>
@@ -2488,8 +2489,8 @@
         </p:nvSpPr>
         <p:spPr>
           <a:xfrm>
-            <a:off x="415739" y="1728311"/>
-            <a:ext cx="1946662" cy="3201911"/>
+            <a:off x="434547" y="1728311"/>
+            <a:ext cx="2034728" cy="3201911"/>
           </a:xfrm>
         </p:spPr>
         <p:txBody>
@@ -2497,39 +2498,39 @@
           <a:lstStyle>
             <a:lvl1pPr marL="0" indent="0">
               <a:buNone/>
-              <a:defRPr sz="1056"/>
+              <a:defRPr sz="1104"/>
             </a:lvl1pPr>
-            <a:lvl2pPr marL="301798" indent="0">
+            <a:lvl2pPr marL="315422" indent="0">
               <a:buNone/>
-              <a:defRPr sz="924"/>
+              <a:defRPr sz="966"/>
             </a:lvl2pPr>
-            <a:lvl3pPr marL="603595" indent="0">
+            <a:lvl3pPr marL="630845" indent="0">
               <a:buNone/>
-              <a:defRPr sz="792"/>
+              <a:defRPr sz="828"/>
             </a:lvl3pPr>
-            <a:lvl4pPr marL="905393" indent="0">
+            <a:lvl4pPr marL="946267" indent="0">
               <a:buNone/>
-              <a:defRPr sz="660"/>
+              <a:defRPr sz="690"/>
             </a:lvl4pPr>
-            <a:lvl5pPr marL="1207191" indent="0">
+            <a:lvl5pPr marL="1261689" indent="0">
               <a:buNone/>
-              <a:defRPr sz="660"/>
+              <a:defRPr sz="690"/>
             </a:lvl5pPr>
-            <a:lvl6pPr marL="1508989" indent="0">
+            <a:lvl6pPr marL="1577111" indent="0">
               <a:buNone/>
-              <a:defRPr sz="660"/>
+              <a:defRPr sz="690"/>
             </a:lvl6pPr>
-            <a:lvl7pPr marL="1810786" indent="0">
+            <a:lvl7pPr marL="1892534" indent="0">
               <a:buNone/>
-              <a:defRPr sz="660"/>
+              <a:defRPr sz="690"/>
             </a:lvl7pPr>
-            <a:lvl8pPr marL="2112584" indent="0">
+            <a:lvl8pPr marL="2207956" indent="0">
               <a:buNone/>
-              <a:defRPr sz="660"/>
+              <a:defRPr sz="690"/>
             </a:lvl8pPr>
-            <a:lvl9pPr marL="2414382" indent="0">
+            <a:lvl9pPr marL="2523378" indent="0">
               <a:buNone/>
-              <a:defRPr sz="660"/>
+              <a:defRPr sz="690"/>
             </a:lvl9pPr>
           </a:lstStyle>
           <a:p>
@@ -2558,7 +2559,7 @@
           <a:p>
             <a:fld id="{F7080B4D-8004-43E8-A0A5-F0C582AEB8C3}" type="datetimeFigureOut">
               <a:rPr lang="en-US" smtClean="0"/>
-              <a:t>7/29/2016</a:t>
+              <a:t>8/2/2016</a:t>
             </a:fld>
             <a:endParaRPr lang="en-US"/>
           </a:p>
@@ -2609,7 +2610,7 @@
     </p:spTree>
     <p:extLst>
       <p:ext uri="{BB962C8B-B14F-4D97-AF65-F5344CB8AC3E}">
-        <p14:creationId xmlns:p14="http://schemas.microsoft.com/office/powerpoint/2010/main" val="4111304979"/>
+        <p14:creationId xmlns:p14="http://schemas.microsoft.com/office/powerpoint/2010/main" val="2456379505"/>
       </p:ext>
     </p:extLst>
   </p:cSld>
@@ -2648,15 +2649,15 @@
         </p:nvSpPr>
         <p:spPr>
           <a:xfrm>
-            <a:off x="415739" y="384069"/>
-            <a:ext cx="1946662" cy="1344242"/>
+            <a:off x="434547" y="384069"/>
+            <a:ext cx="2034728" cy="1344242"/>
           </a:xfrm>
         </p:spPr>
         <p:txBody>
           <a:bodyPr anchor="b"/>
           <a:lstStyle>
             <a:lvl1pPr>
-              <a:defRPr sz="2112"/>
+              <a:defRPr sz="2208"/>
             </a:lvl1pPr>
           </a:lstStyle>
           <a:p>
@@ -2680,8 +2681,8 @@
         </p:nvSpPr>
         <p:spPr>
           <a:xfrm>
-            <a:off x="2565948" y="829484"/>
-            <a:ext cx="3055560" cy="4094071"/>
+            <a:off x="2682030" y="829484"/>
+            <a:ext cx="3193792" cy="4094071"/>
           </a:xfrm>
         </p:spPr>
         <p:txBody>
@@ -2689,39 +2690,39 @@
           <a:lstStyle>
             <a:lvl1pPr marL="0" indent="0">
               <a:buNone/>
-              <a:defRPr sz="2112"/>
+              <a:defRPr sz="2208"/>
             </a:lvl1pPr>
-            <a:lvl2pPr marL="301798" indent="0">
+            <a:lvl2pPr marL="315422" indent="0">
               <a:buNone/>
-              <a:defRPr sz="1848"/>
+              <a:defRPr sz="1932"/>
             </a:lvl2pPr>
-            <a:lvl3pPr marL="603595" indent="0">
+            <a:lvl3pPr marL="630845" indent="0">
               <a:buNone/>
-              <a:defRPr sz="1584"/>
+              <a:defRPr sz="1656"/>
             </a:lvl3pPr>
-            <a:lvl4pPr marL="905393" indent="0">
+            <a:lvl4pPr marL="946267" indent="0">
               <a:buNone/>
-              <a:defRPr sz="1320"/>
+              <a:defRPr sz="1380"/>
             </a:lvl4pPr>
-            <a:lvl5pPr marL="1207191" indent="0">
+            <a:lvl5pPr marL="1261689" indent="0">
               <a:buNone/>
-              <a:defRPr sz="1320"/>
+              <a:defRPr sz="1380"/>
             </a:lvl5pPr>
-            <a:lvl6pPr marL="1508989" indent="0">
+            <a:lvl6pPr marL="1577111" indent="0">
               <a:buNone/>
-              <a:defRPr sz="1320"/>
+              <a:defRPr sz="1380"/>
             </a:lvl6pPr>
-            <a:lvl7pPr marL="1810786" indent="0">
+            <a:lvl7pPr marL="1892534" indent="0">
               <a:buNone/>
-              <a:defRPr sz="1320"/>
+              <a:defRPr sz="1380"/>
             </a:lvl7pPr>
-            <a:lvl8pPr marL="2112584" indent="0">
+            <a:lvl8pPr marL="2207956" indent="0">
               <a:buNone/>
-              <a:defRPr sz="1320"/>
+              <a:defRPr sz="1380"/>
             </a:lvl8pPr>
-            <a:lvl9pPr marL="2414382" indent="0">
+            <a:lvl9pPr marL="2523378" indent="0">
               <a:buNone/>
-              <a:defRPr sz="1320"/>
+              <a:defRPr sz="1380"/>
             </a:lvl9pPr>
           </a:lstStyle>
           <a:p>
@@ -2745,8 +2746,8 @@
         </p:nvSpPr>
         <p:spPr>
           <a:xfrm>
-            <a:off x="415739" y="1728311"/>
-            <a:ext cx="1946662" cy="3201911"/>
+            <a:off x="434547" y="1728311"/>
+            <a:ext cx="2034728" cy="3201911"/>
           </a:xfrm>
         </p:spPr>
         <p:txBody>
@@ -2754,39 +2755,39 @@
           <a:lstStyle>
             <a:lvl1pPr marL="0" indent="0">
               <a:buNone/>
-              <a:defRPr sz="1056"/>
+              <a:defRPr sz="1104"/>
             </a:lvl1pPr>
-            <a:lvl2pPr marL="301798" indent="0">
+            <a:lvl2pPr marL="315422" indent="0">
               <a:buNone/>
-              <a:defRPr sz="924"/>
+              <a:defRPr sz="966"/>
             </a:lvl2pPr>
-            <a:lvl3pPr marL="603595" indent="0">
+            <a:lvl3pPr marL="630845" indent="0">
               <a:buNone/>
-              <a:defRPr sz="792"/>
+              <a:defRPr sz="828"/>
             </a:lvl3pPr>
-            <a:lvl4pPr marL="905393" indent="0">
+            <a:lvl4pPr marL="946267" indent="0">
               <a:buNone/>
-              <a:defRPr sz="660"/>
+              <a:defRPr sz="690"/>
             </a:lvl4pPr>
-            <a:lvl5pPr marL="1207191" indent="0">
+            <a:lvl5pPr marL="1261689" indent="0">
               <a:buNone/>
-              <a:defRPr sz="660"/>
+              <a:defRPr sz="690"/>
             </a:lvl5pPr>
-            <a:lvl6pPr marL="1508989" indent="0">
+            <a:lvl6pPr marL="1577111" indent="0">
               <a:buNone/>
-              <a:defRPr sz="660"/>
+              <a:defRPr sz="690"/>
             </a:lvl6pPr>
-            <a:lvl7pPr marL="1810786" indent="0">
+            <a:lvl7pPr marL="1892534" indent="0">
               <a:buNone/>
-              <a:defRPr sz="660"/>
+              <a:defRPr sz="690"/>
             </a:lvl7pPr>
-            <a:lvl8pPr marL="2112584" indent="0">
+            <a:lvl8pPr marL="2207956" indent="0">
               <a:buNone/>
-              <a:defRPr sz="660"/>
+              <a:defRPr sz="690"/>
             </a:lvl8pPr>
-            <a:lvl9pPr marL="2414382" indent="0">
+            <a:lvl9pPr marL="2523378" indent="0">
               <a:buNone/>
-              <a:defRPr sz="660"/>
+              <a:defRPr sz="690"/>
             </a:lvl9pPr>
           </a:lstStyle>
           <a:p>
@@ -2815,7 +2816,7 @@
           <a:p>
             <a:fld id="{F7080B4D-8004-43E8-A0A5-F0C582AEB8C3}" type="datetimeFigureOut">
               <a:rPr lang="en-US" smtClean="0"/>
-              <a:t>7/29/2016</a:t>
+              <a:t>8/2/2016</a:t>
             </a:fld>
             <a:endParaRPr lang="en-US"/>
           </a:p>
@@ -2866,7 +2867,7 @@
     </p:spTree>
     <p:extLst>
       <p:ext uri="{BB962C8B-B14F-4D97-AF65-F5344CB8AC3E}">
-        <p14:creationId xmlns:p14="http://schemas.microsoft.com/office/powerpoint/2010/main" val="224308260"/>
+        <p14:creationId xmlns:p14="http://schemas.microsoft.com/office/powerpoint/2010/main" val="3632963175"/>
       </p:ext>
     </p:extLst>
   </p:cSld>
@@ -2910,8 +2911,8 @@
         </p:nvSpPr>
         <p:spPr>
           <a:xfrm>
-            <a:off x="414953" y="306723"/>
-            <a:ext cx="5205770" cy="1113534"/>
+            <a:off x="433725" y="306723"/>
+            <a:ext cx="5441275" cy="1113534"/>
           </a:xfrm>
           <a:prstGeom prst="rect">
             <a:avLst/>
@@ -2943,8 +2944,8 @@
         </p:nvSpPr>
         <p:spPr>
           <a:xfrm>
-            <a:off x="414953" y="1533609"/>
-            <a:ext cx="5205770" cy="3655326"/>
+            <a:off x="433725" y="1533609"/>
+            <a:ext cx="5441275" cy="3655326"/>
           </a:xfrm>
           <a:prstGeom prst="rect">
             <a:avLst/>
@@ -3005,8 +3006,8 @@
         </p:nvSpPr>
         <p:spPr>
           <a:xfrm>
-            <a:off x="414953" y="5339630"/>
-            <a:ext cx="1358027" cy="306722"/>
+            <a:off x="433725" y="5339630"/>
+            <a:ext cx="1419463" cy="306722"/>
           </a:xfrm>
           <a:prstGeom prst="rect">
             <a:avLst/>
@@ -3016,7 +3017,7 @@
           <a:bodyPr vert="horz" lIns="91440" tIns="45720" rIns="91440" bIns="45720" rtlCol="0" anchor="ctr"/>
           <a:lstStyle>
             <a:lvl1pPr algn="l">
-              <a:defRPr sz="792">
+              <a:defRPr sz="828">
                 <a:solidFill>
                   <a:schemeClr val="tx1">
                     <a:tint val="75000"/>
@@ -3028,7 +3029,7 @@
           <a:p>
             <a:fld id="{F7080B4D-8004-43E8-A0A5-F0C582AEB8C3}" type="datetimeFigureOut">
               <a:rPr lang="en-US" smtClean="0"/>
-              <a:t>7/29/2016</a:t>
+              <a:t>8/2/2016</a:t>
             </a:fld>
             <a:endParaRPr lang="en-US"/>
           </a:p>
@@ -3046,8 +3047,8 @@
         </p:nvSpPr>
         <p:spPr>
           <a:xfrm>
-            <a:off x="1999318" y="5339630"/>
-            <a:ext cx="2037040" cy="306722"/>
+            <a:off x="2089765" y="5339630"/>
+            <a:ext cx="2129195" cy="306722"/>
           </a:xfrm>
           <a:prstGeom prst="rect">
             <a:avLst/>
@@ -3057,7 +3058,7 @@
           <a:bodyPr vert="horz" lIns="91440" tIns="45720" rIns="91440" bIns="45720" rtlCol="0" anchor="ctr"/>
           <a:lstStyle>
             <a:lvl1pPr algn="ctr">
-              <a:defRPr sz="792">
+              <a:defRPr sz="828">
                 <a:solidFill>
                   <a:schemeClr val="tx1">
                     <a:tint val="75000"/>
@@ -3083,8 +3084,8 @@
         </p:nvSpPr>
         <p:spPr>
           <a:xfrm>
-            <a:off x="4262695" y="5339630"/>
-            <a:ext cx="1358027" cy="306722"/>
+            <a:off x="4455537" y="5339630"/>
+            <a:ext cx="1419463" cy="306722"/>
           </a:xfrm>
           <a:prstGeom prst="rect">
             <a:avLst/>
@@ -3094,7 +3095,7 @@
           <a:bodyPr vert="horz" lIns="91440" tIns="45720" rIns="91440" bIns="45720" rtlCol="0" anchor="ctr"/>
           <a:lstStyle>
             <a:lvl1pPr algn="r">
-              <a:defRPr sz="792">
+              <a:defRPr sz="828">
                 <a:solidFill>
                   <a:schemeClr val="tx1">
                     <a:tint val="75000"/>
@@ -3115,27 +3116,27 @@
     </p:spTree>
     <p:extLst>
       <p:ext uri="{BB962C8B-B14F-4D97-AF65-F5344CB8AC3E}">
-        <p14:creationId xmlns:p14="http://schemas.microsoft.com/office/powerpoint/2010/main" val="3488090701"/>
+        <p14:creationId xmlns:p14="http://schemas.microsoft.com/office/powerpoint/2010/main" val="2961849258"/>
       </p:ext>
     </p:extLst>
   </p:cSld>
   <p:clrMap bg1="lt1" tx1="dk1" bg2="lt2" tx2="dk2" accent1="accent1" accent2="accent2" accent3="accent3" accent4="accent4" accent5="accent5" accent6="accent6" hlink="hlink" folHlink="folHlink"/>
   <p:sldLayoutIdLst>
-    <p:sldLayoutId id="2147483721" r:id="rId1"/>
-    <p:sldLayoutId id="2147483722" r:id="rId2"/>
-    <p:sldLayoutId id="2147483723" r:id="rId3"/>
-    <p:sldLayoutId id="2147483724" r:id="rId4"/>
-    <p:sldLayoutId id="2147483725" r:id="rId5"/>
-    <p:sldLayoutId id="2147483726" r:id="rId6"/>
-    <p:sldLayoutId id="2147483727" r:id="rId7"/>
-    <p:sldLayoutId id="2147483728" r:id="rId8"/>
-    <p:sldLayoutId id="2147483729" r:id="rId9"/>
-    <p:sldLayoutId id="2147483730" r:id="rId10"/>
-    <p:sldLayoutId id="2147483731" r:id="rId11"/>
+    <p:sldLayoutId id="2147483769" r:id="rId1"/>
+    <p:sldLayoutId id="2147483770" r:id="rId2"/>
+    <p:sldLayoutId id="2147483771" r:id="rId3"/>
+    <p:sldLayoutId id="2147483772" r:id="rId4"/>
+    <p:sldLayoutId id="2147483773" r:id="rId5"/>
+    <p:sldLayoutId id="2147483774" r:id="rId6"/>
+    <p:sldLayoutId id="2147483775" r:id="rId7"/>
+    <p:sldLayoutId id="2147483776" r:id="rId8"/>
+    <p:sldLayoutId id="2147483777" r:id="rId9"/>
+    <p:sldLayoutId id="2147483778" r:id="rId10"/>
+    <p:sldLayoutId id="2147483779" r:id="rId11"/>
   </p:sldLayoutIdLst>
   <p:txStyles>
     <p:titleStyle>
-      <a:lvl1pPr algn="l" defTabSz="603595" rtl="0" eaLnBrk="1" latinLnBrk="0" hangingPunct="1">
+      <a:lvl1pPr algn="l" defTabSz="630845" rtl="0" eaLnBrk="1" latinLnBrk="0" hangingPunct="1">
         <a:lnSpc>
           <a:spcPct val="90000"/>
         </a:lnSpc>
@@ -3143,7 +3144,7 @@
           <a:spcPct val="0"/>
         </a:spcBef>
         <a:buNone/>
-        <a:defRPr sz="2904" kern="1200">
+        <a:defRPr sz="3036" kern="1200">
           <a:solidFill>
             <a:schemeClr val="tx1"/>
           </a:solidFill>
@@ -3154,16 +3155,16 @@
       </a:lvl1pPr>
     </p:titleStyle>
     <p:bodyStyle>
-      <a:lvl1pPr marL="150899" indent="-150899" algn="l" defTabSz="603595" rtl="0" eaLnBrk="1" latinLnBrk="0" hangingPunct="1">
+      <a:lvl1pPr marL="157711" indent="-157711" algn="l" defTabSz="630845" rtl="0" eaLnBrk="1" latinLnBrk="0" hangingPunct="1">
         <a:lnSpc>
           <a:spcPct val="90000"/>
         </a:lnSpc>
         <a:spcBef>
-          <a:spcPts val="660"/>
+          <a:spcPts val="690"/>
         </a:spcBef>
         <a:buFont typeface="Arial" panose="020B0604020202020204" pitchFamily="34" charset="0"/>
         <a:buChar char="•"/>
-        <a:defRPr sz="1848" kern="1200">
+        <a:defRPr sz="1932" kern="1200">
           <a:solidFill>
             <a:schemeClr val="tx1"/>
           </a:solidFill>
@@ -3172,16 +3173,16 @@
           <a:cs typeface="+mn-cs"/>
         </a:defRPr>
       </a:lvl1pPr>
-      <a:lvl2pPr marL="452697" indent="-150899" algn="l" defTabSz="603595" rtl="0" eaLnBrk="1" latinLnBrk="0" hangingPunct="1">
+      <a:lvl2pPr marL="473133" indent="-157711" algn="l" defTabSz="630845" rtl="0" eaLnBrk="1" latinLnBrk="0" hangingPunct="1">
         <a:lnSpc>
           <a:spcPct val="90000"/>
         </a:lnSpc>
         <a:spcBef>
-          <a:spcPts val="330"/>
+          <a:spcPts val="345"/>
         </a:spcBef>
         <a:buFont typeface="Arial" panose="020B0604020202020204" pitchFamily="34" charset="0"/>
         <a:buChar char="•"/>
-        <a:defRPr sz="1584" kern="1200">
+        <a:defRPr sz="1656" kern="1200">
           <a:solidFill>
             <a:schemeClr val="tx1"/>
           </a:solidFill>
@@ -3190,16 +3191,16 @@
           <a:cs typeface="+mn-cs"/>
         </a:defRPr>
       </a:lvl2pPr>
-      <a:lvl3pPr marL="754494" indent="-150899" algn="l" defTabSz="603595" rtl="0" eaLnBrk="1" latinLnBrk="0" hangingPunct="1">
+      <a:lvl3pPr marL="788556" indent="-157711" algn="l" defTabSz="630845" rtl="0" eaLnBrk="1" latinLnBrk="0" hangingPunct="1">
         <a:lnSpc>
           <a:spcPct val="90000"/>
         </a:lnSpc>
         <a:spcBef>
-          <a:spcPts val="330"/>
+          <a:spcPts val="345"/>
         </a:spcBef>
         <a:buFont typeface="Arial" panose="020B0604020202020204" pitchFamily="34" charset="0"/>
         <a:buChar char="•"/>
-        <a:defRPr sz="1320" kern="1200">
+        <a:defRPr sz="1380" kern="1200">
           <a:solidFill>
             <a:schemeClr val="tx1"/>
           </a:solidFill>
@@ -3208,16 +3209,16 @@
           <a:cs typeface="+mn-cs"/>
         </a:defRPr>
       </a:lvl3pPr>
-      <a:lvl4pPr marL="1056292" indent="-150899" algn="l" defTabSz="603595" rtl="0" eaLnBrk="1" latinLnBrk="0" hangingPunct="1">
+      <a:lvl4pPr marL="1103978" indent="-157711" algn="l" defTabSz="630845" rtl="0" eaLnBrk="1" latinLnBrk="0" hangingPunct="1">
         <a:lnSpc>
           <a:spcPct val="90000"/>
         </a:lnSpc>
         <a:spcBef>
-          <a:spcPts val="330"/>
+          <a:spcPts val="345"/>
         </a:spcBef>
         <a:buFont typeface="Arial" panose="020B0604020202020204" pitchFamily="34" charset="0"/>
         <a:buChar char="•"/>
-        <a:defRPr sz="1188" kern="1200">
+        <a:defRPr sz="1242" kern="1200">
           <a:solidFill>
             <a:schemeClr val="tx1"/>
           </a:solidFill>
@@ -3226,16 +3227,16 @@
           <a:cs typeface="+mn-cs"/>
         </a:defRPr>
       </a:lvl4pPr>
-      <a:lvl5pPr marL="1358090" indent="-150899" algn="l" defTabSz="603595" rtl="0" eaLnBrk="1" latinLnBrk="0" hangingPunct="1">
+      <a:lvl5pPr marL="1419400" indent="-157711" algn="l" defTabSz="630845" rtl="0" eaLnBrk="1" latinLnBrk="0" hangingPunct="1">
         <a:lnSpc>
           <a:spcPct val="90000"/>
         </a:lnSpc>
         <a:spcBef>
-          <a:spcPts val="330"/>
+          <a:spcPts val="345"/>
         </a:spcBef>
         <a:buFont typeface="Arial" panose="020B0604020202020204" pitchFamily="34" charset="0"/>
         <a:buChar char="•"/>
-        <a:defRPr sz="1188" kern="1200">
+        <a:defRPr sz="1242" kern="1200">
           <a:solidFill>
             <a:schemeClr val="tx1"/>
           </a:solidFill>
@@ -3244,16 +3245,16 @@
           <a:cs typeface="+mn-cs"/>
         </a:defRPr>
       </a:lvl5pPr>
-      <a:lvl6pPr marL="1659887" indent="-150899" algn="l" defTabSz="603595" rtl="0" eaLnBrk="1" latinLnBrk="0" hangingPunct="1">
+      <a:lvl6pPr marL="1734823" indent="-157711" algn="l" defTabSz="630845" rtl="0" eaLnBrk="1" latinLnBrk="0" hangingPunct="1">
         <a:lnSpc>
           <a:spcPct val="90000"/>
         </a:lnSpc>
         <a:spcBef>
-          <a:spcPts val="330"/>
+          <a:spcPts val="345"/>
         </a:spcBef>
         <a:buFont typeface="Arial" panose="020B0604020202020204" pitchFamily="34" charset="0"/>
         <a:buChar char="•"/>
-        <a:defRPr sz="1188" kern="1200">
+        <a:defRPr sz="1242" kern="1200">
           <a:solidFill>
             <a:schemeClr val="tx1"/>
           </a:solidFill>
@@ -3262,16 +3263,16 @@
           <a:cs typeface="+mn-cs"/>
         </a:defRPr>
       </a:lvl6pPr>
-      <a:lvl7pPr marL="1961685" indent="-150899" algn="l" defTabSz="603595" rtl="0" eaLnBrk="1" latinLnBrk="0" hangingPunct="1">
+      <a:lvl7pPr marL="2050245" indent="-157711" algn="l" defTabSz="630845" rtl="0" eaLnBrk="1" latinLnBrk="0" hangingPunct="1">
         <a:lnSpc>
           <a:spcPct val="90000"/>
         </a:lnSpc>
         <a:spcBef>
-          <a:spcPts val="330"/>
+          <a:spcPts val="345"/>
         </a:spcBef>
         <a:buFont typeface="Arial" panose="020B0604020202020204" pitchFamily="34" charset="0"/>
         <a:buChar char="•"/>
-        <a:defRPr sz="1188" kern="1200">
+        <a:defRPr sz="1242" kern="1200">
           <a:solidFill>
             <a:schemeClr val="tx1"/>
           </a:solidFill>
@@ -3280,16 +3281,16 @@
           <a:cs typeface="+mn-cs"/>
         </a:defRPr>
       </a:lvl7pPr>
-      <a:lvl8pPr marL="2263483" indent="-150899" algn="l" defTabSz="603595" rtl="0" eaLnBrk="1" latinLnBrk="0" hangingPunct="1">
+      <a:lvl8pPr marL="2365667" indent="-157711" algn="l" defTabSz="630845" rtl="0" eaLnBrk="1" latinLnBrk="0" hangingPunct="1">
         <a:lnSpc>
           <a:spcPct val="90000"/>
         </a:lnSpc>
         <a:spcBef>
-          <a:spcPts val="330"/>
+          <a:spcPts val="345"/>
         </a:spcBef>
         <a:buFont typeface="Arial" panose="020B0604020202020204" pitchFamily="34" charset="0"/>
         <a:buChar char="•"/>
-        <a:defRPr sz="1188" kern="1200">
+        <a:defRPr sz="1242" kern="1200">
           <a:solidFill>
             <a:schemeClr val="tx1"/>
           </a:solidFill>
@@ -3298,16 +3299,16 @@
           <a:cs typeface="+mn-cs"/>
         </a:defRPr>
       </a:lvl8pPr>
-      <a:lvl9pPr marL="2565281" indent="-150899" algn="l" defTabSz="603595" rtl="0" eaLnBrk="1" latinLnBrk="0" hangingPunct="1">
+      <a:lvl9pPr marL="2681089" indent="-157711" algn="l" defTabSz="630845" rtl="0" eaLnBrk="1" latinLnBrk="0" hangingPunct="1">
         <a:lnSpc>
           <a:spcPct val="90000"/>
         </a:lnSpc>
         <a:spcBef>
-          <a:spcPts val="330"/>
+          <a:spcPts val="345"/>
         </a:spcBef>
         <a:buFont typeface="Arial" panose="020B0604020202020204" pitchFamily="34" charset="0"/>
         <a:buChar char="•"/>
-        <a:defRPr sz="1188" kern="1200">
+        <a:defRPr sz="1242" kern="1200">
           <a:solidFill>
             <a:schemeClr val="tx1"/>
           </a:solidFill>
@@ -3321,8 +3322,8 @@
       <a:defPPr>
         <a:defRPr lang="en-US"/>
       </a:defPPr>
-      <a:lvl1pPr marL="0" algn="l" defTabSz="603595" rtl="0" eaLnBrk="1" latinLnBrk="0" hangingPunct="1">
-        <a:defRPr sz="1188" kern="1200">
+      <a:lvl1pPr marL="0" algn="l" defTabSz="630845" rtl="0" eaLnBrk="1" latinLnBrk="0" hangingPunct="1">
+        <a:defRPr sz="1242" kern="1200">
           <a:solidFill>
             <a:schemeClr val="tx1"/>
           </a:solidFill>
@@ -3331,8 +3332,8 @@
           <a:cs typeface="+mn-cs"/>
         </a:defRPr>
       </a:lvl1pPr>
-      <a:lvl2pPr marL="301798" algn="l" defTabSz="603595" rtl="0" eaLnBrk="1" latinLnBrk="0" hangingPunct="1">
-        <a:defRPr sz="1188" kern="1200">
+      <a:lvl2pPr marL="315422" algn="l" defTabSz="630845" rtl="0" eaLnBrk="1" latinLnBrk="0" hangingPunct="1">
+        <a:defRPr sz="1242" kern="1200">
           <a:solidFill>
             <a:schemeClr val="tx1"/>
           </a:solidFill>
@@ -3341,8 +3342,8 @@
           <a:cs typeface="+mn-cs"/>
         </a:defRPr>
       </a:lvl2pPr>
-      <a:lvl3pPr marL="603595" algn="l" defTabSz="603595" rtl="0" eaLnBrk="1" latinLnBrk="0" hangingPunct="1">
-        <a:defRPr sz="1188" kern="1200">
+      <a:lvl3pPr marL="630845" algn="l" defTabSz="630845" rtl="0" eaLnBrk="1" latinLnBrk="0" hangingPunct="1">
+        <a:defRPr sz="1242" kern="1200">
           <a:solidFill>
             <a:schemeClr val="tx1"/>
           </a:solidFill>
@@ -3351,8 +3352,8 @@
           <a:cs typeface="+mn-cs"/>
         </a:defRPr>
       </a:lvl3pPr>
-      <a:lvl4pPr marL="905393" algn="l" defTabSz="603595" rtl="0" eaLnBrk="1" latinLnBrk="0" hangingPunct="1">
-        <a:defRPr sz="1188" kern="1200">
+      <a:lvl4pPr marL="946267" algn="l" defTabSz="630845" rtl="0" eaLnBrk="1" latinLnBrk="0" hangingPunct="1">
+        <a:defRPr sz="1242" kern="1200">
           <a:solidFill>
             <a:schemeClr val="tx1"/>
           </a:solidFill>
@@ -3361,8 +3362,8 @@
           <a:cs typeface="+mn-cs"/>
         </a:defRPr>
       </a:lvl4pPr>
-      <a:lvl5pPr marL="1207191" algn="l" defTabSz="603595" rtl="0" eaLnBrk="1" latinLnBrk="0" hangingPunct="1">
-        <a:defRPr sz="1188" kern="1200">
+      <a:lvl5pPr marL="1261689" algn="l" defTabSz="630845" rtl="0" eaLnBrk="1" latinLnBrk="0" hangingPunct="1">
+        <a:defRPr sz="1242" kern="1200">
           <a:solidFill>
             <a:schemeClr val="tx1"/>
           </a:solidFill>
@@ -3371,8 +3372,8 @@
           <a:cs typeface="+mn-cs"/>
         </a:defRPr>
       </a:lvl5pPr>
-      <a:lvl6pPr marL="1508989" algn="l" defTabSz="603595" rtl="0" eaLnBrk="1" latinLnBrk="0" hangingPunct="1">
-        <a:defRPr sz="1188" kern="1200">
+      <a:lvl6pPr marL="1577111" algn="l" defTabSz="630845" rtl="0" eaLnBrk="1" latinLnBrk="0" hangingPunct="1">
+        <a:defRPr sz="1242" kern="1200">
           <a:solidFill>
             <a:schemeClr val="tx1"/>
           </a:solidFill>
@@ -3381,8 +3382,8 @@
           <a:cs typeface="+mn-cs"/>
         </a:defRPr>
       </a:lvl6pPr>
-      <a:lvl7pPr marL="1810786" algn="l" defTabSz="603595" rtl="0" eaLnBrk="1" latinLnBrk="0" hangingPunct="1">
-        <a:defRPr sz="1188" kern="1200">
+      <a:lvl7pPr marL="1892534" algn="l" defTabSz="630845" rtl="0" eaLnBrk="1" latinLnBrk="0" hangingPunct="1">
+        <a:defRPr sz="1242" kern="1200">
           <a:solidFill>
             <a:schemeClr val="tx1"/>
           </a:solidFill>
@@ -3391,8 +3392,8 @@
           <a:cs typeface="+mn-cs"/>
         </a:defRPr>
       </a:lvl7pPr>
-      <a:lvl8pPr marL="2112584" algn="l" defTabSz="603595" rtl="0" eaLnBrk="1" latinLnBrk="0" hangingPunct="1">
-        <a:defRPr sz="1188" kern="1200">
+      <a:lvl8pPr marL="2207956" algn="l" defTabSz="630845" rtl="0" eaLnBrk="1" latinLnBrk="0" hangingPunct="1">
+        <a:defRPr sz="1242" kern="1200">
           <a:solidFill>
             <a:schemeClr val="tx1"/>
           </a:solidFill>
@@ -3401,8 +3402,8 @@
           <a:cs typeface="+mn-cs"/>
         </a:defRPr>
       </a:lvl8pPr>
-      <a:lvl9pPr marL="2414382" algn="l" defTabSz="603595" rtl="0" eaLnBrk="1" latinLnBrk="0" hangingPunct="1">
-        <a:defRPr sz="1188" kern="1200">
+      <a:lvl9pPr marL="2523378" algn="l" defTabSz="630845" rtl="0" eaLnBrk="1" latinLnBrk="0" hangingPunct="1">
+        <a:defRPr sz="1242" kern="1200">
           <a:solidFill>
             <a:schemeClr val="tx1"/>
           </a:solidFill>
@@ -3441,8 +3442,8 @@
         </p:nvSpPr>
         <p:spPr>
           <a:xfrm>
-            <a:off x="593016" y="64683"/>
-            <a:ext cx="5326145" cy="5593649"/>
+            <a:off x="468127" y="-238884"/>
+            <a:ext cx="5900343" cy="6196686"/>
           </a:xfrm>
           <a:prstGeom prst="rect">
             <a:avLst/>
@@ -3475,7 +3476,7 @@
           <a:lstStyle/>
           <a:p>
             <a:pPr algn="ctr"/>
-            <a:endParaRPr lang="en-US"/>
+            <a:endParaRPr lang="en-US" sz="1994"/>
           </a:p>
         </p:txBody>
       </p:sp>
@@ -3487,8 +3488,8 @@
         </p:nvSpPr>
         <p:spPr>
           <a:xfrm>
-            <a:off x="630725" y="3820104"/>
-            <a:ext cx="5241303" cy="1809946"/>
+            <a:off x="509902" y="3921401"/>
+            <a:ext cx="5806355" cy="2005072"/>
           </a:xfrm>
           <a:prstGeom prst="rect">
             <a:avLst/>
@@ -3524,7 +3525,7 @@
           <a:lstStyle/>
           <a:p>
             <a:pPr algn="ctr"/>
-            <a:endParaRPr lang="en-US"/>
+            <a:endParaRPr lang="en-US" sz="1994"/>
           </a:p>
         </p:txBody>
       </p:sp>
@@ -3536,8 +3537,8 @@
         </p:nvSpPr>
         <p:spPr>
           <a:xfrm>
-            <a:off x="640150" y="2017296"/>
-            <a:ext cx="5241303" cy="1780095"/>
+            <a:off x="520343" y="1924235"/>
+            <a:ext cx="5806355" cy="1972002"/>
           </a:xfrm>
           <a:prstGeom prst="rect">
             <a:avLst/>
@@ -3573,7 +3574,7 @@
           <a:lstStyle/>
           <a:p>
             <a:pPr algn="ctr"/>
-            <a:endParaRPr lang="en-US"/>
+            <a:endParaRPr lang="en-US" sz="1994"/>
           </a:p>
         </p:txBody>
       </p:sp>
@@ -3585,8 +3586,8 @@
         </p:nvSpPr>
         <p:spPr>
           <a:xfrm>
-            <a:off x="630725" y="143652"/>
-            <a:ext cx="5241303" cy="1896359"/>
+            <a:off x="509902" y="-151401"/>
+            <a:ext cx="5806355" cy="2100800"/>
           </a:xfrm>
           <a:prstGeom prst="rect">
             <a:avLst/>
@@ -3619,7 +3620,7 @@
           <a:lstStyle/>
           <a:p>
             <a:pPr algn="ctr"/>
-            <a:endParaRPr lang="en-US"/>
+            <a:endParaRPr lang="en-US" sz="1994"/>
           </a:p>
         </p:txBody>
       </p:sp>
@@ -3631,8 +3632,8 @@
         </p:nvCxnSpPr>
         <p:spPr>
           <a:xfrm>
-            <a:off x="2223853" y="2040009"/>
-            <a:ext cx="3657600" cy="0"/>
+            <a:off x="2274780" y="1949396"/>
+            <a:ext cx="4051917" cy="0"/>
           </a:xfrm>
           <a:prstGeom prst="line">
             <a:avLst/>
@@ -3666,8 +3667,8 @@
         </p:nvCxnSpPr>
         <p:spPr>
           <a:xfrm>
-            <a:off x="593016" y="3813820"/>
-            <a:ext cx="3808432" cy="0"/>
+            <a:off x="468130" y="3914437"/>
+            <a:ext cx="4219009" cy="0"/>
           </a:xfrm>
           <a:prstGeom prst="line">
             <a:avLst/>
@@ -3701,8 +3702,8 @@
         </p:nvSpPr>
         <p:spPr>
           <a:xfrm>
-            <a:off x="2063597" y="1964593"/>
-            <a:ext cx="169682" cy="158684"/>
+            <a:off x="2097251" y="1865849"/>
+            <a:ext cx="187975" cy="175791"/>
           </a:xfrm>
           <a:prstGeom prst="ellipse">
             <a:avLst/>
@@ -3737,7 +3738,7 @@
           <a:lstStyle/>
           <a:p>
             <a:pPr algn="ctr"/>
-            <a:endParaRPr lang="en-US"/>
+            <a:endParaRPr lang="en-US" sz="1994"/>
           </a:p>
         </p:txBody>
       </p:sp>
@@ -3751,8 +3752,8 @@
         </p:nvCxnSpPr>
         <p:spPr>
           <a:xfrm>
-            <a:off x="630725" y="2040009"/>
-            <a:ext cx="1432873" cy="3926"/>
+            <a:off x="509905" y="1949399"/>
+            <a:ext cx="1587348" cy="4349"/>
           </a:xfrm>
           <a:prstGeom prst="line">
             <a:avLst/>
@@ -3787,8 +3788,8 @@
         </p:nvSpPr>
         <p:spPr>
           <a:xfrm>
-            <a:off x="4217517" y="3742593"/>
-            <a:ext cx="169682" cy="158684"/>
+            <a:off x="4483379" y="3835531"/>
+            <a:ext cx="187975" cy="175791"/>
           </a:xfrm>
           <a:prstGeom prst="ellipse">
             <a:avLst/>
@@ -3823,7 +3824,7 @@
           <a:lstStyle/>
           <a:p>
             <a:pPr algn="ctr"/>
-            <a:endParaRPr lang="en-US"/>
+            <a:endParaRPr lang="en-US" sz="1994"/>
           </a:p>
         </p:txBody>
       </p:sp>
@@ -3835,8 +3836,8 @@
         </p:nvCxnSpPr>
         <p:spPr>
           <a:xfrm>
-            <a:off x="4420407" y="3828169"/>
-            <a:ext cx="1432873" cy="3926"/>
+            <a:off x="4708142" y="3930335"/>
+            <a:ext cx="1587348" cy="4349"/>
           </a:xfrm>
           <a:prstGeom prst="line">
             <a:avLst/>
@@ -3871,8 +3872,8 @@
         </p:nvSpPr>
         <p:spPr>
           <a:xfrm>
-            <a:off x="4052655" y="237640"/>
-            <a:ext cx="1604357" cy="1636366"/>
+            <a:off x="4300742" y="-47282"/>
+            <a:ext cx="1777318" cy="1812778"/>
           </a:xfrm>
           <a:prstGeom prst="ellipse">
             <a:avLst/>
@@ -3907,7 +3908,7 @@
           <a:p>
             <a:pPr algn="ctr"/>
             <a:r>
-              <a:rPr lang="en-US" sz="2000" b="1" dirty="0">
+              <a:rPr lang="en-US" sz="2215" b="1" dirty="0">
                 <a:solidFill>
                   <a:srgbClr val="007A00"/>
                 </a:solidFill>
@@ -3933,8 +3934,8 @@
           </p:nvPr>
         </p:nvGraphicFramePr>
         <p:xfrm>
-          <a:off x="0" y="-23073"/>
-          <a:ext cx="502582" cy="5784111"/>
+          <a:off x="-188820" y="-336100"/>
+          <a:ext cx="556764" cy="6407682"/>
         </p:xfrm>
         <a:graphic>
           <a:graphicData uri="http://schemas.openxmlformats.org/drawingml/2006/table">
@@ -3943,7 +3944,7 @@
                 <a:tableStyleId>{5C22544A-7EE6-4342-B048-85BDC9FD1C3A}</a:tableStyleId>
               </a:tblPr>
               <a:tblGrid>
-                <a:gridCol w="502582">
+                <a:gridCol w="556764">
                   <a:extLst>
                     <a:ext uri="{9D8B030D-6E8A-4147-A177-3AD203B41FA5}">
                       <a16:colId xmlns:a16="http://schemas.microsoft.com/office/drawing/2014/main" val="472818947"/>
@@ -3951,7 +3952,7 @@
                   </a:extLst>
                 </a:gridCol>
               </a:tblGrid>
-              <a:tr h="1928037">
+              <a:tr h="2135894">
                 <a:tc>
                   <a:txBody>
                     <a:bodyPr/>
@@ -3959,7 +3960,7 @@
                     <a:p>
                       <a:pPr algn="ctr"/>
                       <a:r>
-                        <a:rPr lang="en-US" b="0" cap="none" spc="0" dirty="0">
+                        <a:rPr lang="en-US" sz="1300" b="0" cap="none" spc="0" dirty="0">
                           <a:ln w="0"/>
                           <a:solidFill>
                             <a:schemeClr val="tx1"/>
@@ -3978,7 +3979,7 @@
                       </a:r>
                     </a:p>
                   </a:txBody>
-                  <a:tcPr vert="vert270" anchor="b">
+                  <a:tcPr marL="101298" marR="101298" marT="50649" marB="50649" vert="vert270" anchor="b">
                     <a:solidFill>
                       <a:srgbClr val="9DC3E6"/>
                     </a:solidFill>
@@ -3990,7 +3991,7 @@
                   </a:ext>
                 </a:extLst>
               </a:tr>
-              <a:tr h="1928037">
+              <a:tr h="2135894">
                 <a:tc>
                   <a:txBody>
                     <a:bodyPr/>
@@ -3998,7 +3999,7 @@
                     <a:p>
                       <a:pPr algn="ctr"/>
                       <a:r>
-                        <a:rPr lang="en-US" b="0" cap="none" spc="0" dirty="0">
+                        <a:rPr lang="en-US" sz="1300" b="0" cap="none" spc="0" dirty="0">
                           <a:ln w="0"/>
                           <a:solidFill>
                             <a:schemeClr val="tx1"/>
@@ -4016,7 +4017,7 @@
                         <a:t>Main Region</a:t>
                       </a:r>
                       <a:r>
-                        <a:rPr lang="en-US" b="0" cap="none" spc="0" baseline="0" dirty="0">
+                        <a:rPr lang="en-US" sz="1300" b="0" cap="none" spc="0" baseline="0" dirty="0">
                           <a:ln w="0"/>
                           <a:solidFill>
                             <a:schemeClr val="tx1"/>
@@ -4033,7 +4034,7 @@
                         </a:rPr>
                         <a:t> 1</a:t>
                       </a:r>
-                      <a:endParaRPr lang="en-US" b="0" cap="none" spc="0" dirty="0">
+                      <a:endParaRPr lang="en-US" sz="1300" b="0" cap="none" spc="0" dirty="0">
                         <a:ln w="0"/>
                         <a:solidFill>
                           <a:schemeClr val="tx1"/>
@@ -4050,7 +4051,7 @@
                       </a:endParaRPr>
                     </a:p>
                   </a:txBody>
-                  <a:tcPr vert="vert270" anchor="b">
+                  <a:tcPr marL="101298" marR="101298" marT="50649" marB="50649" vert="vert270" anchor="b">
                     <a:solidFill>
                       <a:srgbClr val="BDD7EE"/>
                     </a:solidFill>
@@ -4062,7 +4063,7 @@
                   </a:ext>
                 </a:extLst>
               </a:tr>
-              <a:tr h="1928037">
+              <a:tr h="2135894">
                 <a:tc>
                   <a:txBody>
                     <a:bodyPr/>
@@ -4070,7 +4071,7 @@
                     <a:p>
                       <a:pPr algn="ctr"/>
                       <a:r>
-                        <a:rPr lang="en-US" b="0" cap="none" spc="0" dirty="0">
+                        <a:rPr lang="en-US" sz="1300" b="0" cap="none" spc="0" dirty="0">
                           <a:ln w="0"/>
                           <a:solidFill>
                             <a:schemeClr val="tx1"/>
@@ -4089,7 +4090,7 @@
                       </a:r>
                     </a:p>
                   </a:txBody>
-                  <a:tcPr vert="vert270" anchor="b">
+                  <a:tcPr marL="101298" marR="101298" marT="50649" marB="50649" vert="vert270" anchor="b">
                     <a:solidFill>
                       <a:srgbClr val="DEEBF7"/>
                     </a:solidFill>
@@ -4120,8 +4121,8 @@
           </p:nvPr>
         </p:nvGraphicFramePr>
         <p:xfrm>
-          <a:off x="593016" y="-453477"/>
-          <a:ext cx="5326145" cy="518160"/>
+          <a:off x="468127" y="-727066"/>
+          <a:ext cx="5900343" cy="574021"/>
         </p:xfrm>
         <a:graphic>
           <a:graphicData uri="http://schemas.openxmlformats.org/drawingml/2006/table">
@@ -4130,7 +4131,7 @@
                 <a:tableStyleId>{5C22544A-7EE6-4342-B048-85BDC9FD1C3A}</a:tableStyleId>
               </a:tblPr>
               <a:tblGrid>
-                <a:gridCol w="5326145">
+                <a:gridCol w="5900343">
                   <a:extLst>
                     <a:ext uri="{9D8B030D-6E8A-4147-A177-3AD203B41FA5}">
                       <a16:colId xmlns:a16="http://schemas.microsoft.com/office/drawing/2014/main" val="1119900571"/>
@@ -4138,14 +4139,14 @@
                   </a:extLst>
                 </a:gridCol>
               </a:tblGrid>
-              <a:tr h="427630">
+              <a:tr h="574021">
                 <a:tc>
                   <a:txBody>
                     <a:bodyPr/>
                     <a:lstStyle/>
                     <a:p>
                       <a:pPr algn="ctr"/>
-                      <a:endParaRPr lang="en-US" sz="2800" b="0" cap="none" spc="0" baseline="0" dirty="0">
+                      <a:endParaRPr lang="en-US" sz="3100" b="0" cap="none" spc="0" baseline="0" dirty="0">
                         <a:ln w="0"/>
                         <a:solidFill>
                           <a:schemeClr val="tx1"/>
@@ -4161,7 +4162,7 @@
                       </a:endParaRPr>
                     </a:p>
                   </a:txBody>
-                  <a:tcPr anchor="ctr">
+                  <a:tcPr marL="101298" marR="101298" marT="50649" marB="50649" anchor="ctr">
                     <a:lnL w="12700" cap="flat" cmpd="sng" algn="ctr">
                       <a:noFill/>
                       <a:prstDash val="solid"/>
@@ -4219,8 +4220,8 @@
         </p:nvSpPr>
         <p:spPr>
           <a:xfrm rot="579814">
-            <a:off x="4880152" y="3629211"/>
-            <a:ext cx="942651" cy="867778"/>
+            <a:off x="5217449" y="3709925"/>
+            <a:ext cx="1044275" cy="961331"/>
           </a:xfrm>
           <a:prstGeom prst="hexagon">
             <a:avLst/>
@@ -4255,7 +4256,7 @@
           <a:lstStyle/>
           <a:p>
             <a:pPr algn="ctr"/>
-            <a:endParaRPr lang="en-US" sz="1200" dirty="0">
+            <a:endParaRPr lang="en-US" sz="1329" dirty="0">
               <a:solidFill>
                 <a:sysClr val="windowText" lastClr="000000"/>
               </a:solidFill>
@@ -4271,8 +4272,8 @@
         </p:nvSpPr>
         <p:spPr>
           <a:xfrm>
-            <a:off x="642707" y="3648145"/>
-            <a:ext cx="83286" cy="83286"/>
+            <a:off x="523178" y="3730903"/>
+            <a:ext cx="92265" cy="92265"/>
           </a:xfrm>
           <a:prstGeom prst="ellipse">
             <a:avLst/>
@@ -4305,7 +4306,7 @@
           </a:fontRef>
         </p:style>
         <p:txBody>
-          <a:bodyPr rot="0" spcFirstLastPara="0" vertOverflow="overflow" horzOverflow="overflow" vert="horz" wrap="square" lIns="91440" tIns="45720" rIns="91440" bIns="45720" numCol="1" spcCol="0" rtlCol="0" fromWordArt="0" anchor="ctr" anchorCtr="0" forceAA="0" compatLnSpc="1">
+          <a:bodyPr rot="0" spcFirstLastPara="0" vertOverflow="overflow" horzOverflow="overflow" vert="horz" wrap="square" lIns="101298" tIns="50649" rIns="101298" bIns="50649" numCol="1" spcCol="0" rtlCol="0" fromWordArt="0" anchor="ctr" anchorCtr="0" forceAA="0" compatLnSpc="1">
             <a:prstTxWarp prst="textNoShape">
               <a:avLst/>
             </a:prstTxWarp>
@@ -4314,7 +4315,7 @@
           <a:lstStyle/>
           <a:p>
             <a:pPr algn="ctr"/>
-            <a:endParaRPr lang="en-US"/>
+            <a:endParaRPr lang="en-US" sz="1994"/>
           </a:p>
         </p:txBody>
       </p:sp>
@@ -4326,8 +4327,8 @@
         </p:nvSpPr>
         <p:spPr>
           <a:xfrm>
-            <a:off x="656887" y="3439043"/>
-            <a:ext cx="76931" cy="76931"/>
+            <a:off x="538885" y="3499257"/>
+            <a:ext cx="85224" cy="85224"/>
           </a:xfrm>
           <a:prstGeom prst="ellipse">
             <a:avLst/>
@@ -4360,7 +4361,7 @@
           </a:fontRef>
         </p:style>
         <p:txBody>
-          <a:bodyPr rot="0" spcFirstLastPara="0" vertOverflow="overflow" horzOverflow="overflow" vert="horz" wrap="square" lIns="91440" tIns="45720" rIns="91440" bIns="45720" numCol="1" spcCol="0" rtlCol="0" fromWordArt="0" anchor="ctr" anchorCtr="0" forceAA="0" compatLnSpc="1">
+          <a:bodyPr rot="0" spcFirstLastPara="0" vertOverflow="overflow" horzOverflow="overflow" vert="horz" wrap="square" lIns="101298" tIns="50649" rIns="101298" bIns="50649" numCol="1" spcCol="0" rtlCol="0" fromWordArt="0" anchor="ctr" anchorCtr="0" forceAA="0" compatLnSpc="1">
             <a:prstTxWarp prst="textNoShape">
               <a:avLst/>
             </a:prstTxWarp>
@@ -4369,7 +4370,7 @@
           <a:lstStyle/>
           <a:p>
             <a:pPr algn="ctr"/>
-            <a:endParaRPr lang="en-US"/>
+            <a:endParaRPr lang="en-US" sz="1994"/>
           </a:p>
         </p:txBody>
       </p:sp>
@@ -4381,8 +4382,8 @@
         </p:nvSpPr>
         <p:spPr>
           <a:xfrm>
-            <a:off x="756127" y="3527648"/>
-            <a:ext cx="83286" cy="83286"/>
+            <a:off x="648825" y="3597416"/>
+            <a:ext cx="92265" cy="92265"/>
           </a:xfrm>
           <a:prstGeom prst="ellipse">
             <a:avLst/>
@@ -4415,7 +4416,7 @@
           </a:fontRef>
         </p:style>
         <p:txBody>
-          <a:bodyPr rot="0" spcFirstLastPara="0" vertOverflow="overflow" horzOverflow="overflow" vert="horz" wrap="square" lIns="91440" tIns="45720" rIns="91440" bIns="45720" numCol="1" spcCol="0" rtlCol="0" fromWordArt="0" anchor="ctr" anchorCtr="0" forceAA="0" compatLnSpc="1">
+          <a:bodyPr rot="0" spcFirstLastPara="0" vertOverflow="overflow" horzOverflow="overflow" vert="horz" wrap="square" lIns="101298" tIns="50649" rIns="101298" bIns="50649" numCol="1" spcCol="0" rtlCol="0" fromWordArt="0" anchor="ctr" anchorCtr="0" forceAA="0" compatLnSpc="1">
             <a:prstTxWarp prst="textNoShape">
               <a:avLst/>
             </a:prstTxWarp>
@@ -4424,7 +4425,7 @@
           <a:lstStyle/>
           <a:p>
             <a:pPr algn="ctr"/>
-            <a:endParaRPr lang="en-US"/>
+            <a:endParaRPr lang="en-US" sz="1994"/>
           </a:p>
         </p:txBody>
       </p:sp>
@@ -4436,8 +4437,8 @@
         </p:nvSpPr>
         <p:spPr>
           <a:xfrm>
-            <a:off x="756127" y="3656968"/>
-            <a:ext cx="83286" cy="83286"/>
+            <a:off x="648825" y="3740678"/>
+            <a:ext cx="92265" cy="92265"/>
           </a:xfrm>
           <a:prstGeom prst="ellipse">
             <a:avLst/>
@@ -4470,7 +4471,7 @@
           </a:fontRef>
         </p:style>
         <p:txBody>
-          <a:bodyPr rot="0" spcFirstLastPara="0" vertOverflow="overflow" horzOverflow="overflow" vert="horz" wrap="square" lIns="91440" tIns="45720" rIns="91440" bIns="45720" numCol="1" spcCol="0" rtlCol="0" fromWordArt="0" anchor="ctr" anchorCtr="0" forceAA="0" compatLnSpc="1">
+          <a:bodyPr rot="0" spcFirstLastPara="0" vertOverflow="overflow" horzOverflow="overflow" vert="horz" wrap="square" lIns="101298" tIns="50649" rIns="101298" bIns="50649" numCol="1" spcCol="0" rtlCol="0" fromWordArt="0" anchor="ctr" anchorCtr="0" forceAA="0" compatLnSpc="1">
             <a:prstTxWarp prst="textNoShape">
               <a:avLst/>
             </a:prstTxWarp>
@@ -4479,7 +4480,7 @@
           <a:lstStyle/>
           <a:p>
             <a:pPr algn="ctr"/>
-            <a:endParaRPr lang="en-US"/>
+            <a:endParaRPr lang="en-US" sz="1994"/>
           </a:p>
         </p:txBody>
       </p:sp>
@@ -4491,8 +4492,8 @@
         </p:nvSpPr>
         <p:spPr>
           <a:xfrm>
-            <a:off x="899663" y="3527649"/>
-            <a:ext cx="76931" cy="76931"/>
+            <a:off x="807834" y="3597416"/>
+            <a:ext cx="85224" cy="85224"/>
           </a:xfrm>
           <a:prstGeom prst="ellipse">
             <a:avLst/>
@@ -4525,7 +4526,7 @@
           </a:fontRef>
         </p:style>
         <p:txBody>
-          <a:bodyPr rot="0" spcFirstLastPara="0" vertOverflow="overflow" horzOverflow="overflow" vert="horz" wrap="square" lIns="91440" tIns="45720" rIns="91440" bIns="45720" numCol="1" spcCol="0" rtlCol="0" fromWordArt="0" anchor="ctr" anchorCtr="0" forceAA="0" compatLnSpc="1">
+          <a:bodyPr rot="0" spcFirstLastPara="0" vertOverflow="overflow" horzOverflow="overflow" vert="horz" wrap="square" lIns="101298" tIns="50649" rIns="101298" bIns="50649" numCol="1" spcCol="0" rtlCol="0" fromWordArt="0" anchor="ctr" anchorCtr="0" forceAA="0" compatLnSpc="1">
             <a:prstTxWarp prst="textNoShape">
               <a:avLst/>
             </a:prstTxWarp>
@@ -4534,7 +4535,7 @@
           <a:lstStyle/>
           <a:p>
             <a:pPr algn="ctr"/>
-            <a:endParaRPr lang="en-US"/>
+            <a:endParaRPr lang="en-US" sz="1994"/>
           </a:p>
         </p:txBody>
       </p:sp>
@@ -4546,8 +4547,8 @@
         </p:nvSpPr>
         <p:spPr>
           <a:xfrm>
-            <a:off x="857451" y="3646076"/>
-            <a:ext cx="76931" cy="76931"/>
+            <a:off x="761071" y="3728609"/>
+            <a:ext cx="85224" cy="85224"/>
           </a:xfrm>
           <a:prstGeom prst="ellipse">
             <a:avLst/>
@@ -4580,7 +4581,7 @@
           </a:fontRef>
         </p:style>
         <p:txBody>
-          <a:bodyPr rot="0" spcFirstLastPara="0" vertOverflow="overflow" horzOverflow="overflow" vert="horz" wrap="square" lIns="91440" tIns="45720" rIns="91440" bIns="45720" numCol="1" spcCol="0" rtlCol="0" fromWordArt="0" anchor="ctr" anchorCtr="0" forceAA="0" compatLnSpc="1">
+          <a:bodyPr rot="0" spcFirstLastPara="0" vertOverflow="overflow" horzOverflow="overflow" vert="horz" wrap="square" lIns="101298" tIns="50649" rIns="101298" bIns="50649" numCol="1" spcCol="0" rtlCol="0" fromWordArt="0" anchor="ctr" anchorCtr="0" forceAA="0" compatLnSpc="1">
             <a:prstTxWarp prst="textNoShape">
               <a:avLst/>
             </a:prstTxWarp>
@@ -4589,7 +4590,7 @@
           <a:lstStyle/>
           <a:p>
             <a:pPr algn="ctr"/>
-            <a:endParaRPr lang="en-US"/>
+            <a:endParaRPr lang="en-US" sz="1994"/>
           </a:p>
         </p:txBody>
       </p:sp>
@@ -4601,8 +4602,8 @@
         </p:nvSpPr>
         <p:spPr>
           <a:xfrm>
-            <a:off x="990426" y="3633634"/>
-            <a:ext cx="76931" cy="76931"/>
+            <a:off x="908382" y="3714826"/>
+            <a:ext cx="85224" cy="85224"/>
           </a:xfrm>
           <a:prstGeom prst="ellipse">
             <a:avLst/>
@@ -4635,7 +4636,7 @@
           </a:fontRef>
         </p:style>
         <p:txBody>
-          <a:bodyPr rot="0" spcFirstLastPara="0" vertOverflow="overflow" horzOverflow="overflow" vert="horz" wrap="square" lIns="91440" tIns="45720" rIns="91440" bIns="45720" numCol="1" spcCol="0" rtlCol="0" fromWordArt="0" anchor="ctr" anchorCtr="0" forceAA="0" compatLnSpc="1">
+          <a:bodyPr rot="0" spcFirstLastPara="0" vertOverflow="overflow" horzOverflow="overflow" vert="horz" wrap="square" lIns="101298" tIns="50649" rIns="101298" bIns="50649" numCol="1" spcCol="0" rtlCol="0" fromWordArt="0" anchor="ctr" anchorCtr="0" forceAA="0" compatLnSpc="1">
             <a:prstTxWarp prst="textNoShape">
               <a:avLst/>
             </a:prstTxWarp>
@@ -4644,7 +4645,7 @@
           <a:lstStyle/>
           <a:p>
             <a:pPr algn="ctr"/>
-            <a:endParaRPr lang="en-US"/>
+            <a:endParaRPr lang="en-US" sz="1994"/>
           </a:p>
         </p:txBody>
       </p:sp>
@@ -4656,8 +4657,8 @@
         </p:nvSpPr>
         <p:spPr>
           <a:xfrm>
-            <a:off x="1107625" y="3628838"/>
-            <a:ext cx="76931" cy="76931"/>
+            <a:off x="1038216" y="3709514"/>
+            <a:ext cx="85224" cy="85224"/>
           </a:xfrm>
           <a:prstGeom prst="ellipse">
             <a:avLst/>
@@ -4690,7 +4691,7 @@
           </a:fontRef>
         </p:style>
         <p:txBody>
-          <a:bodyPr rot="0" spcFirstLastPara="0" vertOverflow="overflow" horzOverflow="overflow" vert="horz" wrap="square" lIns="91440" tIns="45720" rIns="91440" bIns="45720" numCol="1" spcCol="0" rtlCol="0" fromWordArt="0" anchor="ctr" anchorCtr="0" forceAA="0" compatLnSpc="1">
+          <a:bodyPr rot="0" spcFirstLastPara="0" vertOverflow="overflow" horzOverflow="overflow" vert="horz" wrap="square" lIns="101298" tIns="50649" rIns="101298" bIns="50649" numCol="1" spcCol="0" rtlCol="0" fromWordArt="0" anchor="ctr" anchorCtr="0" forceAA="0" compatLnSpc="1">
             <a:prstTxWarp prst="textNoShape">
               <a:avLst/>
             </a:prstTxWarp>
@@ -4699,7 +4700,7 @@
           <a:lstStyle/>
           <a:p>
             <a:pPr algn="ctr"/>
-            <a:endParaRPr lang="en-US"/>
+            <a:endParaRPr lang="en-US" sz="1994"/>
           </a:p>
         </p:txBody>
       </p:sp>
@@ -4711,8 +4712,8 @@
         </p:nvSpPr>
         <p:spPr>
           <a:xfrm>
-            <a:off x="1241181" y="3628838"/>
-            <a:ext cx="78593" cy="78593"/>
+            <a:off x="1186170" y="3709513"/>
+            <a:ext cx="87066" cy="87066"/>
           </a:xfrm>
           <a:prstGeom prst="ellipse">
             <a:avLst/>
@@ -4745,7 +4746,7 @@
           </a:fontRef>
         </p:style>
         <p:txBody>
-          <a:bodyPr rot="0" spcFirstLastPara="0" vertOverflow="overflow" horzOverflow="overflow" vert="horz" wrap="square" lIns="91440" tIns="45720" rIns="91440" bIns="45720" numCol="1" spcCol="0" rtlCol="0" fromWordArt="0" anchor="ctr" anchorCtr="0" forceAA="0" compatLnSpc="1">
+          <a:bodyPr rot="0" spcFirstLastPara="0" vertOverflow="overflow" horzOverflow="overflow" vert="horz" wrap="square" lIns="101298" tIns="50649" rIns="101298" bIns="50649" numCol="1" spcCol="0" rtlCol="0" fromWordArt="0" anchor="ctr" anchorCtr="0" forceAA="0" compatLnSpc="1">
             <a:prstTxWarp prst="textNoShape">
               <a:avLst/>
             </a:prstTxWarp>
@@ -4754,7 +4755,7 @@
           <a:lstStyle/>
           <a:p>
             <a:pPr algn="ctr"/>
-            <a:endParaRPr lang="en-US"/>
+            <a:endParaRPr lang="en-US" sz="1994"/>
           </a:p>
         </p:txBody>
       </p:sp>
@@ -4766,8 +4767,8 @@
         </p:nvSpPr>
         <p:spPr>
           <a:xfrm>
-            <a:off x="1364029" y="3644266"/>
-            <a:ext cx="78593" cy="78593"/>
+            <a:off x="1322261" y="3726604"/>
+            <a:ext cx="87066" cy="87066"/>
           </a:xfrm>
           <a:prstGeom prst="ellipse">
             <a:avLst/>
@@ -4800,7 +4801,7 @@
           </a:fontRef>
         </p:style>
         <p:txBody>
-          <a:bodyPr rot="0" spcFirstLastPara="0" vertOverflow="overflow" horzOverflow="overflow" vert="horz" wrap="square" lIns="91440" tIns="45720" rIns="91440" bIns="45720" numCol="1" spcCol="0" rtlCol="0" fromWordArt="0" anchor="ctr" anchorCtr="0" forceAA="0" compatLnSpc="1">
+          <a:bodyPr rot="0" spcFirstLastPara="0" vertOverflow="overflow" horzOverflow="overflow" vert="horz" wrap="square" lIns="101298" tIns="50649" rIns="101298" bIns="50649" numCol="1" spcCol="0" rtlCol="0" fromWordArt="0" anchor="ctr" anchorCtr="0" forceAA="0" compatLnSpc="1">
             <a:prstTxWarp prst="textNoShape">
               <a:avLst/>
             </a:prstTxWarp>
@@ -4809,7 +4810,7 @@
           <a:lstStyle/>
           <a:p>
             <a:pPr algn="ctr"/>
-            <a:endParaRPr lang="en-US"/>
+            <a:endParaRPr lang="en-US" sz="1994"/>
           </a:p>
         </p:txBody>
       </p:sp>
@@ -4821,8 +4822,8 @@
         </p:nvSpPr>
         <p:spPr>
           <a:xfrm>
-            <a:off x="1454033" y="3478748"/>
-            <a:ext cx="77501" cy="77501"/>
+            <a:off x="1421969" y="3543242"/>
+            <a:ext cx="85857" cy="85857"/>
           </a:xfrm>
           <a:prstGeom prst="ellipse">
             <a:avLst/>
@@ -4855,7 +4856,7 @@
           </a:fontRef>
         </p:style>
         <p:txBody>
-          <a:bodyPr rot="0" spcFirstLastPara="0" vertOverflow="overflow" horzOverflow="overflow" vert="horz" wrap="square" lIns="91440" tIns="45720" rIns="91440" bIns="45720" numCol="1" spcCol="0" rtlCol="0" fromWordArt="0" anchor="ctr" anchorCtr="0" forceAA="0" compatLnSpc="1">
+          <a:bodyPr rot="0" spcFirstLastPara="0" vertOverflow="overflow" horzOverflow="overflow" vert="horz" wrap="square" lIns="101298" tIns="50649" rIns="101298" bIns="50649" numCol="1" spcCol="0" rtlCol="0" fromWordArt="0" anchor="ctr" anchorCtr="0" forceAA="0" compatLnSpc="1">
             <a:prstTxWarp prst="textNoShape">
               <a:avLst/>
             </a:prstTxWarp>
@@ -4864,7 +4865,7 @@
           <a:lstStyle/>
           <a:p>
             <a:pPr algn="ctr"/>
-            <a:endParaRPr lang="en-US"/>
+            <a:endParaRPr lang="en-US" sz="1994"/>
           </a:p>
         </p:txBody>
       </p:sp>
@@ -4876,8 +4877,8 @@
         </p:nvSpPr>
         <p:spPr>
           <a:xfrm>
-            <a:off x="1481228" y="3628465"/>
-            <a:ext cx="78593" cy="78593"/>
+            <a:off x="1452095" y="3709099"/>
+            <a:ext cx="87066" cy="87066"/>
           </a:xfrm>
           <a:prstGeom prst="ellipse">
             <a:avLst/>
@@ -4910,7 +4911,7 @@
           </a:fontRef>
         </p:style>
         <p:txBody>
-          <a:bodyPr rot="0" spcFirstLastPara="0" vertOverflow="overflow" horzOverflow="overflow" vert="horz" wrap="square" lIns="91440" tIns="45720" rIns="91440" bIns="45720" numCol="1" spcCol="0" rtlCol="0" fromWordArt="0" anchor="ctr" anchorCtr="0" forceAA="0" compatLnSpc="1">
+          <a:bodyPr rot="0" spcFirstLastPara="0" vertOverflow="overflow" horzOverflow="overflow" vert="horz" wrap="square" lIns="101298" tIns="50649" rIns="101298" bIns="50649" numCol="1" spcCol="0" rtlCol="0" fromWordArt="0" anchor="ctr" anchorCtr="0" forceAA="0" compatLnSpc="1">
             <a:prstTxWarp prst="textNoShape">
               <a:avLst/>
             </a:prstTxWarp>
@@ -4919,7 +4920,7 @@
           <a:lstStyle/>
           <a:p>
             <a:pPr algn="ctr"/>
-            <a:endParaRPr lang="en-US"/>
+            <a:endParaRPr lang="en-US" sz="1994"/>
           </a:p>
         </p:txBody>
       </p:sp>
@@ -4931,8 +4932,8 @@
         </p:nvSpPr>
         <p:spPr>
           <a:xfrm>
-            <a:off x="1582552" y="3543853"/>
-            <a:ext cx="78593" cy="78593"/>
+            <a:off x="1564343" y="3615366"/>
+            <a:ext cx="87066" cy="87066"/>
           </a:xfrm>
           <a:prstGeom prst="ellipse">
             <a:avLst/>
@@ -4965,7 +4966,7 @@
           </a:fontRef>
         </p:style>
         <p:txBody>
-          <a:bodyPr rot="0" spcFirstLastPara="0" vertOverflow="overflow" horzOverflow="overflow" vert="horz" wrap="square" lIns="91440" tIns="45720" rIns="91440" bIns="45720" numCol="1" spcCol="0" rtlCol="0" fromWordArt="0" anchor="ctr" anchorCtr="0" forceAA="0" compatLnSpc="1">
+          <a:bodyPr rot="0" spcFirstLastPara="0" vertOverflow="overflow" horzOverflow="overflow" vert="horz" wrap="square" lIns="101298" tIns="50649" rIns="101298" bIns="50649" numCol="1" spcCol="0" rtlCol="0" fromWordArt="0" anchor="ctr" anchorCtr="0" forceAA="0" compatLnSpc="1">
             <a:prstTxWarp prst="textNoShape">
               <a:avLst/>
             </a:prstTxWarp>
@@ -4974,7 +4975,7 @@
           <a:lstStyle/>
           <a:p>
             <a:pPr algn="ctr"/>
-            <a:endParaRPr lang="en-US"/>
+            <a:endParaRPr lang="en-US" sz="1994"/>
           </a:p>
         </p:txBody>
       </p:sp>
@@ -4986,8 +4987,8 @@
         </p:nvSpPr>
         <p:spPr>
           <a:xfrm>
-            <a:off x="1677535" y="3628465"/>
-            <a:ext cx="78593" cy="78593"/>
+            <a:off x="1669566" y="3709099"/>
+            <a:ext cx="87066" cy="87066"/>
           </a:xfrm>
           <a:prstGeom prst="ellipse">
             <a:avLst/>
@@ -5020,7 +5021,7 @@
           </a:fontRef>
         </p:style>
         <p:txBody>
-          <a:bodyPr rot="0" spcFirstLastPara="0" vertOverflow="overflow" horzOverflow="overflow" vert="horz" wrap="square" lIns="91440" tIns="45720" rIns="91440" bIns="45720" numCol="1" spcCol="0" rtlCol="0" fromWordArt="0" anchor="ctr" anchorCtr="0" forceAA="0" compatLnSpc="1">
+          <a:bodyPr rot="0" spcFirstLastPara="0" vertOverflow="overflow" horzOverflow="overflow" vert="horz" wrap="square" lIns="101298" tIns="50649" rIns="101298" bIns="50649" numCol="1" spcCol="0" rtlCol="0" fromWordArt="0" anchor="ctr" anchorCtr="0" forceAA="0" compatLnSpc="1">
             <a:prstTxWarp prst="textNoShape">
               <a:avLst/>
             </a:prstTxWarp>
@@ -5029,7 +5030,7 @@
           <a:lstStyle/>
           <a:p>
             <a:pPr algn="ctr"/>
-            <a:endParaRPr lang="en-US"/>
+            <a:endParaRPr lang="en-US" sz="1994"/>
           </a:p>
         </p:txBody>
       </p:sp>
@@ -5041,8 +5042,8 @@
         </p:nvSpPr>
         <p:spPr>
           <a:xfrm>
-            <a:off x="2122275" y="3628467"/>
-            <a:ext cx="78593" cy="78593"/>
+            <a:off x="2162252" y="3709101"/>
+            <a:ext cx="87066" cy="87066"/>
           </a:xfrm>
           <a:prstGeom prst="ellipse">
             <a:avLst/>
@@ -5075,7 +5076,7 @@
           </a:fontRef>
         </p:style>
         <p:txBody>
-          <a:bodyPr rot="0" spcFirstLastPara="0" vertOverflow="overflow" horzOverflow="overflow" vert="horz" wrap="square" lIns="91440" tIns="45720" rIns="91440" bIns="45720" numCol="1" spcCol="0" rtlCol="0" fromWordArt="0" anchor="ctr" anchorCtr="0" forceAA="0" compatLnSpc="1">
+          <a:bodyPr rot="0" spcFirstLastPara="0" vertOverflow="overflow" horzOverflow="overflow" vert="horz" wrap="square" lIns="101298" tIns="50649" rIns="101298" bIns="50649" numCol="1" spcCol="0" rtlCol="0" fromWordArt="0" anchor="ctr" anchorCtr="0" forceAA="0" compatLnSpc="1">
             <a:prstTxWarp prst="textNoShape">
               <a:avLst/>
             </a:prstTxWarp>
@@ -5084,7 +5085,7 @@
           <a:lstStyle/>
           <a:p>
             <a:pPr algn="ctr"/>
-            <a:endParaRPr lang="en-US"/>
+            <a:endParaRPr lang="en-US" sz="1994"/>
           </a:p>
         </p:txBody>
       </p:sp>
@@ -5096,8 +5097,8 @@
         </p:nvSpPr>
         <p:spPr>
           <a:xfrm>
-            <a:off x="639374" y="5460658"/>
-            <a:ext cx="69037" cy="69037"/>
+            <a:off x="519486" y="5738819"/>
+            <a:ext cx="76480" cy="76480"/>
           </a:xfrm>
           <a:prstGeom prst="ellipse">
             <a:avLst/>
@@ -5128,7 +5129,7 @@
           </a:fontRef>
         </p:style>
         <p:txBody>
-          <a:bodyPr rot="0" spcFirstLastPara="0" vertOverflow="overflow" horzOverflow="overflow" vert="horz" wrap="square" lIns="91440" tIns="45720" rIns="91440" bIns="45720" numCol="1" spcCol="0" rtlCol="0" fromWordArt="0" anchor="ctr" anchorCtr="0" forceAA="0" compatLnSpc="1">
+          <a:bodyPr rot="0" spcFirstLastPara="0" vertOverflow="overflow" horzOverflow="overflow" vert="horz" wrap="square" lIns="101298" tIns="50649" rIns="101298" bIns="50649" numCol="1" spcCol="0" rtlCol="0" fromWordArt="0" anchor="ctr" anchorCtr="0" forceAA="0" compatLnSpc="1">
             <a:prstTxWarp prst="textNoShape">
               <a:avLst/>
             </a:prstTxWarp>
@@ -5137,7 +5138,7 @@
           <a:lstStyle/>
           <a:p>
             <a:pPr algn="ctr"/>
-            <a:endParaRPr lang="en-US"/>
+            <a:endParaRPr lang="en-US" sz="1994"/>
           </a:p>
         </p:txBody>
       </p:sp>
@@ -5149,8 +5150,8 @@
         </p:nvSpPr>
         <p:spPr>
           <a:xfrm>
-            <a:off x="656887" y="5331992"/>
-            <a:ext cx="69037" cy="69037"/>
+            <a:off x="538887" y="5596282"/>
+            <a:ext cx="76480" cy="76480"/>
           </a:xfrm>
           <a:prstGeom prst="ellipse">
             <a:avLst/>
@@ -5181,7 +5182,7 @@
           </a:fontRef>
         </p:style>
         <p:txBody>
-          <a:bodyPr rot="0" spcFirstLastPara="0" vertOverflow="overflow" horzOverflow="overflow" vert="horz" wrap="square" lIns="91440" tIns="45720" rIns="91440" bIns="45720" numCol="1" spcCol="0" rtlCol="0" fromWordArt="0" anchor="ctr" anchorCtr="0" forceAA="0" compatLnSpc="1">
+          <a:bodyPr rot="0" spcFirstLastPara="0" vertOverflow="overflow" horzOverflow="overflow" vert="horz" wrap="square" lIns="101298" tIns="50649" rIns="101298" bIns="50649" numCol="1" spcCol="0" rtlCol="0" fromWordArt="0" anchor="ctr" anchorCtr="0" forceAA="0" compatLnSpc="1">
             <a:prstTxWarp prst="textNoShape">
               <a:avLst/>
             </a:prstTxWarp>
@@ -5190,7 +5191,7 @@
           <a:lstStyle/>
           <a:p>
             <a:pPr algn="ctr"/>
-            <a:endParaRPr lang="en-US"/>
+            <a:endParaRPr lang="en-US" sz="1994"/>
           </a:p>
         </p:txBody>
       </p:sp>
@@ -5202,8 +5203,8 @@
         </p:nvSpPr>
         <p:spPr>
           <a:xfrm>
-            <a:off x="648975" y="5198622"/>
-            <a:ext cx="69037" cy="69037"/>
+            <a:off x="530122" y="5448534"/>
+            <a:ext cx="76480" cy="76480"/>
           </a:xfrm>
           <a:prstGeom prst="ellipse">
             <a:avLst/>
@@ -5234,7 +5235,7 @@
           </a:fontRef>
         </p:style>
         <p:txBody>
-          <a:bodyPr rot="0" spcFirstLastPara="0" vertOverflow="overflow" horzOverflow="overflow" vert="horz" wrap="square" lIns="91440" tIns="45720" rIns="91440" bIns="45720" numCol="1" spcCol="0" rtlCol="0" fromWordArt="0" anchor="ctr" anchorCtr="0" forceAA="0" compatLnSpc="1">
+          <a:bodyPr rot="0" spcFirstLastPara="0" vertOverflow="overflow" horzOverflow="overflow" vert="horz" wrap="square" lIns="101298" tIns="50649" rIns="101298" bIns="50649" numCol="1" spcCol="0" rtlCol="0" fromWordArt="0" anchor="ctr" anchorCtr="0" forceAA="0" compatLnSpc="1">
             <a:prstTxWarp prst="textNoShape">
               <a:avLst/>
             </a:prstTxWarp>
@@ -5243,7 +5244,7 @@
           <a:lstStyle/>
           <a:p>
             <a:pPr algn="ctr"/>
-            <a:endParaRPr lang="en-US"/>
+            <a:endParaRPr lang="en-US" sz="1994"/>
           </a:p>
         </p:txBody>
       </p:sp>
@@ -5255,8 +5256,8 @@
         </p:nvSpPr>
         <p:spPr>
           <a:xfrm>
-            <a:off x="745376" y="5391621"/>
-            <a:ext cx="69037" cy="69037"/>
+            <a:off x="636915" y="5662339"/>
+            <a:ext cx="76480" cy="76480"/>
           </a:xfrm>
           <a:prstGeom prst="ellipse">
             <a:avLst/>
@@ -5287,7 +5288,7 @@
           </a:fontRef>
         </p:style>
         <p:txBody>
-          <a:bodyPr rot="0" spcFirstLastPara="0" vertOverflow="overflow" horzOverflow="overflow" vert="horz" wrap="square" lIns="91440" tIns="45720" rIns="91440" bIns="45720" numCol="1" spcCol="0" rtlCol="0" fromWordArt="0" anchor="ctr" anchorCtr="0" forceAA="0" compatLnSpc="1">
+          <a:bodyPr rot="0" spcFirstLastPara="0" vertOverflow="overflow" horzOverflow="overflow" vert="horz" wrap="square" lIns="101298" tIns="50649" rIns="101298" bIns="50649" numCol="1" spcCol="0" rtlCol="0" fromWordArt="0" anchor="ctr" anchorCtr="0" forceAA="0" compatLnSpc="1">
             <a:prstTxWarp prst="textNoShape">
               <a:avLst/>
             </a:prstTxWarp>
@@ -5296,7 +5297,7 @@
           <a:lstStyle/>
           <a:p>
             <a:pPr algn="ctr"/>
-            <a:endParaRPr lang="en-US"/>
+            <a:endParaRPr lang="en-US" sz="1994"/>
           </a:p>
         </p:txBody>
       </p:sp>
@@ -5308,8 +5309,8 @@
         </p:nvSpPr>
         <p:spPr>
           <a:xfrm>
-            <a:off x="756264" y="5279312"/>
-            <a:ext cx="69037" cy="69037"/>
+            <a:off x="648978" y="5537923"/>
+            <a:ext cx="76480" cy="76480"/>
           </a:xfrm>
           <a:prstGeom prst="ellipse">
             <a:avLst/>
@@ -5340,7 +5341,7 @@
           </a:fontRef>
         </p:style>
         <p:txBody>
-          <a:bodyPr rot="0" spcFirstLastPara="0" vertOverflow="overflow" horzOverflow="overflow" vert="horz" wrap="square" lIns="91440" tIns="45720" rIns="91440" bIns="45720" numCol="1" spcCol="0" rtlCol="0" fromWordArt="0" anchor="ctr" anchorCtr="0" forceAA="0" compatLnSpc="1">
+          <a:bodyPr rot="0" spcFirstLastPara="0" vertOverflow="overflow" horzOverflow="overflow" vert="horz" wrap="square" lIns="101298" tIns="50649" rIns="101298" bIns="50649" numCol="1" spcCol="0" rtlCol="0" fromWordArt="0" anchor="ctr" anchorCtr="0" forceAA="0" compatLnSpc="1">
             <a:prstTxWarp prst="textNoShape">
               <a:avLst/>
             </a:prstTxWarp>
@@ -5349,7 +5350,7 @@
           <a:lstStyle/>
           <a:p>
             <a:pPr algn="ctr"/>
-            <a:endParaRPr lang="en-US"/>
+            <a:endParaRPr lang="en-US" sz="1994"/>
           </a:p>
         </p:txBody>
       </p:sp>
@@ -5361,8 +5362,8 @@
         </p:nvSpPr>
         <p:spPr>
           <a:xfrm>
-            <a:off x="755674" y="5142195"/>
-            <a:ext cx="69037" cy="69037"/>
+            <a:off x="648324" y="5386023"/>
+            <a:ext cx="76480" cy="76480"/>
           </a:xfrm>
           <a:prstGeom prst="ellipse">
             <a:avLst/>
@@ -5393,7 +5394,7 @@
           </a:fontRef>
         </p:style>
         <p:txBody>
-          <a:bodyPr rot="0" spcFirstLastPara="0" vertOverflow="overflow" horzOverflow="overflow" vert="horz" wrap="square" lIns="91440" tIns="45720" rIns="91440" bIns="45720" numCol="1" spcCol="0" rtlCol="0" fromWordArt="0" anchor="ctr" anchorCtr="0" forceAA="0" compatLnSpc="1">
+          <a:bodyPr rot="0" spcFirstLastPara="0" vertOverflow="overflow" horzOverflow="overflow" vert="horz" wrap="square" lIns="101298" tIns="50649" rIns="101298" bIns="50649" numCol="1" spcCol="0" rtlCol="0" fromWordArt="0" anchor="ctr" anchorCtr="0" forceAA="0" compatLnSpc="1">
             <a:prstTxWarp prst="textNoShape">
               <a:avLst/>
             </a:prstTxWarp>
@@ -5402,7 +5403,7 @@
           <a:lstStyle/>
           <a:p>
             <a:pPr algn="ctr"/>
-            <a:endParaRPr lang="en-US"/>
+            <a:endParaRPr lang="en-US" sz="1994"/>
           </a:p>
         </p:txBody>
       </p:sp>
@@ -5414,8 +5415,8 @@
         </p:nvSpPr>
         <p:spPr>
           <a:xfrm>
-            <a:off x="797770" y="5039118"/>
-            <a:ext cx="69037" cy="69037"/>
+            <a:off x="694958" y="5271834"/>
+            <a:ext cx="76480" cy="76480"/>
           </a:xfrm>
           <a:prstGeom prst="ellipse">
             <a:avLst/>
@@ -5446,7 +5447,7 @@
           </a:fontRef>
         </p:style>
         <p:txBody>
-          <a:bodyPr rot="0" spcFirstLastPara="0" vertOverflow="overflow" horzOverflow="overflow" vert="horz" wrap="square" lIns="91440" tIns="45720" rIns="91440" bIns="45720" numCol="1" spcCol="0" rtlCol="0" fromWordArt="0" anchor="ctr" anchorCtr="0" forceAA="0" compatLnSpc="1">
+          <a:bodyPr rot="0" spcFirstLastPara="0" vertOverflow="overflow" horzOverflow="overflow" vert="horz" wrap="square" lIns="101298" tIns="50649" rIns="101298" bIns="50649" numCol="1" spcCol="0" rtlCol="0" fromWordArt="0" anchor="ctr" anchorCtr="0" forceAA="0" compatLnSpc="1">
             <a:prstTxWarp prst="textNoShape">
               <a:avLst/>
             </a:prstTxWarp>
@@ -5455,7 +5456,7 @@
           <a:lstStyle/>
           <a:p>
             <a:pPr algn="ctr"/>
-            <a:endParaRPr lang="en-US"/>
+            <a:endParaRPr lang="en-US" sz="1994"/>
           </a:p>
         </p:txBody>
       </p:sp>
@@ -5467,8 +5468,8 @@
         </p:nvSpPr>
         <p:spPr>
           <a:xfrm>
-            <a:off x="899663" y="5456317"/>
-            <a:ext cx="69037" cy="69037"/>
+            <a:off x="807836" y="5734010"/>
+            <a:ext cx="76480" cy="76480"/>
           </a:xfrm>
           <a:prstGeom prst="ellipse">
             <a:avLst/>
@@ -5499,7 +5500,7 @@
           </a:fontRef>
         </p:style>
         <p:txBody>
-          <a:bodyPr rot="0" spcFirstLastPara="0" vertOverflow="overflow" horzOverflow="overflow" vert="horz" wrap="square" lIns="91440" tIns="45720" rIns="91440" bIns="45720" numCol="1" spcCol="0" rtlCol="0" fromWordArt="0" anchor="ctr" anchorCtr="0" forceAA="0" compatLnSpc="1">
+          <a:bodyPr rot="0" spcFirstLastPara="0" vertOverflow="overflow" horzOverflow="overflow" vert="horz" wrap="square" lIns="101298" tIns="50649" rIns="101298" bIns="50649" numCol="1" spcCol="0" rtlCol="0" fromWordArt="0" anchor="ctr" anchorCtr="0" forceAA="0" compatLnSpc="1">
             <a:prstTxWarp prst="textNoShape">
               <a:avLst/>
             </a:prstTxWarp>
@@ -5508,7 +5509,7 @@
           <a:lstStyle/>
           <a:p>
             <a:pPr algn="ctr"/>
-            <a:endParaRPr lang="en-US"/>
+            <a:endParaRPr lang="en-US" sz="1994"/>
           </a:p>
         </p:txBody>
       </p:sp>
@@ -5520,8 +5521,8 @@
         </p:nvSpPr>
         <p:spPr>
           <a:xfrm>
-            <a:off x="870691" y="5331991"/>
-            <a:ext cx="69037" cy="69037"/>
+            <a:off x="775741" y="5596281"/>
+            <a:ext cx="76480" cy="76480"/>
           </a:xfrm>
           <a:prstGeom prst="ellipse">
             <a:avLst/>
@@ -5552,7 +5553,7 @@
           </a:fontRef>
         </p:style>
         <p:txBody>
-          <a:bodyPr rot="0" spcFirstLastPara="0" vertOverflow="overflow" horzOverflow="overflow" vert="horz" wrap="square" lIns="91440" tIns="45720" rIns="91440" bIns="45720" numCol="1" spcCol="0" rtlCol="0" fromWordArt="0" anchor="ctr" anchorCtr="0" forceAA="0" compatLnSpc="1">
+          <a:bodyPr rot="0" spcFirstLastPara="0" vertOverflow="overflow" horzOverflow="overflow" vert="horz" wrap="square" lIns="101298" tIns="50649" rIns="101298" bIns="50649" numCol="1" spcCol="0" rtlCol="0" fromWordArt="0" anchor="ctr" anchorCtr="0" forceAA="0" compatLnSpc="1">
             <a:prstTxWarp prst="textNoShape">
               <a:avLst/>
             </a:prstTxWarp>
@@ -5561,7 +5562,7 @@
           <a:lstStyle/>
           <a:p>
             <a:pPr algn="ctr"/>
-            <a:endParaRPr lang="en-US"/>
+            <a:endParaRPr lang="en-US" sz="1994"/>
           </a:p>
         </p:txBody>
       </p:sp>
@@ -5573,8 +5574,8 @@
         </p:nvSpPr>
         <p:spPr>
           <a:xfrm>
-            <a:off x="855051" y="5215557"/>
-            <a:ext cx="69037" cy="69037"/>
+            <a:off x="758414" y="5467295"/>
+            <a:ext cx="76480" cy="76480"/>
           </a:xfrm>
           <a:prstGeom prst="ellipse">
             <a:avLst/>
@@ -5605,7 +5606,7 @@
           </a:fontRef>
         </p:style>
         <p:txBody>
-          <a:bodyPr rot="0" spcFirstLastPara="0" vertOverflow="overflow" horzOverflow="overflow" vert="horz" wrap="square" lIns="91440" tIns="45720" rIns="91440" bIns="45720" numCol="1" spcCol="0" rtlCol="0" fromWordArt="0" anchor="ctr" anchorCtr="0" forceAA="0" compatLnSpc="1">
+          <a:bodyPr rot="0" spcFirstLastPara="0" vertOverflow="overflow" horzOverflow="overflow" vert="horz" wrap="square" lIns="101298" tIns="50649" rIns="101298" bIns="50649" numCol="1" spcCol="0" rtlCol="0" fromWordArt="0" anchor="ctr" anchorCtr="0" forceAA="0" compatLnSpc="1">
             <a:prstTxWarp prst="textNoShape">
               <a:avLst/>
             </a:prstTxWarp>
@@ -5614,7 +5615,7 @@
           <a:lstStyle/>
           <a:p>
             <a:pPr algn="ctr"/>
-            <a:endParaRPr lang="en-US"/>
+            <a:endParaRPr lang="en-US" sz="1994"/>
           </a:p>
         </p:txBody>
       </p:sp>
@@ -5626,8 +5627,8 @@
         </p:nvSpPr>
         <p:spPr>
           <a:xfrm>
-            <a:off x="977698" y="5176119"/>
-            <a:ext cx="69037" cy="69037"/>
+            <a:off x="894284" y="5423605"/>
+            <a:ext cx="76480" cy="76480"/>
           </a:xfrm>
           <a:prstGeom prst="ellipse">
             <a:avLst/>
@@ -5658,7 +5659,7 @@
           </a:fontRef>
         </p:style>
         <p:txBody>
-          <a:bodyPr rot="0" spcFirstLastPara="0" vertOverflow="overflow" horzOverflow="overflow" vert="horz" wrap="square" lIns="91440" tIns="45720" rIns="91440" bIns="45720" numCol="1" spcCol="0" rtlCol="0" fromWordArt="0" anchor="ctr" anchorCtr="0" forceAA="0" compatLnSpc="1">
+          <a:bodyPr rot="0" spcFirstLastPara="0" vertOverflow="overflow" horzOverflow="overflow" vert="horz" wrap="square" lIns="101298" tIns="50649" rIns="101298" bIns="50649" numCol="1" spcCol="0" rtlCol="0" fromWordArt="0" anchor="ctr" anchorCtr="0" forceAA="0" compatLnSpc="1">
             <a:prstTxWarp prst="textNoShape">
               <a:avLst/>
             </a:prstTxWarp>
@@ -5667,7 +5668,7 @@
           <a:lstStyle/>
           <a:p>
             <a:pPr algn="ctr"/>
-            <a:endParaRPr lang="en-US"/>
+            <a:endParaRPr lang="en-US" sz="1994"/>
           </a:p>
         </p:txBody>
       </p:sp>
@@ -5679,8 +5680,8 @@
         </p:nvSpPr>
         <p:spPr>
           <a:xfrm>
-            <a:off x="967892" y="5369663"/>
-            <a:ext cx="69037" cy="69037"/>
+            <a:off x="883421" y="5638014"/>
+            <a:ext cx="76480" cy="76480"/>
           </a:xfrm>
           <a:prstGeom prst="ellipse">
             <a:avLst/>
@@ -5711,7 +5712,7 @@
           </a:fontRef>
         </p:style>
         <p:txBody>
-          <a:bodyPr rot="0" spcFirstLastPara="0" vertOverflow="overflow" horzOverflow="overflow" vert="horz" wrap="square" lIns="91440" tIns="45720" rIns="91440" bIns="45720" numCol="1" spcCol="0" rtlCol="0" fromWordArt="0" anchor="ctr" anchorCtr="0" forceAA="0" compatLnSpc="1">
+          <a:bodyPr rot="0" spcFirstLastPara="0" vertOverflow="overflow" horzOverflow="overflow" vert="horz" wrap="square" lIns="101298" tIns="50649" rIns="101298" bIns="50649" numCol="1" spcCol="0" rtlCol="0" fromWordArt="0" anchor="ctr" anchorCtr="0" forceAA="0" compatLnSpc="1">
             <a:prstTxWarp prst="textNoShape">
               <a:avLst/>
             </a:prstTxWarp>
@@ -5720,7 +5721,7 @@
           <a:lstStyle/>
           <a:p>
             <a:pPr algn="ctr"/>
-            <a:endParaRPr lang="en-US"/>
+            <a:endParaRPr lang="en-US" sz="1994"/>
           </a:p>
         </p:txBody>
       </p:sp>
@@ -5732,8 +5733,8 @@
         </p:nvSpPr>
         <p:spPr>
           <a:xfrm>
-            <a:off x="1048440" y="5481210"/>
-            <a:ext cx="69037" cy="69037"/>
+            <a:off x="972652" y="5761587"/>
+            <a:ext cx="76480" cy="76480"/>
           </a:xfrm>
           <a:prstGeom prst="ellipse">
             <a:avLst/>
@@ -5764,7 +5765,7 @@
           </a:fontRef>
         </p:style>
         <p:txBody>
-          <a:bodyPr rot="0" spcFirstLastPara="0" vertOverflow="overflow" horzOverflow="overflow" vert="horz" wrap="square" lIns="91440" tIns="45720" rIns="91440" bIns="45720" numCol="1" spcCol="0" rtlCol="0" fromWordArt="0" anchor="ctr" anchorCtr="0" forceAA="0" compatLnSpc="1">
+          <a:bodyPr rot="0" spcFirstLastPara="0" vertOverflow="overflow" horzOverflow="overflow" vert="horz" wrap="square" lIns="101298" tIns="50649" rIns="101298" bIns="50649" numCol="1" spcCol="0" rtlCol="0" fromWordArt="0" anchor="ctr" anchorCtr="0" forceAA="0" compatLnSpc="1">
             <a:prstTxWarp prst="textNoShape">
               <a:avLst/>
             </a:prstTxWarp>
@@ -5773,7 +5774,7 @@
           <a:lstStyle/>
           <a:p>
             <a:pPr algn="ctr"/>
-            <a:endParaRPr lang="en-US"/>
+            <a:endParaRPr lang="en-US" sz="1994"/>
           </a:p>
         </p:txBody>
       </p:sp>
@@ -5785,8 +5786,8 @@
         </p:nvSpPr>
         <p:spPr>
           <a:xfrm>
-            <a:off x="1075957" y="5348349"/>
-            <a:ext cx="69037" cy="69037"/>
+            <a:off x="1003136" y="5614402"/>
+            <a:ext cx="76480" cy="76480"/>
           </a:xfrm>
           <a:prstGeom prst="ellipse">
             <a:avLst/>
@@ -5817,7 +5818,7 @@
           </a:fontRef>
         </p:style>
         <p:txBody>
-          <a:bodyPr rot="0" spcFirstLastPara="0" vertOverflow="overflow" horzOverflow="overflow" vert="horz" wrap="square" lIns="91440" tIns="45720" rIns="91440" bIns="45720" numCol="1" spcCol="0" rtlCol="0" fromWordArt="0" anchor="ctr" anchorCtr="0" forceAA="0" compatLnSpc="1">
+          <a:bodyPr rot="0" spcFirstLastPara="0" vertOverflow="overflow" horzOverflow="overflow" vert="horz" wrap="square" lIns="101298" tIns="50649" rIns="101298" bIns="50649" numCol="1" spcCol="0" rtlCol="0" fromWordArt="0" anchor="ctr" anchorCtr="0" forceAA="0" compatLnSpc="1">
             <a:prstTxWarp prst="textNoShape">
               <a:avLst/>
             </a:prstTxWarp>
@@ -5826,7 +5827,7 @@
           <a:lstStyle/>
           <a:p>
             <a:pPr algn="ctr"/>
-            <a:endParaRPr lang="en-US"/>
+            <a:endParaRPr lang="en-US" sz="1994"/>
           </a:p>
         </p:txBody>
       </p:sp>
@@ -5838,8 +5839,8 @@
         </p:nvSpPr>
         <p:spPr>
           <a:xfrm>
-            <a:off x="1067357" y="5237601"/>
-            <a:ext cx="69037" cy="69037"/>
+            <a:off x="993608" y="5491715"/>
+            <a:ext cx="76480" cy="76480"/>
           </a:xfrm>
           <a:prstGeom prst="ellipse">
             <a:avLst/>
@@ -5870,7 +5871,7 @@
           </a:fontRef>
         </p:style>
         <p:txBody>
-          <a:bodyPr rot="0" spcFirstLastPara="0" vertOverflow="overflow" horzOverflow="overflow" vert="horz" wrap="square" lIns="91440" tIns="45720" rIns="91440" bIns="45720" numCol="1" spcCol="0" rtlCol="0" fromWordArt="0" anchor="ctr" anchorCtr="0" forceAA="0" compatLnSpc="1">
+          <a:bodyPr rot="0" spcFirstLastPara="0" vertOverflow="overflow" horzOverflow="overflow" vert="horz" wrap="square" lIns="101298" tIns="50649" rIns="101298" bIns="50649" numCol="1" spcCol="0" rtlCol="0" fromWordArt="0" anchor="ctr" anchorCtr="0" forceAA="0" compatLnSpc="1">
             <a:prstTxWarp prst="textNoShape">
               <a:avLst/>
             </a:prstTxWarp>
@@ -5879,7 +5880,7 @@
           <a:lstStyle/>
           <a:p>
             <a:pPr algn="ctr"/>
-            <a:endParaRPr lang="en-US"/>
+            <a:endParaRPr lang="en-US" sz="1994"/>
           </a:p>
         </p:txBody>
       </p:sp>
@@ -5891,8 +5892,8 @@
         </p:nvSpPr>
         <p:spPr>
           <a:xfrm>
-            <a:off x="1134863" y="5147708"/>
-            <a:ext cx="69037" cy="69037"/>
+            <a:off x="1068393" y="5392131"/>
+            <a:ext cx="76480" cy="76480"/>
           </a:xfrm>
           <a:prstGeom prst="ellipse">
             <a:avLst/>
@@ -5923,7 +5924,7 @@
           </a:fontRef>
         </p:style>
         <p:txBody>
-          <a:bodyPr rot="0" spcFirstLastPara="0" vertOverflow="overflow" horzOverflow="overflow" vert="horz" wrap="square" lIns="91440" tIns="45720" rIns="91440" bIns="45720" numCol="1" spcCol="0" rtlCol="0" fromWordArt="0" anchor="ctr" anchorCtr="0" forceAA="0" compatLnSpc="1">
+          <a:bodyPr rot="0" spcFirstLastPara="0" vertOverflow="overflow" horzOverflow="overflow" vert="horz" wrap="square" lIns="101298" tIns="50649" rIns="101298" bIns="50649" numCol="1" spcCol="0" rtlCol="0" fromWordArt="0" anchor="ctr" anchorCtr="0" forceAA="0" compatLnSpc="1">
             <a:prstTxWarp prst="textNoShape">
               <a:avLst/>
             </a:prstTxWarp>
@@ -5932,7 +5933,7 @@
           <a:lstStyle/>
           <a:p>
             <a:pPr algn="ctr"/>
-            <a:endParaRPr lang="en-US"/>
+            <a:endParaRPr lang="en-US" sz="1994"/>
           </a:p>
         </p:txBody>
       </p:sp>
@@ -5944,8 +5945,8 @@
         </p:nvSpPr>
         <p:spPr>
           <a:xfrm>
-            <a:off x="1156147" y="5467005"/>
-            <a:ext cx="69037" cy="69037"/>
+            <a:off x="1091971" y="5745851"/>
+            <a:ext cx="76480" cy="76480"/>
           </a:xfrm>
           <a:prstGeom prst="ellipse">
             <a:avLst/>
@@ -5976,7 +5977,7 @@
           </a:fontRef>
         </p:style>
         <p:txBody>
-          <a:bodyPr rot="0" spcFirstLastPara="0" vertOverflow="overflow" horzOverflow="overflow" vert="horz" wrap="square" lIns="91440" tIns="45720" rIns="91440" bIns="45720" numCol="1" spcCol="0" rtlCol="0" fromWordArt="0" anchor="ctr" anchorCtr="0" forceAA="0" compatLnSpc="1">
+          <a:bodyPr rot="0" spcFirstLastPara="0" vertOverflow="overflow" horzOverflow="overflow" vert="horz" wrap="square" lIns="101298" tIns="50649" rIns="101298" bIns="50649" numCol="1" spcCol="0" rtlCol="0" fromWordArt="0" anchor="ctr" anchorCtr="0" forceAA="0" compatLnSpc="1">
             <a:prstTxWarp prst="textNoShape">
               <a:avLst/>
             </a:prstTxWarp>
@@ -5985,7 +5986,7 @@
           <a:lstStyle/>
           <a:p>
             <a:pPr algn="ctr"/>
-            <a:endParaRPr lang="en-US"/>
+            <a:endParaRPr lang="en-US" sz="1994"/>
           </a:p>
         </p:txBody>
       </p:sp>
@@ -5997,8 +5998,8 @@
         </p:nvSpPr>
         <p:spPr>
           <a:xfrm>
-            <a:off x="1210574" y="5348349"/>
-            <a:ext cx="69037" cy="69037"/>
+            <a:off x="1152266" y="5614402"/>
+            <a:ext cx="76480" cy="76480"/>
           </a:xfrm>
           <a:prstGeom prst="ellipse">
             <a:avLst/>
@@ -6029,7 +6030,7 @@
           </a:fontRef>
         </p:style>
         <p:txBody>
-          <a:bodyPr rot="0" spcFirstLastPara="0" vertOverflow="overflow" horzOverflow="overflow" vert="horz" wrap="square" lIns="91440" tIns="45720" rIns="91440" bIns="45720" numCol="1" spcCol="0" rtlCol="0" fromWordArt="0" anchor="ctr" anchorCtr="0" forceAA="0" compatLnSpc="1">
+          <a:bodyPr rot="0" spcFirstLastPara="0" vertOverflow="overflow" horzOverflow="overflow" vert="horz" wrap="square" lIns="101298" tIns="50649" rIns="101298" bIns="50649" numCol="1" spcCol="0" rtlCol="0" fromWordArt="0" anchor="ctr" anchorCtr="0" forceAA="0" compatLnSpc="1">
             <a:prstTxWarp prst="textNoShape">
               <a:avLst/>
             </a:prstTxWarp>
@@ -6038,7 +6039,7 @@
           <a:lstStyle/>
           <a:p>
             <a:pPr algn="ctr"/>
-            <a:endParaRPr lang="en-US"/>
+            <a:endParaRPr lang="en-US" sz="1994"/>
           </a:p>
         </p:txBody>
       </p:sp>
@@ -6050,8 +6051,8 @@
         </p:nvSpPr>
         <p:spPr>
           <a:xfrm>
-            <a:off x="1245092" y="5229755"/>
-            <a:ext cx="69037" cy="69037"/>
+            <a:off x="1190505" y="5483023"/>
+            <a:ext cx="76480" cy="76480"/>
           </a:xfrm>
           <a:prstGeom prst="ellipse">
             <a:avLst/>
@@ -6082,7 +6083,7 @@
           </a:fontRef>
         </p:style>
         <p:txBody>
-          <a:bodyPr rot="0" spcFirstLastPara="0" vertOverflow="overflow" horzOverflow="overflow" vert="horz" wrap="square" lIns="91440" tIns="45720" rIns="91440" bIns="45720" numCol="1" spcCol="0" rtlCol="0" fromWordArt="0" anchor="ctr" anchorCtr="0" forceAA="0" compatLnSpc="1">
+          <a:bodyPr rot="0" spcFirstLastPara="0" vertOverflow="overflow" horzOverflow="overflow" vert="horz" wrap="square" lIns="101298" tIns="50649" rIns="101298" bIns="50649" numCol="1" spcCol="0" rtlCol="0" fromWordArt="0" anchor="ctr" anchorCtr="0" forceAA="0" compatLnSpc="1">
             <a:prstTxWarp prst="textNoShape">
               <a:avLst/>
             </a:prstTxWarp>
@@ -6091,7 +6092,7 @@
           <a:lstStyle/>
           <a:p>
             <a:pPr algn="ctr"/>
-            <a:endParaRPr lang="en-US"/>
+            <a:endParaRPr lang="en-US" sz="1994"/>
           </a:p>
         </p:txBody>
       </p:sp>
@@ -6103,8 +6104,8 @@
         </p:nvSpPr>
         <p:spPr>
           <a:xfrm>
-            <a:off x="1279610" y="5446691"/>
-            <a:ext cx="69037" cy="69037"/>
+            <a:off x="1228744" y="5723347"/>
+            <a:ext cx="76480" cy="76480"/>
           </a:xfrm>
           <a:prstGeom prst="ellipse">
             <a:avLst/>
@@ -6135,7 +6136,7 @@
           </a:fontRef>
         </p:style>
         <p:txBody>
-          <a:bodyPr rot="0" spcFirstLastPara="0" vertOverflow="overflow" horzOverflow="overflow" vert="horz" wrap="square" lIns="91440" tIns="45720" rIns="91440" bIns="45720" numCol="1" spcCol="0" rtlCol="0" fromWordArt="0" anchor="ctr" anchorCtr="0" forceAA="0" compatLnSpc="1">
+          <a:bodyPr rot="0" spcFirstLastPara="0" vertOverflow="overflow" horzOverflow="overflow" vert="horz" wrap="square" lIns="101298" tIns="50649" rIns="101298" bIns="50649" numCol="1" spcCol="0" rtlCol="0" fromWordArt="0" anchor="ctr" anchorCtr="0" forceAA="0" compatLnSpc="1">
             <a:prstTxWarp prst="textNoShape">
               <a:avLst/>
             </a:prstTxWarp>
@@ -6144,7 +6145,7 @@
           <a:lstStyle/>
           <a:p>
             <a:pPr algn="ctr"/>
-            <a:endParaRPr lang="en-US"/>
+            <a:endParaRPr lang="en-US" sz="1994"/>
           </a:p>
         </p:txBody>
       </p:sp>
@@ -6156,8 +6157,8 @@
         </p:nvSpPr>
         <p:spPr>
           <a:xfrm>
-            <a:off x="1356411" y="5345135"/>
-            <a:ext cx="69037" cy="69037"/>
+            <a:off x="1313825" y="5610842"/>
+            <a:ext cx="76480" cy="76480"/>
           </a:xfrm>
           <a:prstGeom prst="ellipse">
             <a:avLst/>
@@ -6188,7 +6189,7 @@
           </a:fontRef>
         </p:style>
         <p:txBody>
-          <a:bodyPr rot="0" spcFirstLastPara="0" vertOverflow="overflow" horzOverflow="overflow" vert="horz" wrap="square" lIns="91440" tIns="45720" rIns="91440" bIns="45720" numCol="1" spcCol="0" rtlCol="0" fromWordArt="0" anchor="ctr" anchorCtr="0" forceAA="0" compatLnSpc="1">
+          <a:bodyPr rot="0" spcFirstLastPara="0" vertOverflow="overflow" horzOverflow="overflow" vert="horz" wrap="square" lIns="101298" tIns="50649" rIns="101298" bIns="50649" numCol="1" spcCol="0" rtlCol="0" fromWordArt="0" anchor="ctr" anchorCtr="0" forceAA="0" compatLnSpc="1">
             <a:prstTxWarp prst="textNoShape">
               <a:avLst/>
             </a:prstTxWarp>
@@ -6197,7 +6198,7 @@
           <a:lstStyle/>
           <a:p>
             <a:pPr algn="ctr"/>
-            <a:endParaRPr lang="en-US"/>
+            <a:endParaRPr lang="en-US" sz="1994"/>
           </a:p>
         </p:txBody>
       </p:sp>
@@ -6209,8 +6210,8 @@
         </p:nvSpPr>
         <p:spPr>
           <a:xfrm>
-            <a:off x="1364029" y="5211171"/>
-            <a:ext cx="69037" cy="69037"/>
+            <a:off x="1322264" y="5462435"/>
+            <a:ext cx="76480" cy="76480"/>
           </a:xfrm>
           <a:prstGeom prst="ellipse">
             <a:avLst/>
@@ -6241,7 +6242,7 @@
           </a:fontRef>
         </p:style>
         <p:txBody>
-          <a:bodyPr rot="0" spcFirstLastPara="0" vertOverflow="overflow" horzOverflow="overflow" vert="horz" wrap="square" lIns="91440" tIns="45720" rIns="91440" bIns="45720" numCol="1" spcCol="0" rtlCol="0" fromWordArt="0" anchor="ctr" anchorCtr="0" forceAA="0" compatLnSpc="1">
+          <a:bodyPr rot="0" spcFirstLastPara="0" vertOverflow="overflow" horzOverflow="overflow" vert="horz" wrap="square" lIns="101298" tIns="50649" rIns="101298" bIns="50649" numCol="1" spcCol="0" rtlCol="0" fromWordArt="0" anchor="ctr" anchorCtr="0" forceAA="0" compatLnSpc="1">
             <a:prstTxWarp prst="textNoShape">
               <a:avLst/>
             </a:prstTxWarp>
@@ -6250,7 +6251,7 @@
           <a:lstStyle/>
           <a:p>
             <a:pPr algn="ctr"/>
-            <a:endParaRPr lang="en-US"/>
+            <a:endParaRPr lang="en-US" sz="1994"/>
           </a:p>
         </p:txBody>
       </p:sp>
@@ -6262,8 +6263,8 @@
         </p:nvSpPr>
         <p:spPr>
           <a:xfrm>
-            <a:off x="1393785" y="5464218"/>
-            <a:ext cx="69037" cy="69037"/>
+            <a:off x="1355228" y="5742762"/>
+            <a:ext cx="76480" cy="76480"/>
           </a:xfrm>
           <a:prstGeom prst="ellipse">
             <a:avLst/>
@@ -6294,7 +6295,7 @@
           </a:fontRef>
         </p:style>
         <p:txBody>
-          <a:bodyPr rot="0" spcFirstLastPara="0" vertOverflow="overflow" horzOverflow="overflow" vert="horz" wrap="square" lIns="91440" tIns="45720" rIns="91440" bIns="45720" numCol="1" spcCol="0" rtlCol="0" fromWordArt="0" anchor="ctr" anchorCtr="0" forceAA="0" compatLnSpc="1">
+          <a:bodyPr rot="0" spcFirstLastPara="0" vertOverflow="overflow" horzOverflow="overflow" vert="horz" wrap="square" lIns="101298" tIns="50649" rIns="101298" bIns="50649" numCol="1" spcCol="0" rtlCol="0" fromWordArt="0" anchor="ctr" anchorCtr="0" forceAA="0" compatLnSpc="1">
             <a:prstTxWarp prst="textNoShape">
               <a:avLst/>
             </a:prstTxWarp>
@@ -6303,7 +6304,7 @@
           <a:lstStyle/>
           <a:p>
             <a:pPr algn="ctr"/>
-            <a:endParaRPr lang="en-US"/>
+            <a:endParaRPr lang="en-US" sz="1994"/>
           </a:p>
         </p:txBody>
       </p:sp>
@@ -6315,8 +6316,8 @@
         </p:nvSpPr>
         <p:spPr>
           <a:xfrm>
-            <a:off x="1513515" y="5430062"/>
-            <a:ext cx="69037" cy="69037"/>
+            <a:off x="1487866" y="5704925"/>
+            <a:ext cx="76480" cy="76480"/>
           </a:xfrm>
           <a:prstGeom prst="ellipse">
             <a:avLst/>
@@ -6347,7 +6348,7 @@
           </a:fontRef>
         </p:style>
         <p:txBody>
-          <a:bodyPr rot="0" spcFirstLastPara="0" vertOverflow="overflow" horzOverflow="overflow" vert="horz" wrap="square" lIns="91440" tIns="45720" rIns="91440" bIns="45720" numCol="1" spcCol="0" rtlCol="0" fromWordArt="0" anchor="ctr" anchorCtr="0" forceAA="0" compatLnSpc="1">
+          <a:bodyPr rot="0" spcFirstLastPara="0" vertOverflow="overflow" horzOverflow="overflow" vert="horz" wrap="square" lIns="101298" tIns="50649" rIns="101298" bIns="50649" numCol="1" spcCol="0" rtlCol="0" fromWordArt="0" anchor="ctr" anchorCtr="0" forceAA="0" compatLnSpc="1">
             <a:prstTxWarp prst="textNoShape">
               <a:avLst/>
             </a:prstTxWarp>
@@ -6356,7 +6357,7 @@
           <a:lstStyle/>
           <a:p>
             <a:pPr algn="ctr"/>
-            <a:endParaRPr lang="en-US"/>
+            <a:endParaRPr lang="en-US" sz="1994"/>
           </a:p>
         </p:txBody>
       </p:sp>
@@ -6368,8 +6369,8 @@
         </p:nvSpPr>
         <p:spPr>
           <a:xfrm>
-            <a:off x="1451487" y="5298099"/>
-            <a:ext cx="69037" cy="69037"/>
+            <a:off x="1419151" y="5558735"/>
+            <a:ext cx="76480" cy="76480"/>
           </a:xfrm>
           <a:prstGeom prst="ellipse">
             <a:avLst/>
@@ -6400,7 +6401,7 @@
           </a:fontRef>
         </p:style>
         <p:txBody>
-          <a:bodyPr rot="0" spcFirstLastPara="0" vertOverflow="overflow" horzOverflow="overflow" vert="horz" wrap="square" lIns="91440" tIns="45720" rIns="91440" bIns="45720" numCol="1" spcCol="0" rtlCol="0" fromWordArt="0" anchor="ctr" anchorCtr="0" forceAA="0" compatLnSpc="1">
+          <a:bodyPr rot="0" spcFirstLastPara="0" vertOverflow="overflow" horzOverflow="overflow" vert="horz" wrap="square" lIns="101298" tIns="50649" rIns="101298" bIns="50649" numCol="1" spcCol="0" rtlCol="0" fromWordArt="0" anchor="ctr" anchorCtr="0" forceAA="0" compatLnSpc="1">
             <a:prstTxWarp prst="textNoShape">
               <a:avLst/>
             </a:prstTxWarp>
@@ -6409,7 +6410,7 @@
           <a:lstStyle/>
           <a:p>
             <a:pPr algn="ctr"/>
-            <a:endParaRPr lang="en-US"/>
+            <a:endParaRPr lang="en-US" sz="1994"/>
           </a:p>
         </p:txBody>
       </p:sp>
@@ -6421,8 +6422,8 @@
         </p:nvSpPr>
         <p:spPr>
           <a:xfrm>
-            <a:off x="1625464" y="5404181"/>
-            <a:ext cx="69037" cy="69037"/>
+            <a:off x="1611884" y="5676254"/>
+            <a:ext cx="76480" cy="76480"/>
           </a:xfrm>
           <a:prstGeom prst="ellipse">
             <a:avLst/>
@@ -6453,7 +6454,7 @@
           </a:fontRef>
         </p:style>
         <p:txBody>
-          <a:bodyPr rot="0" spcFirstLastPara="0" vertOverflow="overflow" horzOverflow="overflow" vert="horz" wrap="square" lIns="91440" tIns="45720" rIns="91440" bIns="45720" numCol="1" spcCol="0" rtlCol="0" fromWordArt="0" anchor="ctr" anchorCtr="0" forceAA="0" compatLnSpc="1">
+          <a:bodyPr rot="0" spcFirstLastPara="0" vertOverflow="overflow" horzOverflow="overflow" vert="horz" wrap="square" lIns="101298" tIns="50649" rIns="101298" bIns="50649" numCol="1" spcCol="0" rtlCol="0" fromWordArt="0" anchor="ctr" anchorCtr="0" forceAA="0" compatLnSpc="1">
             <a:prstTxWarp prst="textNoShape">
               <a:avLst/>
             </a:prstTxWarp>
@@ -6462,7 +6463,7 @@
           <a:lstStyle/>
           <a:p>
             <a:pPr algn="ctr"/>
-            <a:endParaRPr lang="en-US"/>
+            <a:endParaRPr lang="en-US" sz="1994"/>
           </a:p>
         </p:txBody>
       </p:sp>
@@ -6474,8 +6475,8 @@
         </p:nvSpPr>
         <p:spPr>
           <a:xfrm>
-            <a:off x="1722333" y="5341789"/>
-            <a:ext cx="69037" cy="69037"/>
+            <a:off x="1719196" y="5607136"/>
+            <a:ext cx="76480" cy="76480"/>
           </a:xfrm>
           <a:prstGeom prst="ellipse">
             <a:avLst/>
@@ -6506,7 +6507,7 @@
           </a:fontRef>
         </p:style>
         <p:txBody>
-          <a:bodyPr rot="0" spcFirstLastPara="0" vertOverflow="overflow" horzOverflow="overflow" vert="horz" wrap="square" lIns="91440" tIns="45720" rIns="91440" bIns="45720" numCol="1" spcCol="0" rtlCol="0" fromWordArt="0" anchor="ctr" anchorCtr="0" forceAA="0" compatLnSpc="1">
+          <a:bodyPr rot="0" spcFirstLastPara="0" vertOverflow="overflow" horzOverflow="overflow" vert="horz" wrap="square" lIns="101298" tIns="50649" rIns="101298" bIns="50649" numCol="1" spcCol="0" rtlCol="0" fromWordArt="0" anchor="ctr" anchorCtr="0" forceAA="0" compatLnSpc="1">
             <a:prstTxWarp prst="textNoShape">
               <a:avLst/>
             </a:prstTxWarp>
@@ -6515,7 +6516,7 @@
           <a:lstStyle/>
           <a:p>
             <a:pPr algn="ctr"/>
-            <a:endParaRPr lang="en-US"/>
+            <a:endParaRPr lang="en-US" sz="1994"/>
           </a:p>
         </p:txBody>
       </p:sp>
@@ -6527,8 +6528,8 @@
         </p:nvSpPr>
         <p:spPr>
           <a:xfrm>
-            <a:off x="1742289" y="5469833"/>
-            <a:ext cx="69037" cy="69037"/>
+            <a:off x="1741303" y="5748983"/>
+            <a:ext cx="76480" cy="76480"/>
           </a:xfrm>
           <a:prstGeom prst="ellipse">
             <a:avLst/>
@@ -6559,7 +6560,7 @@
           </a:fontRef>
         </p:style>
         <p:txBody>
-          <a:bodyPr rot="0" spcFirstLastPara="0" vertOverflow="overflow" horzOverflow="overflow" vert="horz" wrap="square" lIns="91440" tIns="45720" rIns="91440" bIns="45720" numCol="1" spcCol="0" rtlCol="0" fromWordArt="0" anchor="ctr" anchorCtr="0" forceAA="0" compatLnSpc="1">
+          <a:bodyPr rot="0" spcFirstLastPara="0" vertOverflow="overflow" horzOverflow="overflow" vert="horz" wrap="square" lIns="101298" tIns="50649" rIns="101298" bIns="50649" numCol="1" spcCol="0" rtlCol="0" fromWordArt="0" anchor="ctr" anchorCtr="0" forceAA="0" compatLnSpc="1">
             <a:prstTxWarp prst="textNoShape">
               <a:avLst/>
             </a:prstTxWarp>
@@ -6568,7 +6569,7 @@
           <a:lstStyle/>
           <a:p>
             <a:pPr algn="ctr"/>
-            <a:endParaRPr lang="en-US"/>
+            <a:endParaRPr lang="en-US" sz="1994"/>
           </a:p>
         </p:txBody>
       </p:sp>
@@ -6580,8 +6581,8 @@
         </p:nvSpPr>
         <p:spPr>
           <a:xfrm>
-            <a:off x="1848281" y="5366318"/>
-            <a:ext cx="69037" cy="69037"/>
+            <a:off x="1858722" y="5634309"/>
+            <a:ext cx="76480" cy="76480"/>
           </a:xfrm>
           <a:prstGeom prst="ellipse">
             <a:avLst/>
@@ -6612,7 +6613,7 @@
           </a:fontRef>
         </p:style>
         <p:txBody>
-          <a:bodyPr rot="0" spcFirstLastPara="0" vertOverflow="overflow" horzOverflow="overflow" vert="horz" wrap="square" lIns="91440" tIns="45720" rIns="91440" bIns="45720" numCol="1" spcCol="0" rtlCol="0" fromWordArt="0" anchor="ctr" anchorCtr="0" forceAA="0" compatLnSpc="1">
+          <a:bodyPr rot="0" spcFirstLastPara="0" vertOverflow="overflow" horzOverflow="overflow" vert="horz" wrap="square" lIns="101298" tIns="50649" rIns="101298" bIns="50649" numCol="1" spcCol="0" rtlCol="0" fromWordArt="0" anchor="ctr" anchorCtr="0" forceAA="0" compatLnSpc="1">
             <a:prstTxWarp prst="textNoShape">
               <a:avLst/>
             </a:prstTxWarp>
@@ -6621,7 +6622,7 @@
           <a:lstStyle/>
           <a:p>
             <a:pPr algn="ctr"/>
-            <a:endParaRPr lang="en-US"/>
+            <a:endParaRPr lang="en-US" sz="1994"/>
           </a:p>
         </p:txBody>
       </p:sp>
@@ -6633,8 +6634,8 @@
         </p:nvSpPr>
         <p:spPr>
           <a:xfrm>
-            <a:off x="1936546" y="5468501"/>
-            <a:ext cx="69037" cy="69037"/>
+            <a:off x="1956503" y="5747508"/>
+            <a:ext cx="76480" cy="76480"/>
           </a:xfrm>
           <a:prstGeom prst="ellipse">
             <a:avLst/>
@@ -6665,7 +6666,7 @@
           </a:fontRef>
         </p:style>
         <p:txBody>
-          <a:bodyPr rot="0" spcFirstLastPara="0" vertOverflow="overflow" horzOverflow="overflow" vert="horz" wrap="square" lIns="91440" tIns="45720" rIns="91440" bIns="45720" numCol="1" spcCol="0" rtlCol="0" fromWordArt="0" anchor="ctr" anchorCtr="0" forceAA="0" compatLnSpc="1">
+          <a:bodyPr rot="0" spcFirstLastPara="0" vertOverflow="overflow" horzOverflow="overflow" vert="horz" wrap="square" lIns="101298" tIns="50649" rIns="101298" bIns="50649" numCol="1" spcCol="0" rtlCol="0" fromWordArt="0" anchor="ctr" anchorCtr="0" forceAA="0" compatLnSpc="1">
             <a:prstTxWarp prst="textNoShape">
               <a:avLst/>
             </a:prstTxWarp>
@@ -6674,7 +6675,7 @@
           <a:lstStyle/>
           <a:p>
             <a:pPr algn="ctr"/>
-            <a:endParaRPr lang="en-US"/>
+            <a:endParaRPr lang="en-US" sz="1994"/>
           </a:p>
         </p:txBody>
       </p:sp>
@@ -6686,8 +6687,8 @@
         </p:nvSpPr>
         <p:spPr>
           <a:xfrm>
-            <a:off x="2087756" y="5464219"/>
-            <a:ext cx="69037" cy="69037"/>
+            <a:off x="2124014" y="5742765"/>
+            <a:ext cx="76480" cy="76480"/>
           </a:xfrm>
           <a:prstGeom prst="ellipse">
             <a:avLst/>
@@ -6718,7 +6719,7 @@
           </a:fontRef>
         </p:style>
         <p:txBody>
-          <a:bodyPr rot="0" spcFirstLastPara="0" vertOverflow="overflow" horzOverflow="overflow" vert="horz" wrap="square" lIns="91440" tIns="45720" rIns="91440" bIns="45720" numCol="1" spcCol="0" rtlCol="0" fromWordArt="0" anchor="ctr" anchorCtr="0" forceAA="0" compatLnSpc="1">
+          <a:bodyPr rot="0" spcFirstLastPara="0" vertOverflow="overflow" horzOverflow="overflow" vert="horz" wrap="square" lIns="101298" tIns="50649" rIns="101298" bIns="50649" numCol="1" spcCol="0" rtlCol="0" fromWordArt="0" anchor="ctr" anchorCtr="0" forceAA="0" compatLnSpc="1">
             <a:prstTxWarp prst="textNoShape">
               <a:avLst/>
             </a:prstTxWarp>
@@ -6727,7 +6728,7 @@
           <a:lstStyle/>
           <a:p>
             <a:pPr algn="ctr"/>
-            <a:endParaRPr lang="en-US"/>
+            <a:endParaRPr lang="en-US" sz="1994"/>
           </a:p>
         </p:txBody>
       </p:sp>
@@ -6739,8 +6740,8 @@
         </p:nvSpPr>
         <p:spPr>
           <a:xfrm>
-            <a:off x="2214001" y="5352500"/>
-            <a:ext cx="69037" cy="69037"/>
+            <a:off x="2263869" y="5619001"/>
+            <a:ext cx="76480" cy="76480"/>
           </a:xfrm>
           <a:prstGeom prst="ellipse">
             <a:avLst/>
@@ -6771,7 +6772,7 @@
           </a:fontRef>
         </p:style>
         <p:txBody>
-          <a:bodyPr rot="0" spcFirstLastPara="0" vertOverflow="overflow" horzOverflow="overflow" vert="horz" wrap="square" lIns="91440" tIns="45720" rIns="91440" bIns="45720" numCol="1" spcCol="0" rtlCol="0" fromWordArt="0" anchor="ctr" anchorCtr="0" forceAA="0" compatLnSpc="1">
+          <a:bodyPr rot="0" spcFirstLastPara="0" vertOverflow="overflow" horzOverflow="overflow" vert="horz" wrap="square" lIns="101298" tIns="50649" rIns="101298" bIns="50649" numCol="1" spcCol="0" rtlCol="0" fromWordArt="0" anchor="ctr" anchorCtr="0" forceAA="0" compatLnSpc="1">
             <a:prstTxWarp prst="textNoShape">
               <a:avLst/>
             </a:prstTxWarp>
@@ -6780,7 +6781,7 @@
           <a:lstStyle/>
           <a:p>
             <a:pPr algn="ctr"/>
-            <a:endParaRPr lang="en-US"/>
+            <a:endParaRPr lang="en-US" sz="1994"/>
           </a:p>
         </p:txBody>
       </p:sp>
@@ -6792,8 +6793,8 @@
         </p:nvSpPr>
         <p:spPr>
           <a:xfrm>
-            <a:off x="2364184" y="5460873"/>
-            <a:ext cx="69037" cy="69037"/>
+            <a:off x="2430243" y="5739057"/>
+            <a:ext cx="76480" cy="76480"/>
           </a:xfrm>
           <a:prstGeom prst="ellipse">
             <a:avLst/>
@@ -6824,7 +6825,7 @@
           </a:fontRef>
         </p:style>
         <p:txBody>
-          <a:bodyPr rot="0" spcFirstLastPara="0" vertOverflow="overflow" horzOverflow="overflow" vert="horz" wrap="square" lIns="91440" tIns="45720" rIns="91440" bIns="45720" numCol="1" spcCol="0" rtlCol="0" fromWordArt="0" anchor="ctr" anchorCtr="0" forceAA="0" compatLnSpc="1">
+          <a:bodyPr rot="0" spcFirstLastPara="0" vertOverflow="overflow" horzOverflow="overflow" vert="horz" wrap="square" lIns="101298" tIns="50649" rIns="101298" bIns="50649" numCol="1" spcCol="0" rtlCol="0" fromWordArt="0" anchor="ctr" anchorCtr="0" forceAA="0" compatLnSpc="1">
             <a:prstTxWarp prst="textNoShape">
               <a:avLst/>
             </a:prstTxWarp>
@@ -6833,7 +6834,7 @@
           <a:lstStyle/>
           <a:p>
             <a:pPr algn="ctr"/>
-            <a:endParaRPr lang="en-US"/>
+            <a:endParaRPr lang="en-US" sz="1994"/>
           </a:p>
         </p:txBody>
       </p:sp>
@@ -6845,8 +6846,8 @@
         </p:nvSpPr>
         <p:spPr>
           <a:xfrm>
-            <a:off x="2937434" y="5473220"/>
-            <a:ext cx="69037" cy="69037"/>
+            <a:off x="3065294" y="5752735"/>
+            <a:ext cx="76480" cy="76480"/>
           </a:xfrm>
           <a:prstGeom prst="ellipse">
             <a:avLst/>
@@ -6877,7 +6878,7 @@
           </a:fontRef>
         </p:style>
         <p:txBody>
-          <a:bodyPr rot="0" spcFirstLastPara="0" vertOverflow="overflow" horzOverflow="overflow" vert="horz" wrap="square" lIns="91440" tIns="45720" rIns="91440" bIns="45720" numCol="1" spcCol="0" rtlCol="0" fromWordArt="0" anchor="ctr" anchorCtr="0" forceAA="0" compatLnSpc="1">
+          <a:bodyPr rot="0" spcFirstLastPara="0" vertOverflow="overflow" horzOverflow="overflow" vert="horz" wrap="square" lIns="101298" tIns="50649" rIns="101298" bIns="50649" numCol="1" spcCol="0" rtlCol="0" fromWordArt="0" anchor="ctr" anchorCtr="0" forceAA="0" compatLnSpc="1">
             <a:prstTxWarp prst="textNoShape">
               <a:avLst/>
             </a:prstTxWarp>
@@ -6886,7 +6887,7 @@
           <a:lstStyle/>
           <a:p>
             <a:pPr algn="ctr"/>
-            <a:endParaRPr lang="en-US"/>
+            <a:endParaRPr lang="en-US" sz="1994"/>
           </a:p>
         </p:txBody>
       </p:sp>
@@ -6898,8 +6899,8 @@
         </p:nvSpPr>
         <p:spPr>
           <a:xfrm>
-            <a:off x="3878181" y="5126202"/>
-            <a:ext cx="69037" cy="69037"/>
+            <a:off x="4107460" y="5368306"/>
+            <a:ext cx="76480" cy="76480"/>
           </a:xfrm>
           <a:prstGeom prst="ellipse">
             <a:avLst/>
@@ -6930,7 +6931,7 @@
           </a:fontRef>
         </p:style>
         <p:txBody>
-          <a:bodyPr rot="0" spcFirstLastPara="0" vertOverflow="overflow" horzOverflow="overflow" vert="horz" wrap="square" lIns="91440" tIns="45720" rIns="91440" bIns="45720" numCol="1" spcCol="0" rtlCol="0" fromWordArt="0" anchor="ctr" anchorCtr="0" forceAA="0" compatLnSpc="1">
+          <a:bodyPr rot="0" spcFirstLastPara="0" vertOverflow="overflow" horzOverflow="overflow" vert="horz" wrap="square" lIns="101298" tIns="50649" rIns="101298" bIns="50649" numCol="1" spcCol="0" rtlCol="0" fromWordArt="0" anchor="ctr" anchorCtr="0" forceAA="0" compatLnSpc="1">
             <a:prstTxWarp prst="textNoShape">
               <a:avLst/>
             </a:prstTxWarp>
@@ -6939,7 +6940,7 @@
           <a:lstStyle/>
           <a:p>
             <a:pPr algn="ctr"/>
-            <a:endParaRPr lang="en-US"/>
+            <a:endParaRPr lang="en-US" sz="1994"/>
           </a:p>
         </p:txBody>
       </p:sp>
@@ -6951,8 +6952,8 @@
         </p:nvSpPr>
         <p:spPr>
           <a:xfrm>
-            <a:off x="1298783" y="5269949"/>
-            <a:ext cx="222637" cy="211044"/>
+            <a:off x="1249982" y="5527548"/>
+            <a:ext cx="246639" cy="233796"/>
           </a:xfrm>
           <a:prstGeom prst="star5">
             <a:avLst/>
@@ -6987,7 +6988,7 @@
           <a:lstStyle/>
           <a:p>
             <a:pPr algn="ctr"/>
-            <a:endParaRPr lang="en-US"/>
+            <a:endParaRPr lang="en-US" sz="1994"/>
           </a:p>
         </p:txBody>
       </p:sp>
@@ -6999,8 +7000,8 @@
         </p:nvSpPr>
         <p:spPr>
           <a:xfrm>
-            <a:off x="1245092" y="4750592"/>
-            <a:ext cx="222637" cy="211044"/>
+            <a:off x="1190503" y="4952200"/>
+            <a:ext cx="246639" cy="233796"/>
           </a:xfrm>
           <a:prstGeom prst="star5">
             <a:avLst/>
@@ -7035,7 +7036,7 @@
           <a:lstStyle/>
           <a:p>
             <a:pPr algn="ctr"/>
-            <a:endParaRPr lang="en-US"/>
+            <a:endParaRPr lang="en-US" sz="1994"/>
           </a:p>
         </p:txBody>
       </p:sp>
@@ -7047,8 +7048,8 @@
         </p:nvSpPr>
         <p:spPr>
           <a:xfrm>
-            <a:off x="5293130" y="3995821"/>
-            <a:ext cx="125627" cy="125627"/>
+            <a:off x="5674952" y="4116062"/>
+            <a:ext cx="139170" cy="139170"/>
           </a:xfrm>
           <a:prstGeom prst="ellipse">
             <a:avLst/>
@@ -7079,7 +7080,7 @@
           </a:fontRef>
         </p:style>
         <p:txBody>
-          <a:bodyPr rot="0" spcFirstLastPara="0" vertOverflow="overflow" horzOverflow="overflow" vert="horz" wrap="square" lIns="91440" tIns="45720" rIns="91440" bIns="45720" numCol="1" spcCol="0" rtlCol="0" fromWordArt="0" anchor="ctr" anchorCtr="0" forceAA="0" compatLnSpc="1">
+          <a:bodyPr rot="0" spcFirstLastPara="0" vertOverflow="overflow" horzOverflow="overflow" vert="horz" wrap="square" lIns="101298" tIns="50649" rIns="101298" bIns="50649" numCol="1" spcCol="0" rtlCol="0" fromWordArt="0" anchor="ctr" anchorCtr="0" forceAA="0" compatLnSpc="1">
             <a:prstTxWarp prst="textNoShape">
               <a:avLst/>
             </a:prstTxWarp>
@@ -7088,7 +7089,7 @@
           <a:lstStyle/>
           <a:p>
             <a:pPr algn="ctr"/>
-            <a:endParaRPr lang="en-US"/>
+            <a:endParaRPr lang="en-US" sz="1994"/>
           </a:p>
         </p:txBody>
       </p:sp>
@@ -7100,10 +7101,10 @@
         </p:nvGrpSpPr>
         <p:grpSpPr>
           <a:xfrm>
-            <a:off x="808142" y="338823"/>
-            <a:ext cx="2680592" cy="1395254"/>
+            <a:off x="706445" y="64808"/>
+            <a:ext cx="2969580" cy="1569820"/>
             <a:chOff x="808142" y="338823"/>
-            <a:chExt cx="2680592" cy="1395254"/>
+            <a:chExt cx="2680592" cy="1417051"/>
           </a:xfrm>
         </p:grpSpPr>
         <p:grpSp>
@@ -7115,9 +7116,9 @@
           <p:grpSpPr>
             <a:xfrm>
               <a:off x="808142" y="338823"/>
-              <a:ext cx="2680592" cy="1395254"/>
+              <a:ext cx="2680592" cy="1417051"/>
               <a:chOff x="7035902" y="814489"/>
-              <a:chExt cx="2680592" cy="1395254"/>
+              <a:chExt cx="2680592" cy="1417051"/>
             </a:xfrm>
           </p:grpSpPr>
           <p:sp>
@@ -7129,7 +7130,7 @@
             <p:spPr>
               <a:xfrm>
                 <a:off x="7035902" y="814489"/>
-                <a:ext cx="2680592" cy="1395254"/>
+                <a:ext cx="2680592" cy="1417051"/>
               </a:xfrm>
               <a:prstGeom prst="rect">
                 <a:avLst/>
@@ -7149,11 +7150,11 @@
               <a:p>
                 <a:pPr>
                   <a:spcAft>
-                    <a:spcPts val="200"/>
+                    <a:spcPts val="221"/>
                   </a:spcAft>
                 </a:pPr>
                 <a:r>
-                  <a:rPr lang="en-US" sz="1600" b="1" dirty="0">
+                  <a:rPr lang="en-US" sz="1772" b="1" dirty="0">
                     <a:latin typeface="Times New Roman" panose="02020603050405020304" pitchFamily="18" charset="0"/>
                     <a:cs typeface="Times New Roman" panose="02020603050405020304" pitchFamily="18" charset="0"/>
                   </a:rPr>
@@ -7163,11 +7164,11 @@
               <a:p>
                 <a:pPr>
                   <a:spcAft>
-                    <a:spcPts val="200"/>
+                    <a:spcPts val="221"/>
                   </a:spcAft>
                 </a:pPr>
                 <a:r>
-                  <a:rPr lang="en-US" sz="1600" b="1" dirty="0">
+                  <a:rPr lang="en-US" sz="1772" b="1" dirty="0">
                     <a:latin typeface="Times New Roman" panose="02020603050405020304" pitchFamily="18" charset="0"/>
                     <a:cs typeface="Times New Roman" panose="02020603050405020304" pitchFamily="18" charset="0"/>
                   </a:rPr>
@@ -7177,11 +7178,11 @@
               <a:p>
                 <a:pPr>
                   <a:spcAft>
-                    <a:spcPts val="200"/>
+                    <a:spcPts val="221"/>
                   </a:spcAft>
                 </a:pPr>
                 <a:r>
-                  <a:rPr lang="en-US" sz="1600" b="1" dirty="0">
+                  <a:rPr lang="en-US" sz="1772" b="1" dirty="0">
                     <a:latin typeface="Times New Roman" panose="02020603050405020304" pitchFamily="18" charset="0"/>
                     <a:cs typeface="Times New Roman" panose="02020603050405020304" pitchFamily="18" charset="0"/>
                   </a:rPr>
@@ -7191,18 +7192,18 @@
               <a:p>
                 <a:pPr>
                   <a:spcAft>
-                    <a:spcPts val="200"/>
+                    <a:spcPts val="221"/>
                   </a:spcAft>
                 </a:pPr>
                 <a:r>
-                  <a:rPr lang="en-US" sz="1600" b="1" dirty="0">
+                  <a:rPr lang="en-US" sz="1772" b="1" dirty="0">
                     <a:latin typeface="Times New Roman" panose="02020603050405020304" pitchFamily="18" charset="0"/>
                     <a:cs typeface="Times New Roman" panose="02020603050405020304" pitchFamily="18" charset="0"/>
                   </a:rPr>
                   <a:t>Robot</a:t>
                 </a:r>
                 <a:r>
-                  <a:rPr lang="en-US" sz="1400" b="1" dirty="0">
+                  <a:rPr lang="en-US" sz="1551" b="1" dirty="0">
                     <a:latin typeface="Times New Roman" panose="02020603050405020304" pitchFamily="18" charset="0"/>
                     <a:cs typeface="Times New Roman" panose="02020603050405020304" pitchFamily="18" charset="0"/>
                   </a:rPr>
@@ -7212,11 +7213,11 @@
               <a:p>
                 <a:pPr>
                   <a:spcAft>
-                    <a:spcPts val="200"/>
+                    <a:spcPts val="221"/>
                   </a:spcAft>
                 </a:pPr>
                 <a:r>
-                  <a:rPr lang="en-US" sz="1400" b="1" dirty="0">
+                  <a:rPr lang="en-US" sz="1551" b="1" dirty="0">
                     <a:latin typeface="Times New Roman" panose="02020603050405020304" pitchFamily="18" charset="0"/>
                     <a:cs typeface="Times New Roman" panose="02020603050405020304" pitchFamily="18" charset="0"/>
                   </a:rPr>
@@ -7269,7 +7270,7 @@
               <a:lstStyle/>
               <a:p>
                 <a:pPr algn="ctr"/>
-                <a:endParaRPr lang="en-US"/>
+                <a:endParaRPr lang="en-US" sz="1994"/>
               </a:p>
             </p:txBody>
           </p:sp>
@@ -7317,7 +7318,7 @@
               <a:lstStyle/>
               <a:p>
                 <a:pPr algn="ctr"/>
-                <a:endParaRPr lang="en-US"/>
+                <a:endParaRPr lang="en-US" sz="1994"/>
               </a:p>
             </p:txBody>
           </p:sp>
@@ -7379,7 +7380,7 @@
                 <a:lstStyle/>
                 <a:p>
                   <a:pPr algn="ctr"/>
-                  <a:endParaRPr lang="en-US" sz="1200" dirty="0">
+                  <a:endParaRPr lang="en-US" sz="1329" dirty="0">
                     <a:solidFill>
                       <a:sysClr val="windowText" lastClr="000000"/>
                     </a:solidFill>
@@ -7427,7 +7428,7 @@
                 </a:fontRef>
               </p:style>
               <p:txBody>
-                <a:bodyPr rot="0" spcFirstLastPara="0" vertOverflow="overflow" horzOverflow="overflow" vert="horz" wrap="square" lIns="91440" tIns="45720" rIns="91440" bIns="45720" numCol="1" spcCol="0" rtlCol="0" fromWordArt="0" anchor="ctr" anchorCtr="0" forceAA="0" compatLnSpc="1">
+                <a:bodyPr rot="0" spcFirstLastPara="0" vertOverflow="overflow" horzOverflow="overflow" vert="horz" wrap="square" lIns="101298" tIns="50649" rIns="101298" bIns="50649" numCol="1" spcCol="0" rtlCol="0" fromWordArt="0" anchor="ctr" anchorCtr="0" forceAA="0" compatLnSpc="1">
                   <a:prstTxWarp prst="textNoShape">
                     <a:avLst/>
                   </a:prstTxWarp>
@@ -7436,7 +7437,7 @@
                 <a:lstStyle/>
                 <a:p>
                   <a:pPr algn="ctr"/>
-                  <a:endParaRPr lang="en-US"/>
+                  <a:endParaRPr lang="en-US" sz="1994"/>
                 </a:p>
               </p:txBody>
             </p:sp>
@@ -7481,7 +7482,7 @@
               </a:fontRef>
             </p:style>
             <p:txBody>
-              <a:bodyPr rot="0" spcFirstLastPara="0" vertOverflow="overflow" horzOverflow="overflow" vert="horz" wrap="square" lIns="91440" tIns="45720" rIns="91440" bIns="45720" numCol="1" spcCol="0" rtlCol="0" fromWordArt="0" anchor="ctr" anchorCtr="0" forceAA="0" compatLnSpc="1">
+              <a:bodyPr rot="0" spcFirstLastPara="0" vertOverflow="overflow" horzOverflow="overflow" vert="horz" wrap="square" lIns="101298" tIns="50649" rIns="101298" bIns="50649" numCol="1" spcCol="0" rtlCol="0" fromWordArt="0" anchor="ctr" anchorCtr="0" forceAA="0" compatLnSpc="1">
                 <a:prstTxWarp prst="textNoShape">
                   <a:avLst/>
                 </a:prstTxWarp>
@@ -7490,7 +7491,7 @@
               <a:lstStyle/>
               <a:p>
                 <a:pPr algn="ctr"/>
-                <a:endParaRPr lang="en-US"/>
+                <a:endParaRPr lang="en-US" sz="1994"/>
               </a:p>
             </p:txBody>
           </p:sp>
@@ -7537,7 +7538,7 @@
             </a:fontRef>
           </p:style>
           <p:txBody>
-            <a:bodyPr rot="0" spcFirstLastPara="0" vertOverflow="overflow" horzOverflow="overflow" vert="horz" wrap="square" lIns="91440" tIns="45720" rIns="91440" bIns="45720" numCol="1" spcCol="0" rtlCol="0" fromWordArt="0" anchor="ctr" anchorCtr="0" forceAA="0" compatLnSpc="1">
+            <a:bodyPr rot="0" spcFirstLastPara="0" vertOverflow="overflow" horzOverflow="overflow" vert="horz" wrap="square" lIns="101298" tIns="50649" rIns="101298" bIns="50649" numCol="1" spcCol="0" rtlCol="0" fromWordArt="0" anchor="ctr" anchorCtr="0" forceAA="0" compatLnSpc="1">
               <a:prstTxWarp prst="textNoShape">
                 <a:avLst/>
               </a:prstTxWarp>
@@ -7546,7 +7547,7 @@
             <a:lstStyle/>
             <a:p>
               <a:pPr algn="ctr"/>
-              <a:endParaRPr lang="en-US"/>
+              <a:endParaRPr lang="en-US" sz="1994"/>
             </a:p>
           </p:txBody>
         </p:sp>
@@ -7555,6 +7556,679 @@
     <p:extLst>
       <p:ext uri="{BB962C8B-B14F-4D97-AF65-F5344CB8AC3E}">
         <p14:creationId xmlns:p14="http://schemas.microsoft.com/office/powerpoint/2010/main" val="2115740262"/>
+      </p:ext>
+    </p:extLst>
+  </p:cSld>
+  <p:clrMapOvr>
+    <a:masterClrMapping/>
+  </p:clrMapOvr>
+</p:sld>
+</file>
+
+<file path=ppt/slides/slide2.xml><?xml version="1.0" encoding="utf-8"?>
+<p:sld xmlns:a="http://schemas.openxmlformats.org/drawingml/2006/main" xmlns:r="http://schemas.openxmlformats.org/officeDocument/2006/relationships" xmlns:p="http://schemas.openxmlformats.org/presentationml/2006/main">
+  <p:cSld>
+    <p:spTree>
+      <p:nvGrpSpPr>
+        <p:cNvPr id="1" name=""/>
+        <p:cNvGrpSpPr/>
+        <p:nvPr/>
+      </p:nvGrpSpPr>
+      <p:grpSpPr>
+        <a:xfrm>
+          <a:off x="0" y="0"/>
+          <a:ext cx="0" cy="0"/>
+          <a:chOff x="0" y="0"/>
+          <a:chExt cx="0" cy="0"/>
+        </a:xfrm>
+      </p:grpSpPr>
+      <p:graphicFrame>
+        <p:nvGraphicFramePr>
+          <p:cNvPr id="27" name="Table 26"/>
+          <p:cNvGraphicFramePr>
+            <a:graphicFrameLocks noGrp="1"/>
+          </p:cNvGraphicFramePr>
+          <p:nvPr>
+            <p:extLst>
+              <p:ext uri="{D42A27DB-BD31-4B8C-83A1-F6EECF244321}">
+                <p14:modId xmlns:p14="http://schemas.microsoft.com/office/powerpoint/2010/main" val="3870909086"/>
+              </p:ext>
+            </p:extLst>
+          </p:nvPr>
+        </p:nvGraphicFramePr>
+        <p:xfrm>
+          <a:off x="1" y="0"/>
+          <a:ext cx="518736" cy="5761038"/>
+        </p:xfrm>
+        <a:graphic>
+          <a:graphicData uri="http://schemas.openxmlformats.org/drawingml/2006/table">
+            <a:tbl>
+              <a:tblPr firstRow="1" bandRow="1">
+                <a:tableStyleId>{5C22544A-7EE6-4342-B048-85BDC9FD1C3A}</a:tableStyleId>
+              </a:tblPr>
+              <a:tblGrid>
+                <a:gridCol w="518736">
+                  <a:extLst>
+                    <a:ext uri="{9D8B030D-6E8A-4147-A177-3AD203B41FA5}">
+                      <a16:colId xmlns:a16="http://schemas.microsoft.com/office/drawing/2014/main" val="472818947"/>
+                    </a:ext>
+                  </a:extLst>
+                </a:gridCol>
+              </a:tblGrid>
+              <a:tr h="1763501">
+                <a:tc>
+                  <a:txBody>
+                    <a:bodyPr/>
+                    <a:lstStyle/>
+                    <a:p>
+                      <a:pPr algn="ctr"/>
+                      <a:r>
+                        <a:rPr lang="en-US" sz="1600" b="0" cap="none" spc="0" dirty="0">
+                          <a:ln w="0"/>
+                          <a:solidFill>
+                            <a:schemeClr val="tx1"/>
+                          </a:solidFill>
+                          <a:effectLst>
+                            <a:outerShdw blurRad="38100" dist="19050" dir="2700000" algn="tl" rotWithShape="0">
+                              <a:schemeClr val="dk1">
+                                <a:alpha val="40000"/>
+                              </a:schemeClr>
+                            </a:outerShdw>
+                          </a:effectLst>
+                          <a:latin typeface="Times New Roman" panose="02020603050405020304" pitchFamily="18" charset="0"/>
+                          <a:cs typeface="Times New Roman" panose="02020603050405020304" pitchFamily="18" charset="0"/>
+                        </a:rPr>
+                        <a:t>Main Region 2</a:t>
+                      </a:r>
+                    </a:p>
+                  </a:txBody>
+                  <a:tcPr marL="98367" marR="98367" marT="49183" marB="49183" vert="vert270" anchor="b">
+                    <a:solidFill>
+                      <a:srgbClr val="9DC3E6"/>
+                    </a:solidFill>
+                  </a:tcPr>
+                </a:tc>
+                <a:extLst>
+                  <a:ext uri="{0D108BD9-81ED-4DB2-BD59-A6C34878D82A}">
+                    <a16:rowId xmlns:a16="http://schemas.microsoft.com/office/drawing/2014/main" val="1333213716"/>
+                  </a:ext>
+                </a:extLst>
+              </a:tr>
+              <a:tr h="2052950">
+                <a:tc>
+                  <a:txBody>
+                    <a:bodyPr/>
+                    <a:lstStyle/>
+                    <a:p>
+                      <a:pPr algn="ctr"/>
+                      <a:r>
+                        <a:rPr lang="en-US" sz="1600" b="0" cap="none" spc="0" dirty="0">
+                          <a:ln w="0"/>
+                          <a:solidFill>
+                            <a:schemeClr val="tx1"/>
+                          </a:solidFill>
+                          <a:effectLst>
+                            <a:outerShdw blurRad="38100" dist="19050" dir="2700000" algn="tl" rotWithShape="0">
+                              <a:schemeClr val="dk1">
+                                <a:alpha val="40000"/>
+                              </a:schemeClr>
+                            </a:outerShdw>
+                          </a:effectLst>
+                          <a:latin typeface="Times New Roman" panose="02020603050405020304" pitchFamily="18" charset="0"/>
+                          <a:cs typeface="Times New Roman" panose="02020603050405020304" pitchFamily="18" charset="0"/>
+                        </a:rPr>
+                        <a:t>Main Region</a:t>
+                      </a:r>
+                      <a:r>
+                        <a:rPr lang="en-US" sz="1600" b="0" cap="none" spc="0" baseline="0" dirty="0">
+                          <a:ln w="0"/>
+                          <a:solidFill>
+                            <a:schemeClr val="tx1"/>
+                          </a:solidFill>
+                          <a:effectLst>
+                            <a:outerShdw blurRad="38100" dist="19050" dir="2700000" algn="tl" rotWithShape="0">
+                              <a:schemeClr val="dk1">
+                                <a:alpha val="40000"/>
+                              </a:schemeClr>
+                            </a:outerShdw>
+                          </a:effectLst>
+                          <a:latin typeface="Times New Roman" panose="02020603050405020304" pitchFamily="18" charset="0"/>
+                          <a:cs typeface="Times New Roman" panose="02020603050405020304" pitchFamily="18" charset="0"/>
+                        </a:rPr>
+                        <a:t> 1</a:t>
+                      </a:r>
+                      <a:endParaRPr lang="en-US" sz="1600" b="0" cap="none" spc="0" dirty="0">
+                        <a:ln w="0"/>
+                        <a:solidFill>
+                          <a:schemeClr val="tx1"/>
+                        </a:solidFill>
+                        <a:effectLst>
+                          <a:outerShdw blurRad="38100" dist="19050" dir="2700000" algn="tl" rotWithShape="0">
+                            <a:schemeClr val="dk1">
+                              <a:alpha val="40000"/>
+                            </a:schemeClr>
+                          </a:outerShdw>
+                        </a:effectLst>
+                        <a:latin typeface="Times New Roman" panose="02020603050405020304" pitchFamily="18" charset="0"/>
+                        <a:cs typeface="Times New Roman" panose="02020603050405020304" pitchFamily="18" charset="0"/>
+                      </a:endParaRPr>
+                    </a:p>
+                  </a:txBody>
+                  <a:tcPr marL="98367" marR="98367" marT="49183" marB="49183" vert="vert270" anchor="b">
+                    <a:solidFill>
+                      <a:srgbClr val="BDD7EE"/>
+                    </a:solidFill>
+                  </a:tcPr>
+                </a:tc>
+                <a:extLst>
+                  <a:ext uri="{0D108BD9-81ED-4DB2-BD59-A6C34878D82A}">
+                    <a16:rowId xmlns:a16="http://schemas.microsoft.com/office/drawing/2014/main" val="662500559"/>
+                  </a:ext>
+                </a:extLst>
+              </a:tr>
+              <a:tr h="1944587">
+                <a:tc>
+                  <a:txBody>
+                    <a:bodyPr/>
+                    <a:lstStyle/>
+                    <a:p>
+                      <a:pPr algn="ctr"/>
+                      <a:r>
+                        <a:rPr lang="en-US" sz="1600" b="0" cap="none" spc="0" dirty="0">
+                          <a:ln w="0"/>
+                          <a:solidFill>
+                            <a:schemeClr val="tx1"/>
+                          </a:solidFill>
+                          <a:effectLst>
+                            <a:outerShdw blurRad="38100" dist="19050" dir="2700000" algn="tl" rotWithShape="0">
+                              <a:schemeClr val="dk1">
+                                <a:alpha val="40000"/>
+                              </a:schemeClr>
+                            </a:outerShdw>
+                          </a:effectLst>
+                          <a:latin typeface="Times New Roman" panose="02020603050405020304" pitchFamily="18" charset="0"/>
+                          <a:cs typeface="Times New Roman" panose="02020603050405020304" pitchFamily="18" charset="0"/>
+                        </a:rPr>
+                        <a:t>Main Region 0</a:t>
+                      </a:r>
+                    </a:p>
+                  </a:txBody>
+                  <a:tcPr marL="98367" marR="98367" marT="49183" marB="49183" vert="vert270" anchor="b">
+                    <a:solidFill>
+                      <a:srgbClr val="DEEBF7"/>
+                    </a:solidFill>
+                  </a:tcPr>
+                </a:tc>
+                <a:extLst>
+                  <a:ext uri="{0D108BD9-81ED-4DB2-BD59-A6C34878D82A}">
+                    <a16:rowId xmlns:a16="http://schemas.microsoft.com/office/drawing/2014/main" val="4131164901"/>
+                  </a:ext>
+                </a:extLst>
+              </a:tr>
+            </a:tbl>
+          </a:graphicData>
+        </a:graphic>
+      </p:graphicFrame>
+      <p:pic>
+        <p:nvPicPr>
+          <p:cNvPr id="43" name="Picture 42"/>
+          <p:cNvPicPr>
+            <a:picLocks noChangeAspect="1"/>
+          </p:cNvPicPr>
+          <p:nvPr/>
+        </p:nvPicPr>
+        <p:blipFill>
+          <a:blip r:embed="rId2"/>
+          <a:stretch>
+            <a:fillRect/>
+          </a:stretch>
+        </p:blipFill>
+        <p:spPr>
+          <a:xfrm>
+            <a:off x="515146" y="0"/>
+            <a:ext cx="5811527" cy="5782469"/>
+          </a:xfrm>
+          <a:prstGeom prst="rect">
+            <a:avLst/>
+          </a:prstGeom>
+        </p:spPr>
+      </p:pic>
+      <p:cxnSp>
+        <p:nvCxnSpPr>
+          <p:cNvPr id="25" name="Straight Connector 24"/>
+          <p:cNvCxnSpPr/>
+          <p:nvPr/>
+        </p:nvCxnSpPr>
+        <p:spPr>
+          <a:xfrm flipV="1">
+            <a:off x="783884" y="1781797"/>
+            <a:ext cx="1152432" cy="11230"/>
+          </a:xfrm>
+          <a:prstGeom prst="line">
+            <a:avLst/>
+          </a:prstGeom>
+          <a:ln w="57150">
+            <a:solidFill>
+              <a:srgbClr val="FF0000"/>
+            </a:solidFill>
+            <a:prstDash val="sysDot"/>
+          </a:ln>
+        </p:spPr>
+        <p:style>
+          <a:lnRef idx="1">
+            <a:schemeClr val="accent1"/>
+          </a:lnRef>
+          <a:fillRef idx="0">
+            <a:schemeClr val="accent1"/>
+          </a:fillRef>
+          <a:effectRef idx="0">
+            <a:schemeClr val="accent1"/>
+          </a:effectRef>
+          <a:fontRef idx="minor">
+            <a:schemeClr val="tx1"/>
+          </a:fontRef>
+        </p:style>
+      </p:cxnSp>
+      <p:cxnSp>
+        <p:nvCxnSpPr>
+          <p:cNvPr id="26" name="Straight Connector 25"/>
+          <p:cNvCxnSpPr/>
+          <p:nvPr/>
+        </p:nvCxnSpPr>
+        <p:spPr>
+          <a:xfrm>
+            <a:off x="4849398" y="3806849"/>
+            <a:ext cx="1157767" cy="9680"/>
+          </a:xfrm>
+          <a:prstGeom prst="line">
+            <a:avLst/>
+          </a:prstGeom>
+          <a:ln w="57150">
+            <a:solidFill>
+              <a:srgbClr val="FF0000"/>
+            </a:solidFill>
+            <a:prstDash val="sysDot"/>
+          </a:ln>
+        </p:spPr>
+        <p:style>
+          <a:lnRef idx="1">
+            <a:schemeClr val="accent1"/>
+          </a:lnRef>
+          <a:fillRef idx="0">
+            <a:schemeClr val="accent1"/>
+          </a:fillRef>
+          <a:effectRef idx="0">
+            <a:schemeClr val="accent1"/>
+          </a:effectRef>
+          <a:fontRef idx="minor">
+            <a:schemeClr val="tx1"/>
+          </a:fontRef>
+        </p:style>
+      </p:cxnSp>
+      <p:sp>
+        <p:nvSpPr>
+          <p:cNvPr id="34" name="TextBox 33"/>
+          <p:cNvSpPr txBox="1"/>
+          <p:nvPr/>
+        </p:nvSpPr>
+        <p:spPr>
+          <a:xfrm>
+            <a:off x="894722" y="376871"/>
+            <a:ext cx="2330699" cy="1272144"/>
+          </a:xfrm>
+          <a:prstGeom prst="rect">
+            <a:avLst/>
+          </a:prstGeom>
+          <a:noFill/>
+          <a:ln w="28575">
+            <a:solidFill>
+              <a:srgbClr val="C00000"/>
+            </a:solidFill>
+          </a:ln>
+        </p:spPr>
+        <p:txBody>
+          <a:bodyPr wrap="square" rtlCol="0">
+            <a:spAutoFit/>
+          </a:bodyPr>
+          <a:lstStyle/>
+          <a:p>
+            <a:pPr>
+              <a:spcAft>
+                <a:spcPts val="221"/>
+              </a:spcAft>
+            </a:pPr>
+            <a:r>
+              <a:rPr lang="en-US" sz="1400" b="1" dirty="0">
+                <a:latin typeface="Times New Roman" panose="02020603050405020304" pitchFamily="18" charset="0"/>
+                <a:cs typeface="Times New Roman" panose="02020603050405020304" pitchFamily="18" charset="0"/>
+              </a:rPr>
+              <a:t>Goal Without Regions</a:t>
+            </a:r>
+          </a:p>
+          <a:p>
+            <a:pPr>
+              <a:spcAft>
+                <a:spcPts val="221"/>
+              </a:spcAft>
+            </a:pPr>
+            <a:r>
+              <a:rPr lang="en-US" sz="1400" b="1" dirty="0">
+                <a:latin typeface="Times New Roman" panose="02020603050405020304" pitchFamily="18" charset="0"/>
+                <a:cs typeface="Times New Roman" panose="02020603050405020304" pitchFamily="18" charset="0"/>
+              </a:rPr>
+              <a:t>Goal With Regions</a:t>
+            </a:r>
+          </a:p>
+          <a:p>
+            <a:pPr>
+              <a:spcAft>
+                <a:spcPts val="221"/>
+              </a:spcAft>
+            </a:pPr>
+            <a:r>
+              <a:rPr lang="en-US" sz="1400" b="1" dirty="0">
+                <a:latin typeface="Times New Roman" panose="02020603050405020304" pitchFamily="18" charset="0"/>
+                <a:cs typeface="Times New Roman" panose="02020603050405020304" pitchFamily="18" charset="0"/>
+              </a:rPr>
+              <a:t>Object</a:t>
+            </a:r>
+          </a:p>
+          <a:p>
+            <a:pPr>
+              <a:spcAft>
+                <a:spcPts val="221"/>
+              </a:spcAft>
+            </a:pPr>
+            <a:r>
+              <a:rPr lang="en-US" sz="1400" b="1" dirty="0">
+                <a:latin typeface="Times New Roman" panose="02020603050405020304" pitchFamily="18" charset="0"/>
+                <a:cs typeface="Times New Roman" panose="02020603050405020304" pitchFamily="18" charset="0"/>
+              </a:rPr>
+              <a:t>Robots in Region</a:t>
+            </a:r>
+          </a:p>
+          <a:p>
+            <a:pPr>
+              <a:spcAft>
+                <a:spcPts val="221"/>
+              </a:spcAft>
+            </a:pPr>
+            <a:r>
+              <a:rPr lang="en-US" sz="1400" b="1" dirty="0">
+                <a:latin typeface="Times New Roman" panose="02020603050405020304" pitchFamily="18" charset="0"/>
+                <a:cs typeface="Times New Roman" panose="02020603050405020304" pitchFamily="18" charset="0"/>
+              </a:rPr>
+              <a:t>Robots out of Region</a:t>
+            </a:r>
+          </a:p>
+        </p:txBody>
+      </p:sp>
+      <p:sp>
+        <p:nvSpPr>
+          <p:cNvPr id="39" name="Hexagon 38"/>
+          <p:cNvSpPr/>
+          <p:nvPr/>
+        </p:nvSpPr>
+        <p:spPr>
+          <a:xfrm rot="25011">
+            <a:off x="2923972" y="943555"/>
+            <a:ext cx="149035" cy="137565"/>
+          </a:xfrm>
+          <a:prstGeom prst="hexagon">
+            <a:avLst/>
+          </a:prstGeom>
+          <a:solidFill>
+            <a:srgbClr val="38F838"/>
+          </a:solidFill>
+          <a:ln w="28575">
+            <a:solidFill>
+              <a:schemeClr val="tx1"/>
+            </a:solidFill>
+          </a:ln>
+        </p:spPr>
+        <p:style>
+          <a:lnRef idx="2">
+            <a:schemeClr val="accent1">
+              <a:shade val="50000"/>
+            </a:schemeClr>
+          </a:lnRef>
+          <a:fillRef idx="1">
+            <a:schemeClr val="accent1"/>
+          </a:fillRef>
+          <a:effectRef idx="0">
+            <a:schemeClr val="accent1"/>
+          </a:effectRef>
+          <a:fontRef idx="minor">
+            <a:schemeClr val="lt1"/>
+          </a:fontRef>
+        </p:style>
+        <p:txBody>
+          <a:bodyPr rtlCol="0" anchor="ctr"/>
+          <a:lstStyle/>
+          <a:p>
+            <a:pPr algn="ctr"/>
+            <a:endParaRPr lang="en-US" sz="1329" dirty="0">
+              <a:solidFill>
+                <a:sysClr val="windowText" lastClr="000000"/>
+              </a:solidFill>
+            </a:endParaRPr>
+          </a:p>
+        </p:txBody>
+      </p:sp>
+      <p:sp>
+        <p:nvSpPr>
+          <p:cNvPr id="38" name="Oval 37"/>
+          <p:cNvSpPr/>
+          <p:nvPr/>
+        </p:nvSpPr>
+        <p:spPr>
+          <a:xfrm>
+            <a:off x="2934043" y="1186505"/>
+            <a:ext cx="128892" cy="137260"/>
+          </a:xfrm>
+          <a:prstGeom prst="ellipse">
+            <a:avLst/>
+          </a:prstGeom>
+          <a:solidFill>
+            <a:srgbClr val="38F838"/>
+          </a:solidFill>
+          <a:ln w="19050">
+            <a:solidFill>
+              <a:srgbClr val="0000FF"/>
+            </a:solidFill>
+          </a:ln>
+        </p:spPr>
+        <p:style>
+          <a:lnRef idx="2">
+            <a:schemeClr val="accent1">
+              <a:shade val="50000"/>
+            </a:schemeClr>
+          </a:lnRef>
+          <a:fillRef idx="1">
+            <a:schemeClr val="accent1"/>
+          </a:fillRef>
+          <a:effectRef idx="0">
+            <a:schemeClr val="accent1"/>
+          </a:effectRef>
+          <a:fontRef idx="minor">
+            <a:schemeClr val="lt1"/>
+          </a:fontRef>
+        </p:style>
+        <p:txBody>
+          <a:bodyPr rot="0" spcFirstLastPara="0" vertOverflow="overflow" horzOverflow="overflow" vert="horz" wrap="square" lIns="101298" tIns="50649" rIns="101298" bIns="50649" numCol="1" spcCol="0" rtlCol="0" fromWordArt="0" anchor="ctr" anchorCtr="0" forceAA="0" compatLnSpc="1">
+            <a:prstTxWarp prst="textNoShape">
+              <a:avLst/>
+            </a:prstTxWarp>
+            <a:noAutofit/>
+          </a:bodyPr>
+          <a:lstStyle/>
+          <a:p>
+            <a:pPr algn="ctr"/>
+            <a:endParaRPr lang="en-US" sz="1994"/>
+          </a:p>
+        </p:txBody>
+      </p:sp>
+      <p:sp>
+        <p:nvSpPr>
+          <p:cNvPr id="33" name="Oval 32"/>
+          <p:cNvSpPr/>
+          <p:nvPr/>
+        </p:nvSpPr>
+        <p:spPr>
+          <a:xfrm>
+            <a:off x="2934043" y="1414935"/>
+            <a:ext cx="128892" cy="129237"/>
+          </a:xfrm>
+          <a:prstGeom prst="ellipse">
+            <a:avLst/>
+          </a:prstGeom>
+          <a:solidFill>
+            <a:schemeClr val="bg1">
+              <a:lumMod val="85000"/>
+            </a:schemeClr>
+          </a:solidFill>
+          <a:ln w="19050">
+            <a:solidFill>
+              <a:srgbClr val="FF0000"/>
+            </a:solidFill>
+          </a:ln>
+        </p:spPr>
+        <p:style>
+          <a:lnRef idx="2">
+            <a:schemeClr val="accent1">
+              <a:shade val="50000"/>
+            </a:schemeClr>
+          </a:lnRef>
+          <a:fillRef idx="1">
+            <a:schemeClr val="accent1"/>
+          </a:fillRef>
+          <a:effectRef idx="0">
+            <a:schemeClr val="accent1"/>
+          </a:effectRef>
+          <a:fontRef idx="minor">
+            <a:schemeClr val="lt1"/>
+          </a:fontRef>
+        </p:style>
+        <p:txBody>
+          <a:bodyPr rot="0" spcFirstLastPara="0" vertOverflow="overflow" horzOverflow="overflow" vert="horz" wrap="square" lIns="101298" tIns="50649" rIns="101298" bIns="50649" numCol="1" spcCol="0" rtlCol="0" fromWordArt="0" anchor="ctr" anchorCtr="0" forceAA="0" compatLnSpc="1">
+            <a:prstTxWarp prst="textNoShape">
+              <a:avLst/>
+            </a:prstTxWarp>
+            <a:noAutofit/>
+          </a:bodyPr>
+          <a:lstStyle/>
+          <a:p>
+            <a:pPr algn="ctr"/>
+            <a:endParaRPr lang="en-US" sz="1994"/>
+          </a:p>
+        </p:txBody>
+      </p:sp>
+      <p:sp>
+        <p:nvSpPr>
+          <p:cNvPr id="41" name="Oval 40"/>
+          <p:cNvSpPr/>
+          <p:nvPr/>
+        </p:nvSpPr>
+        <p:spPr>
+          <a:xfrm>
+            <a:off x="2928900" y="711651"/>
+            <a:ext cx="128892" cy="137260"/>
+          </a:xfrm>
+          <a:prstGeom prst="ellipse">
+            <a:avLst/>
+          </a:prstGeom>
+          <a:noFill/>
+          <a:ln w="38100">
+            <a:solidFill>
+              <a:srgbClr val="FF0000"/>
+            </a:solidFill>
+          </a:ln>
+        </p:spPr>
+        <p:style>
+          <a:lnRef idx="2">
+            <a:schemeClr val="accent1">
+              <a:shade val="50000"/>
+            </a:schemeClr>
+          </a:lnRef>
+          <a:fillRef idx="1">
+            <a:schemeClr val="accent1"/>
+          </a:fillRef>
+          <a:effectRef idx="0">
+            <a:schemeClr val="accent1"/>
+          </a:effectRef>
+          <a:fontRef idx="minor">
+            <a:schemeClr val="lt1"/>
+          </a:fontRef>
+        </p:style>
+        <p:txBody>
+          <a:bodyPr rot="0" spcFirstLastPara="0" vertOverflow="overflow" horzOverflow="overflow" vert="horz" wrap="square" lIns="101298" tIns="50649" rIns="101298" bIns="50649" numCol="1" spcCol="0" rtlCol="0" fromWordArt="0" anchor="ctr" anchorCtr="0" forceAA="0" compatLnSpc="1">
+            <a:prstTxWarp prst="textNoShape">
+              <a:avLst/>
+            </a:prstTxWarp>
+            <a:noAutofit/>
+          </a:bodyPr>
+          <a:lstStyle/>
+          <a:p>
+            <a:pPr algn="ctr"/>
+            <a:endParaRPr lang="en-US" sz="1994"/>
+          </a:p>
+        </p:txBody>
+      </p:sp>
+      <p:sp>
+        <p:nvSpPr>
+          <p:cNvPr id="44" name="Oval 43"/>
+          <p:cNvSpPr/>
+          <p:nvPr/>
+        </p:nvSpPr>
+        <p:spPr>
+          <a:xfrm>
+            <a:off x="2934043" y="469547"/>
+            <a:ext cx="128892" cy="137260"/>
+          </a:xfrm>
+          <a:prstGeom prst="ellipse">
+            <a:avLst/>
+          </a:prstGeom>
+          <a:noFill/>
+          <a:ln w="38100">
+            <a:solidFill>
+              <a:schemeClr val="tx1"/>
+            </a:solidFill>
+          </a:ln>
+        </p:spPr>
+        <p:style>
+          <a:lnRef idx="2">
+            <a:schemeClr val="accent1">
+              <a:shade val="50000"/>
+            </a:schemeClr>
+          </a:lnRef>
+          <a:fillRef idx="1">
+            <a:schemeClr val="accent1"/>
+          </a:fillRef>
+          <a:effectRef idx="0">
+            <a:schemeClr val="accent1"/>
+          </a:effectRef>
+          <a:fontRef idx="minor">
+            <a:schemeClr val="lt1"/>
+          </a:fontRef>
+        </p:style>
+        <p:txBody>
+          <a:bodyPr rot="0" spcFirstLastPara="0" vertOverflow="overflow" horzOverflow="overflow" vert="horz" wrap="square" lIns="101298" tIns="50649" rIns="101298" bIns="50649" numCol="1" spcCol="0" rtlCol="0" fromWordArt="0" anchor="ctr" anchorCtr="0" forceAA="0" compatLnSpc="1">
+            <a:prstTxWarp prst="textNoShape">
+              <a:avLst/>
+            </a:prstTxWarp>
+            <a:noAutofit/>
+          </a:bodyPr>
+          <a:lstStyle/>
+          <a:p>
+            <a:pPr algn="ctr"/>
+            <a:endParaRPr lang="en-US" sz="1994"/>
+          </a:p>
+        </p:txBody>
+      </p:sp>
+    </p:spTree>
+    <p:extLst>
+      <p:ext uri="{BB962C8B-B14F-4D97-AF65-F5344CB8AC3E}">
+        <p14:creationId xmlns:p14="http://schemas.microsoft.com/office/powerpoint/2010/main" val="168372270"/>
       </p:ext>
     </p:extLst>
   </p:cSld>
